--- a/2023-11-15.pptx
+++ b/2023-11-15.pptx
@@ -5,7 +5,7 @@
     <p:sldMasterId id="2147483685" r:id="rId1"/>
   </p:sldMasterIdLst>
   <p:notesMasterIdLst>
-    <p:notesMasterId r:id="rId27"/>
+    <p:notesMasterId r:id="rId26"/>
   </p:notesMasterIdLst>
   <p:sldIdLst>
     <p:sldId id="338" r:id="rId2"/>
@@ -17,22 +17,21 @@
     <p:sldId id="346" r:id="rId8"/>
     <p:sldId id="345" r:id="rId9"/>
     <p:sldId id="347" r:id="rId10"/>
-    <p:sldId id="341" r:id="rId11"/>
-    <p:sldId id="336" r:id="rId12"/>
-    <p:sldId id="342" r:id="rId13"/>
-    <p:sldId id="344" r:id="rId14"/>
-    <p:sldId id="349" r:id="rId15"/>
-    <p:sldId id="348" r:id="rId16"/>
-    <p:sldId id="350" r:id="rId17"/>
-    <p:sldId id="343" r:id="rId18"/>
-    <p:sldId id="316" r:id="rId19"/>
-    <p:sldId id="318" r:id="rId20"/>
-    <p:sldId id="317" r:id="rId21"/>
-    <p:sldId id="319" r:id="rId22"/>
-    <p:sldId id="329" r:id="rId23"/>
-    <p:sldId id="330" r:id="rId24"/>
-    <p:sldId id="332" r:id="rId25"/>
-    <p:sldId id="333" r:id="rId26"/>
+    <p:sldId id="351" r:id="rId11"/>
+    <p:sldId id="352" r:id="rId12"/>
+    <p:sldId id="353" r:id="rId13"/>
+    <p:sldId id="349" r:id="rId14"/>
+    <p:sldId id="348" r:id="rId15"/>
+    <p:sldId id="350" r:id="rId16"/>
+    <p:sldId id="341" r:id="rId17"/>
+    <p:sldId id="336" r:id="rId18"/>
+    <p:sldId id="342" r:id="rId19"/>
+    <p:sldId id="344" r:id="rId20"/>
+    <p:sldId id="343" r:id="rId21"/>
+    <p:sldId id="316" r:id="rId22"/>
+    <p:sldId id="318" r:id="rId23"/>
+    <p:sldId id="317" r:id="rId24"/>
+    <p:sldId id="319" r:id="rId25"/>
   </p:sldIdLst>
   <p:sldSz cx="12192000" cy="6858000"/>
   <p:notesSz cx="9926638" cy="6797675"/>
@@ -221,7 +220,7 @@
           <a:p>
             <a:fld id="{6E600245-82A6-45B8-99C4-3E65E796AE67}" type="datetimeFigureOut">
               <a:rPr lang="zh-TW" altLang="en-US" smtClean="0"/>
-              <a:t>2023/11/12</a:t>
+              <a:t>2023/11/13</a:t>
             </a:fld>
             <a:endParaRPr lang="zh-TW" altLang="en-US"/>
           </a:p>
@@ -1211,7 +1210,7 @@
             <a:fld id="{B61BEF0D-F0BB-DE4B-95CE-6DB70DBA9567}" type="datetimeFigureOut">
               <a:rPr lang="en-US" smtClean="0"/>
               <a:pPr/>
-              <a:t>11/12/2023</a:t>
+              <a:t>11/13/2023</a:t>
             </a:fld>
             <a:endParaRPr lang="en-US" dirty="0"/>
           </a:p>
@@ -1464,7 +1463,7 @@
             <a:fld id="{B61BEF0D-F0BB-DE4B-95CE-6DB70DBA9567}" type="datetimeFigureOut">
               <a:rPr lang="en-US" smtClean="0"/>
               <a:pPr/>
-              <a:t>11/12/2023</a:t>
+              <a:t>11/13/2023</a:t>
             </a:fld>
             <a:endParaRPr lang="en-US" dirty="0"/>
           </a:p>
@@ -1780,7 +1779,7 @@
             <a:fld id="{B61BEF0D-F0BB-DE4B-95CE-6DB70DBA9567}" type="datetimeFigureOut">
               <a:rPr lang="en-US" smtClean="0"/>
               <a:pPr/>
-              <a:t>11/12/2023</a:t>
+              <a:t>11/13/2023</a:t>
             </a:fld>
             <a:endParaRPr lang="en-US" dirty="0"/>
           </a:p>
@@ -2123,7 +2122,7 @@
             <a:fld id="{B61BEF0D-F0BB-DE4B-95CE-6DB70DBA9567}" type="datetimeFigureOut">
               <a:rPr lang="en-US" smtClean="0"/>
               <a:pPr/>
-              <a:t>11/12/2023</a:t>
+              <a:t>11/13/2023</a:t>
             </a:fld>
             <a:endParaRPr lang="en-US" dirty="0"/>
           </a:p>
@@ -2439,7 +2438,7 @@
             <a:fld id="{B61BEF0D-F0BB-DE4B-95CE-6DB70DBA9567}" type="datetimeFigureOut">
               <a:rPr lang="en-US" smtClean="0"/>
               <a:pPr/>
-              <a:t>11/12/2023</a:t>
+              <a:t>11/13/2023</a:t>
             </a:fld>
             <a:endParaRPr lang="en-US" dirty="0"/>
           </a:p>
@@ -2834,7 +2833,7 @@
             <a:fld id="{B61BEF0D-F0BB-DE4B-95CE-6DB70DBA9567}" type="datetimeFigureOut">
               <a:rPr lang="en-US" smtClean="0"/>
               <a:pPr/>
-              <a:t>11/12/2023</a:t>
+              <a:t>11/13/2023</a:t>
             </a:fld>
             <a:endParaRPr lang="en-US" dirty="0"/>
           </a:p>
@@ -3005,7 +3004,7 @@
           <a:p>
             <a:fld id="{55C6B4A9-1611-4792-9094-5F34BCA07E0B}" type="datetimeFigureOut">
               <a:rPr lang="en-US" smtClean="0"/>
-              <a:t>11/12/2023</a:t>
+              <a:t>11/13/2023</a:t>
             </a:fld>
             <a:endParaRPr lang="en-US" dirty="0"/>
           </a:p>
@@ -3186,7 +3185,7 @@
             <a:fld id="{B61BEF0D-F0BB-DE4B-95CE-6DB70DBA9567}" type="datetimeFigureOut">
               <a:rPr lang="en-US" smtClean="0"/>
               <a:pPr/>
-              <a:t>11/12/2023</a:t>
+              <a:t>11/13/2023</a:t>
             </a:fld>
             <a:endParaRPr lang="en-US" dirty="0"/>
           </a:p>
@@ -3364,7 +3363,7 @@
             <a:fld id="{B61BEF0D-F0BB-DE4B-95CE-6DB70DBA9567}" type="datetimeFigureOut">
               <a:rPr lang="en-US" smtClean="0"/>
               <a:pPr/>
-              <a:t>11/12/2023</a:t>
+              <a:t>11/13/2023</a:t>
             </a:fld>
             <a:endParaRPr lang="en-US" dirty="0"/>
           </a:p>
@@ -3613,7 +3612,7 @@
             <a:fld id="{B61BEF0D-F0BB-DE4B-95CE-6DB70DBA9567}" type="datetimeFigureOut">
               <a:rPr lang="en-US" smtClean="0"/>
               <a:pPr/>
-              <a:t>11/12/2023</a:t>
+              <a:t>11/13/2023</a:t>
             </a:fld>
             <a:endParaRPr lang="en-US" dirty="0"/>
           </a:p>
@@ -3847,7 +3846,7 @@
             <a:fld id="{B61BEF0D-F0BB-DE4B-95CE-6DB70DBA9567}" type="datetimeFigureOut">
               <a:rPr lang="en-US" smtClean="0"/>
               <a:pPr/>
-              <a:t>11/12/2023</a:t>
+              <a:t>11/13/2023</a:t>
             </a:fld>
             <a:endParaRPr lang="en-US" dirty="0"/>
           </a:p>
@@ -4223,7 +4222,7 @@
             <a:fld id="{B61BEF0D-F0BB-DE4B-95CE-6DB70DBA9567}" type="datetimeFigureOut">
               <a:rPr lang="en-US" smtClean="0"/>
               <a:pPr/>
-              <a:t>11/12/2023</a:t>
+              <a:t>11/13/2023</a:t>
             </a:fld>
             <a:endParaRPr lang="en-US" dirty="0"/>
           </a:p>
@@ -4348,7 +4347,7 @@
             <a:fld id="{B61BEF0D-F0BB-DE4B-95CE-6DB70DBA9567}" type="datetimeFigureOut">
               <a:rPr lang="en-US" smtClean="0"/>
               <a:pPr/>
-              <a:t>11/12/2023</a:t>
+              <a:t>11/13/2023</a:t>
             </a:fld>
             <a:endParaRPr lang="en-US" dirty="0"/>
           </a:p>
@@ -4445,7 +4444,7 @@
             <a:fld id="{B61BEF0D-F0BB-DE4B-95CE-6DB70DBA9567}" type="datetimeFigureOut">
               <a:rPr lang="en-US" smtClean="0"/>
               <a:pPr/>
-              <a:t>11/12/2023</a:t>
+              <a:t>11/13/2023</a:t>
             </a:fld>
             <a:endParaRPr lang="en-US" dirty="0"/>
           </a:p>
@@ -4701,7 +4700,7 @@
           <a:p>
             <a:fld id="{42A54C80-263E-416B-A8E0-580EDEADCBDC}" type="datetimeFigureOut">
               <a:rPr lang="en-US" smtClean="0"/>
-              <a:t>11/12/2023</a:t>
+              <a:t>11/13/2023</a:t>
             </a:fld>
             <a:endParaRPr lang="en-US" dirty="0"/>
           </a:p>
@@ -4965,7 +4964,7 @@
             <a:fld id="{B61BEF0D-F0BB-DE4B-95CE-6DB70DBA9567}" type="datetimeFigureOut">
               <a:rPr lang="en-US" smtClean="0"/>
               <a:pPr/>
-              <a:t>11/12/2023</a:t>
+              <a:t>11/13/2023</a:t>
             </a:fld>
             <a:endParaRPr lang="en-US" dirty="0"/>
           </a:p>
@@ -5720,7 +5719,7 @@
             <a:fld id="{B61BEF0D-F0BB-DE4B-95CE-6DB70DBA9567}" type="datetimeFigureOut">
               <a:rPr lang="en-US" smtClean="0"/>
               <a:pPr/>
-              <a:t>11/12/2023</a:t>
+              <a:t>11/13/2023</a:t>
             </a:fld>
             <a:endParaRPr lang="en-US" dirty="0"/>
           </a:p>
@@ -6518,7 +6517,123 @@
             <a:pPr algn="ctr"/>
             <a:r>
               <a:rPr lang="zh-TW" altLang="en-US" sz="7200" b="1" dirty="0"/>
-              <a:t>特徵萃取圖樣分析</a:t>
+              <a:t>重音訓練結果</a:t>
+            </a:r>
+            <a:br>
+              <a:rPr lang="en-US" altLang="zh-TW" sz="7200" b="1" dirty="0"/>
+            </a:br>
+            <a:endParaRPr lang="zh-TW" altLang="en-US" sz="7200" b="1" dirty="0"/>
+          </a:p>
+        </p:txBody>
+      </p:sp>
+      <p:sp>
+        <p:nvSpPr>
+          <p:cNvPr id="3" name="標題 1">
+            <a:extLst>
+              <a:ext uri="{FF2B5EF4-FFF2-40B4-BE49-F238E27FC236}">
+                <a16:creationId xmlns:a16="http://schemas.microsoft.com/office/drawing/2014/main" id="{1AB897BE-D550-B96C-B54F-86AE24612143}"/>
+              </a:ext>
+            </a:extLst>
+          </p:cNvPr>
+          <p:cNvSpPr txBox="1">
+            <a:spLocks/>
+          </p:cNvSpPr>
+          <p:nvPr/>
+        </p:nvSpPr>
+        <p:spPr>
+          <a:xfrm>
+            <a:off x="0" y="3669719"/>
+            <a:ext cx="12192000" cy="1078450"/>
+          </a:xfrm>
+          <a:prstGeom prst="rect">
+            <a:avLst/>
+          </a:prstGeom>
+        </p:spPr>
+        <p:txBody>
+          <a:bodyPr vert="horz" lIns="91440" tIns="45720" rIns="91440" bIns="45720" rtlCol="0" anchor="t">
+            <a:normAutofit fontScale="97500"/>
+          </a:bodyPr>
+          <a:lstStyle>
+            <a:lvl1pPr algn="l" defTabSz="457200" rtl="0" eaLnBrk="1" latinLnBrk="0" hangingPunct="1">
+              <a:spcBef>
+                <a:spcPct val="0"/>
+              </a:spcBef>
+              <a:buNone/>
+              <a:defRPr sz="3600" kern="1200">
+                <a:solidFill>
+                  <a:schemeClr val="accent1"/>
+                </a:solidFill>
+                <a:latin typeface="+mj-lt"/>
+                <a:ea typeface="+mj-ea"/>
+                <a:cs typeface="+mj-cs"/>
+              </a:defRPr>
+            </a:lvl1pPr>
+            <a:lvl2pPr eaLnBrk="1" hangingPunct="1">
+              <a:defRPr>
+                <a:solidFill>
+                  <a:schemeClr val="tx2"/>
+                </a:solidFill>
+              </a:defRPr>
+            </a:lvl2pPr>
+            <a:lvl3pPr eaLnBrk="1" hangingPunct="1">
+              <a:defRPr>
+                <a:solidFill>
+                  <a:schemeClr val="tx2"/>
+                </a:solidFill>
+              </a:defRPr>
+            </a:lvl3pPr>
+            <a:lvl4pPr eaLnBrk="1" hangingPunct="1">
+              <a:defRPr>
+                <a:solidFill>
+                  <a:schemeClr val="tx2"/>
+                </a:solidFill>
+              </a:defRPr>
+            </a:lvl4pPr>
+            <a:lvl5pPr eaLnBrk="1" hangingPunct="1">
+              <a:defRPr>
+                <a:solidFill>
+                  <a:schemeClr val="tx2"/>
+                </a:solidFill>
+              </a:defRPr>
+            </a:lvl5pPr>
+            <a:lvl6pPr eaLnBrk="1" hangingPunct="1">
+              <a:defRPr>
+                <a:solidFill>
+                  <a:schemeClr val="tx2"/>
+                </a:solidFill>
+              </a:defRPr>
+            </a:lvl6pPr>
+            <a:lvl7pPr eaLnBrk="1" hangingPunct="1">
+              <a:defRPr>
+                <a:solidFill>
+                  <a:schemeClr val="tx2"/>
+                </a:solidFill>
+              </a:defRPr>
+            </a:lvl7pPr>
+            <a:lvl8pPr eaLnBrk="1" hangingPunct="1">
+              <a:defRPr>
+                <a:solidFill>
+                  <a:schemeClr val="tx2"/>
+                </a:solidFill>
+              </a:defRPr>
+            </a:lvl8pPr>
+            <a:lvl9pPr eaLnBrk="1" hangingPunct="1">
+              <a:defRPr>
+                <a:solidFill>
+                  <a:schemeClr val="tx2"/>
+                </a:solidFill>
+              </a:defRPr>
+            </a:lvl9pPr>
+          </a:lstStyle>
+          <a:p>
+            <a:pPr algn="ctr"/>
+            <a:r>
+              <a:rPr lang="zh-TW" altLang="en-US" sz="4000" dirty="0">
+                <a:solidFill>
+                  <a:schemeClr val="accent2"/>
+                </a:solidFill>
+              </a:rPr>
+              <a:t>取前三個重音</a:t>
             </a:r>
           </a:p>
         </p:txBody>
@@ -6526,7 +6641,7 @@
     </p:spTree>
     <p:extLst>
       <p:ext uri="{BB962C8B-B14F-4D97-AF65-F5344CB8AC3E}">
-        <p14:creationId xmlns:p14="http://schemas.microsoft.com/office/powerpoint/2010/main" val="147045691"/>
+        <p14:creationId xmlns:p14="http://schemas.microsoft.com/office/powerpoint/2010/main" val="2292045433"/>
       </p:ext>
     </p:extLst>
   </p:cSld>
@@ -6555,13 +6670,7 @@
       </p:grpSpPr>
       <p:sp>
         <p:nvSpPr>
-          <p:cNvPr id="2" name="標題 1">
-            <a:extLst>
-              <a:ext uri="{FF2B5EF4-FFF2-40B4-BE49-F238E27FC236}">
-                <a16:creationId xmlns:a16="http://schemas.microsoft.com/office/drawing/2014/main" id="{BD307EDC-991B-0CD0-1C13-B749EF34C328}"/>
-              </a:ext>
-            </a:extLst>
-          </p:cNvPr>
+          <p:cNvPr id="2" name="標題 1"/>
           <p:cNvSpPr>
             <a:spLocks noGrp="1"/>
           </p:cNvSpPr>
@@ -6569,106 +6678,26 @@
             <p:ph type="title"/>
           </p:nvPr>
         </p:nvSpPr>
-        <p:spPr>
-          <a:xfrm>
-            <a:off x="677334" y="609600"/>
-            <a:ext cx="9666292" cy="1320800"/>
-          </a:xfrm>
-        </p:spPr>
+        <p:spPr/>
         <p:txBody>
           <a:bodyPr>
             <a:normAutofit/>
           </a:bodyPr>
           <a:lstStyle/>
           <a:p>
-            <a:r>
-              <a:rPr lang="zh-TW" altLang="en-US" dirty="0"/>
-              <a:t>不同</a:t>
-            </a:r>
-            <a:r>
-              <a:rPr lang="zh-TW" altLang="en-US" dirty="0">
-                <a:solidFill>
-                  <a:schemeClr val="accent2"/>
-                </a:solidFill>
-              </a:rPr>
-              <a:t>區域</a:t>
-            </a:r>
-            <a:r>
-              <a:rPr lang="zh-TW" altLang="en-US" dirty="0"/>
-              <a:t>之間比較</a:t>
-            </a:r>
             <a:br>
               <a:rPr lang="en-US" altLang="zh-TW" dirty="0"/>
             </a:br>
-            <a:r>
-              <a:rPr lang="zh-TW" altLang="en-US" dirty="0"/>
-              <a:t>以</a:t>
-            </a:r>
-            <a:r>
-              <a:rPr lang="en-US" altLang="zh-TW" dirty="0">
-                <a:solidFill>
-                  <a:schemeClr val="accent2"/>
-                </a:solidFill>
-              </a:rPr>
-              <a:t>DR2</a:t>
-            </a:r>
-            <a:r>
-              <a:rPr lang="en-US" altLang="zh-TW" dirty="0"/>
-              <a:t>(</a:t>
-            </a:r>
-            <a:r>
-              <a:rPr lang="zh-TW" altLang="en-US" dirty="0"/>
-              <a:t>北美</a:t>
-            </a:r>
-            <a:r>
-              <a:rPr lang="en-US" altLang="zh-TW" dirty="0"/>
-              <a:t>)</a:t>
-            </a:r>
-            <a:r>
-              <a:rPr lang="zh-TW" altLang="en-US" dirty="0"/>
-              <a:t>與</a:t>
-            </a:r>
-            <a:r>
-              <a:rPr lang="en-US" altLang="zh-TW" dirty="0">
-                <a:solidFill>
-                  <a:schemeClr val="accent2"/>
-                </a:solidFill>
-              </a:rPr>
-              <a:t>DR5</a:t>
-            </a:r>
-            <a:r>
-              <a:rPr lang="en-US" altLang="zh-TW" dirty="0"/>
-              <a:t>(</a:t>
-            </a:r>
-            <a:r>
-              <a:rPr lang="zh-TW" altLang="en-US" dirty="0"/>
-              <a:t>南美</a:t>
-            </a:r>
-            <a:r>
-              <a:rPr lang="en-US" altLang="zh-TW" dirty="0"/>
-              <a:t>)</a:t>
-            </a:r>
-            <a:r>
-              <a:rPr lang="zh-TW" altLang="en-US" dirty="0"/>
-              <a:t>男性</a:t>
-            </a:r>
-            <a:r>
-              <a:rPr lang="en-US" altLang="zh-TW" dirty="0"/>
-              <a:t>SA1</a:t>
-            </a:r>
-            <a:r>
-              <a:rPr lang="zh-TW" altLang="en-US" dirty="0"/>
-              <a:t>語句為例</a:t>
-            </a:r>
-          </a:p>
-        </p:txBody>
-      </p:sp>
-      <p:sp>
-        <p:nvSpPr>
-          <p:cNvPr id="17" name="文字方塊 16">
+            <a:endParaRPr lang="zh-TW" altLang="en-US" dirty="0"/>
+          </a:p>
+        </p:txBody>
+      </p:sp>
+      <p:sp>
+        <p:nvSpPr>
+          <p:cNvPr id="5" name="文字方塊 4">
             <a:extLst>
               <a:ext uri="{FF2B5EF4-FFF2-40B4-BE49-F238E27FC236}">
-                <a16:creationId xmlns:a16="http://schemas.microsoft.com/office/drawing/2014/main" id="{E5D3F5F8-862C-A08A-E836-8ADA75752787}"/>
+                <a16:creationId xmlns:a16="http://schemas.microsoft.com/office/drawing/2014/main" id="{3A909603-2CCC-4775-AFF7-EEDAEF5D8F86}"/>
               </a:ext>
             </a:extLst>
           </p:cNvPr>
@@ -6677,8 +6706,8 @@
         </p:nvSpPr>
         <p:spPr>
           <a:xfrm>
-            <a:off x="677334" y="1930400"/>
-            <a:ext cx="9498512" cy="338554"/>
+            <a:off x="11489635" y="6488668"/>
+            <a:ext cx="702365" cy="338554"/>
           </a:xfrm>
           <a:prstGeom prst="rect">
             <a:avLst/>
@@ -6686,7 +6715,7 @@
           <a:noFill/>
         </p:spPr>
         <p:txBody>
-          <a:bodyPr wrap="square">
+          <a:bodyPr wrap="square" rtlCol="0">
             <a:spAutoFit/>
           </a:bodyPr>
           <a:lstStyle/>
@@ -6694,14 +6723,22 @@
             <a:r>
               <a:rPr lang="en-US" altLang="zh-TW" sz="1600" dirty="0">
                 <a:solidFill>
-                  <a:schemeClr val="accent2"/>
+                  <a:schemeClr val="bg1"/>
                 </a:solidFill>
               </a:rPr>
-              <a:t>D:\TIMITDIC_231101_data_all_sentence\TEST\img_librosa\pe_50_DR25_M_SA1_2_cnn_mfcc\DR2\M\2d</a:t>
-            </a:r>
-            <a:endParaRPr lang="zh-TW" altLang="en-US" sz="1600" dirty="0">
+              <a:t>0</a:t>
+            </a:r>
+            <a:fld id="{14AC972E-A942-4833-AA5E-CD5138CD0656}" type="slidenum">
+              <a:rPr lang="en-US" altLang="zh-TW" sz="1600" smtClean="0">
+                <a:solidFill>
+                  <a:schemeClr val="bg1"/>
+                </a:solidFill>
+              </a:rPr>
+              <a:t>11</a:t>
+            </a:fld>
+            <a:endParaRPr lang="zh-TW" altLang="en-US" dirty="0">
               <a:solidFill>
-                <a:schemeClr val="accent2"/>
+                <a:schemeClr val="bg1"/>
               </a:solidFill>
             </a:endParaRPr>
           </a:p>
@@ -6709,154 +6746,117 @@
       </p:sp>
       <p:sp>
         <p:nvSpPr>
-          <p:cNvPr id="19" name="文字方塊 18">
+          <p:cNvPr id="10" name="標題 1">
             <a:extLst>
               <a:ext uri="{FF2B5EF4-FFF2-40B4-BE49-F238E27FC236}">
-                <a16:creationId xmlns:a16="http://schemas.microsoft.com/office/drawing/2014/main" id="{06474740-C3CF-21B5-6926-47E0AF00E3D0}"/>
+                <a16:creationId xmlns:a16="http://schemas.microsoft.com/office/drawing/2014/main" id="{66F794C4-EB0C-4E8A-A5B9-6048138809A1}"/>
               </a:ext>
             </a:extLst>
           </p:cNvPr>
-          <p:cNvSpPr txBox="1"/>
+          <p:cNvSpPr txBox="1">
+            <a:spLocks/>
+          </p:cNvSpPr>
           <p:nvPr/>
         </p:nvSpPr>
         <p:spPr>
           <a:xfrm>
-            <a:off x="677334" y="4243558"/>
-            <a:ext cx="9498512" cy="338554"/>
+            <a:off x="829734" y="762000"/>
+            <a:ext cx="8596668" cy="1320800"/>
           </a:xfrm>
           <a:prstGeom prst="rect">
             <a:avLst/>
           </a:prstGeom>
-          <a:noFill/>
-        </p:spPr>
-        <p:txBody>
-          <a:bodyPr wrap="square">
-            <a:spAutoFit/>
+        </p:spPr>
+        <p:txBody>
+          <a:bodyPr vert="horz" lIns="91440" tIns="45720" rIns="91440" bIns="45720" rtlCol="0" anchor="t">
+            <a:normAutofit/>
           </a:bodyPr>
-          <a:lstStyle/>
-          <a:p>
-            <a:r>
-              <a:rPr lang="en-US" altLang="zh-TW" sz="1600" dirty="0">
-                <a:solidFill>
-                  <a:schemeClr val="accent2"/>
-                </a:solidFill>
-              </a:rPr>
-              <a:t>D:\TIMITDIC_231101_data_all_sentence\TEST\img_librosa\pe_50_DR25_M_SA1_2_cnn_mfcc\DR5\M\2d</a:t>
-            </a:r>
-            <a:endParaRPr lang="zh-TW" altLang="en-US" sz="1600" dirty="0">
-              <a:solidFill>
-                <a:schemeClr val="accent2"/>
-              </a:solidFill>
-            </a:endParaRPr>
-          </a:p>
-        </p:txBody>
-      </p:sp>
-      <p:sp>
-        <p:nvSpPr>
-          <p:cNvPr id="31" name="文字方塊 30">
-            <a:extLst>
-              <a:ext uri="{FF2B5EF4-FFF2-40B4-BE49-F238E27FC236}">
-                <a16:creationId xmlns:a16="http://schemas.microsoft.com/office/drawing/2014/main" id="{41ECC211-80B8-E5C6-BAB0-75819524207A}"/>
-              </a:ext>
-            </a:extLst>
-          </p:cNvPr>
-          <p:cNvSpPr txBox="1"/>
-          <p:nvPr/>
-        </p:nvSpPr>
-        <p:spPr>
-          <a:xfrm>
-            <a:off x="522864" y="3056201"/>
-            <a:ext cx="634817" cy="400110"/>
-          </a:xfrm>
-          <a:prstGeom prst="rect">
-            <a:avLst/>
-          </a:prstGeom>
-          <a:noFill/>
-        </p:spPr>
-        <p:txBody>
-          <a:bodyPr wrap="square">
-            <a:spAutoFit/>
-          </a:bodyPr>
-          <a:lstStyle/>
-          <a:p>
-            <a:r>
-              <a:rPr lang="en-US" altLang="zh-TW" sz="2000" dirty="0">
+          <a:lstStyle>
+            <a:lvl1pPr algn="l" defTabSz="457200" rtl="0" eaLnBrk="1" latinLnBrk="0" hangingPunct="1">
+              <a:spcBef>
+                <a:spcPct val="0"/>
+              </a:spcBef>
+              <a:buNone/>
+              <a:defRPr sz="3600" kern="1200">
                 <a:solidFill>
                   <a:schemeClr val="accent1"/>
                 </a:solidFill>
                 <a:latin typeface="+mj-lt"/>
                 <a:ea typeface="+mj-ea"/>
                 <a:cs typeface="+mj-cs"/>
-              </a:rPr>
-              <a:t>DR2</a:t>
-            </a:r>
-            <a:endParaRPr lang="zh-TW" altLang="en-US" sz="2000" dirty="0">
-              <a:solidFill>
-                <a:schemeClr val="accent1"/>
-              </a:solidFill>
-              <a:latin typeface="+mj-lt"/>
-              <a:ea typeface="+mj-ea"/>
-              <a:cs typeface="+mj-cs"/>
-            </a:endParaRPr>
-          </a:p>
-        </p:txBody>
-      </p:sp>
-      <p:sp>
-        <p:nvSpPr>
-          <p:cNvPr id="32" name="文字方塊 31">
+              </a:defRPr>
+            </a:lvl1pPr>
+            <a:lvl2pPr eaLnBrk="1" hangingPunct="1">
+              <a:defRPr>
+                <a:solidFill>
+                  <a:schemeClr val="tx2"/>
+                </a:solidFill>
+              </a:defRPr>
+            </a:lvl2pPr>
+            <a:lvl3pPr eaLnBrk="1" hangingPunct="1">
+              <a:defRPr>
+                <a:solidFill>
+                  <a:schemeClr val="tx2"/>
+                </a:solidFill>
+              </a:defRPr>
+            </a:lvl3pPr>
+            <a:lvl4pPr eaLnBrk="1" hangingPunct="1">
+              <a:defRPr>
+                <a:solidFill>
+                  <a:schemeClr val="tx2"/>
+                </a:solidFill>
+              </a:defRPr>
+            </a:lvl4pPr>
+            <a:lvl5pPr eaLnBrk="1" hangingPunct="1">
+              <a:defRPr>
+                <a:solidFill>
+                  <a:schemeClr val="tx2"/>
+                </a:solidFill>
+              </a:defRPr>
+            </a:lvl5pPr>
+            <a:lvl6pPr eaLnBrk="1" hangingPunct="1">
+              <a:defRPr>
+                <a:solidFill>
+                  <a:schemeClr val="tx2"/>
+                </a:solidFill>
+              </a:defRPr>
+            </a:lvl6pPr>
+            <a:lvl7pPr eaLnBrk="1" hangingPunct="1">
+              <a:defRPr>
+                <a:solidFill>
+                  <a:schemeClr val="tx2"/>
+                </a:solidFill>
+              </a:defRPr>
+            </a:lvl7pPr>
+            <a:lvl8pPr eaLnBrk="1" hangingPunct="1">
+              <a:defRPr>
+                <a:solidFill>
+                  <a:schemeClr val="tx2"/>
+                </a:solidFill>
+              </a:defRPr>
+            </a:lvl8pPr>
+            <a:lvl9pPr eaLnBrk="1" hangingPunct="1">
+              <a:defRPr>
+                <a:solidFill>
+                  <a:schemeClr val="tx2"/>
+                </a:solidFill>
+              </a:defRPr>
+            </a:lvl9pPr>
+          </a:lstStyle>
+          <a:p>
+            <a:r>
+              <a:rPr lang="zh-TW" altLang="en-US" dirty="0"/>
+              <a:t>網路架構</a:t>
+            </a:r>
+          </a:p>
+        </p:txBody>
+      </p:sp>
+      <p:pic>
+        <p:nvPicPr>
+          <p:cNvPr id="7" name="圖片 6">
             <a:extLst>
               <a:ext uri="{FF2B5EF4-FFF2-40B4-BE49-F238E27FC236}">
-                <a16:creationId xmlns:a16="http://schemas.microsoft.com/office/drawing/2014/main" id="{AEE7C1CE-C528-3000-ECEF-429383513AD3}"/>
-              </a:ext>
-            </a:extLst>
-          </p:cNvPr>
-          <p:cNvSpPr txBox="1"/>
-          <p:nvPr/>
-        </p:nvSpPr>
-        <p:spPr>
-          <a:xfrm>
-            <a:off x="522863" y="5369361"/>
-            <a:ext cx="634817" cy="400110"/>
-          </a:xfrm>
-          <a:prstGeom prst="rect">
-            <a:avLst/>
-          </a:prstGeom>
-          <a:noFill/>
-        </p:spPr>
-        <p:txBody>
-          <a:bodyPr wrap="square">
-            <a:spAutoFit/>
-          </a:bodyPr>
-          <a:lstStyle/>
-          <a:p>
-            <a:r>
-              <a:rPr lang="en-US" altLang="zh-TW" sz="2000" dirty="0">
-                <a:solidFill>
-                  <a:schemeClr val="accent1"/>
-                </a:solidFill>
-                <a:latin typeface="+mj-lt"/>
-                <a:ea typeface="+mj-ea"/>
-                <a:cs typeface="+mj-cs"/>
-              </a:rPr>
-              <a:t>DR5</a:t>
-            </a:r>
-            <a:endParaRPr lang="zh-TW" altLang="en-US" sz="2000" dirty="0">
-              <a:solidFill>
-                <a:schemeClr val="accent1"/>
-              </a:solidFill>
-              <a:latin typeface="+mj-lt"/>
-              <a:ea typeface="+mj-ea"/>
-              <a:cs typeface="+mj-cs"/>
-            </a:endParaRPr>
-          </a:p>
-        </p:txBody>
-      </p:sp>
-      <p:pic>
-        <p:nvPicPr>
-          <p:cNvPr id="34" name="圖片 33">
-            <a:extLst>
-              <a:ext uri="{FF2B5EF4-FFF2-40B4-BE49-F238E27FC236}">
-                <a16:creationId xmlns:a16="http://schemas.microsoft.com/office/drawing/2014/main" id="{51B38949-254A-CC82-B19F-8ECA9F181938}"/>
+                <a16:creationId xmlns:a16="http://schemas.microsoft.com/office/drawing/2014/main" id="{F58E2764-5B78-CF4B-0485-60401A6B4592}"/>
               </a:ext>
             </a:extLst>
           </p:cNvPr>
@@ -6873,158 +6873,8 @@
         </p:blipFill>
         <p:spPr>
           <a:xfrm>
-            <a:off x="1449120" y="2349196"/>
-            <a:ext cx="2146329" cy="1800000"/>
-          </a:xfrm>
-          <a:prstGeom prst="rect">
-            <a:avLst/>
-          </a:prstGeom>
-        </p:spPr>
-      </p:pic>
-      <p:pic>
-        <p:nvPicPr>
-          <p:cNvPr id="36" name="圖片 35">
-            <a:extLst>
-              <a:ext uri="{FF2B5EF4-FFF2-40B4-BE49-F238E27FC236}">
-                <a16:creationId xmlns:a16="http://schemas.microsoft.com/office/drawing/2014/main" id="{D00A7A74-EFEE-2EC2-487A-AC37ADCF7BA0}"/>
-              </a:ext>
-            </a:extLst>
-          </p:cNvPr>
-          <p:cNvPicPr>
-            <a:picLocks noChangeAspect="1"/>
-          </p:cNvPicPr>
-          <p:nvPr/>
-        </p:nvPicPr>
-        <p:blipFill>
-          <a:blip r:embed="rId3"/>
-          <a:stretch>
-            <a:fillRect/>
-          </a:stretch>
-        </p:blipFill>
-        <p:spPr>
-          <a:xfrm>
-            <a:off x="4008646" y="2349196"/>
-            <a:ext cx="2130151" cy="1800000"/>
-          </a:xfrm>
-          <a:prstGeom prst="rect">
-            <a:avLst/>
-          </a:prstGeom>
-        </p:spPr>
-      </p:pic>
-      <p:pic>
-        <p:nvPicPr>
-          <p:cNvPr id="38" name="圖片 37">
-            <a:extLst>
-              <a:ext uri="{FF2B5EF4-FFF2-40B4-BE49-F238E27FC236}">
-                <a16:creationId xmlns:a16="http://schemas.microsoft.com/office/drawing/2014/main" id="{43EF4388-D334-A56E-EC6B-0E073D21CAF7}"/>
-              </a:ext>
-            </a:extLst>
-          </p:cNvPr>
-          <p:cNvPicPr>
-            <a:picLocks noChangeAspect="1"/>
-          </p:cNvPicPr>
-          <p:nvPr/>
-        </p:nvPicPr>
-        <p:blipFill>
-          <a:blip r:embed="rId4"/>
-          <a:stretch>
-            <a:fillRect/>
-          </a:stretch>
-        </p:blipFill>
-        <p:spPr>
-          <a:xfrm>
-            <a:off x="6638405" y="2349196"/>
-            <a:ext cx="2146329" cy="1800000"/>
-          </a:xfrm>
-          <a:prstGeom prst="rect">
-            <a:avLst/>
-          </a:prstGeom>
-        </p:spPr>
-      </p:pic>
-      <p:pic>
-        <p:nvPicPr>
-          <p:cNvPr id="40" name="圖片 39">
-            <a:extLst>
-              <a:ext uri="{FF2B5EF4-FFF2-40B4-BE49-F238E27FC236}">
-                <a16:creationId xmlns:a16="http://schemas.microsoft.com/office/drawing/2014/main" id="{456211EB-895A-F12A-FED8-047271526299}"/>
-              </a:ext>
-            </a:extLst>
-          </p:cNvPr>
-          <p:cNvPicPr>
-            <a:picLocks noChangeAspect="1"/>
-          </p:cNvPicPr>
-          <p:nvPr/>
-        </p:nvPicPr>
-        <p:blipFill>
-          <a:blip r:embed="rId5"/>
-          <a:stretch>
-            <a:fillRect/>
-          </a:stretch>
-        </p:blipFill>
-        <p:spPr>
-          <a:xfrm>
-            <a:off x="1449119" y="4664359"/>
-            <a:ext cx="2146329" cy="1800000"/>
-          </a:xfrm>
-          <a:prstGeom prst="rect">
-            <a:avLst/>
-          </a:prstGeom>
-        </p:spPr>
-      </p:pic>
-      <p:pic>
-        <p:nvPicPr>
-          <p:cNvPr id="42" name="圖片 41">
-            <a:extLst>
-              <a:ext uri="{FF2B5EF4-FFF2-40B4-BE49-F238E27FC236}">
-                <a16:creationId xmlns:a16="http://schemas.microsoft.com/office/drawing/2014/main" id="{FBE9D741-4024-645C-66EE-C4C8A468200C}"/>
-              </a:ext>
-            </a:extLst>
-          </p:cNvPr>
-          <p:cNvPicPr>
-            <a:picLocks noChangeAspect="1"/>
-          </p:cNvPicPr>
-          <p:nvPr/>
-        </p:nvPicPr>
-        <p:blipFill>
-          <a:blip r:embed="rId6"/>
-          <a:stretch>
-            <a:fillRect/>
-          </a:stretch>
-        </p:blipFill>
-        <p:spPr>
-          <a:xfrm>
-            <a:off x="4008646" y="4664359"/>
-            <a:ext cx="2146329" cy="1800000"/>
-          </a:xfrm>
-          <a:prstGeom prst="rect">
-            <a:avLst/>
-          </a:prstGeom>
-        </p:spPr>
-      </p:pic>
-      <p:pic>
-        <p:nvPicPr>
-          <p:cNvPr id="44" name="圖片 43">
-            <a:extLst>
-              <a:ext uri="{FF2B5EF4-FFF2-40B4-BE49-F238E27FC236}">
-                <a16:creationId xmlns:a16="http://schemas.microsoft.com/office/drawing/2014/main" id="{093EAC15-BBE4-AD92-BFDE-749EA3451059}"/>
-              </a:ext>
-            </a:extLst>
-          </p:cNvPr>
-          <p:cNvPicPr>
-            <a:picLocks noChangeAspect="1"/>
-          </p:cNvPicPr>
-          <p:nvPr/>
-        </p:nvPicPr>
-        <p:blipFill>
-          <a:blip r:embed="rId7"/>
-          <a:stretch>
-            <a:fillRect/>
-          </a:stretch>
-        </p:blipFill>
-        <p:spPr>
-          <a:xfrm>
-            <a:off x="6638404" y="4664359"/>
-            <a:ext cx="2146329" cy="1800000"/>
+            <a:off x="3726158" y="762000"/>
+            <a:ext cx="4933333" cy="5428571"/>
           </a:xfrm>
           <a:prstGeom prst="rect">
             <a:avLst/>
@@ -7034,7 +6884,7 @@
     </p:spTree>
     <p:extLst>
       <p:ext uri="{BB962C8B-B14F-4D97-AF65-F5344CB8AC3E}">
-        <p14:creationId xmlns:p14="http://schemas.microsoft.com/office/powerpoint/2010/main" val="3419341855"/>
+        <p14:creationId xmlns:p14="http://schemas.microsoft.com/office/powerpoint/2010/main" val="1760137213"/>
       </p:ext>
     </p:extLst>
   </p:cSld>
@@ -7063,13 +6913,7 @@
       </p:grpSpPr>
       <p:sp>
         <p:nvSpPr>
-          <p:cNvPr id="2" name="標題 1">
-            <a:extLst>
-              <a:ext uri="{FF2B5EF4-FFF2-40B4-BE49-F238E27FC236}">
-                <a16:creationId xmlns:a16="http://schemas.microsoft.com/office/drawing/2014/main" id="{BD307EDC-991B-0CD0-1C13-B749EF34C328}"/>
-              </a:ext>
-            </a:extLst>
-          </p:cNvPr>
+          <p:cNvPr id="2" name="標題 1"/>
           <p:cNvSpPr>
             <a:spLocks noGrp="1"/>
           </p:cNvSpPr>
@@ -7077,86 +6921,26 @@
             <p:ph type="title"/>
           </p:nvPr>
         </p:nvSpPr>
-        <p:spPr>
-          <a:xfrm>
-            <a:off x="677334" y="609600"/>
-            <a:ext cx="9666292" cy="1320800"/>
-          </a:xfrm>
-        </p:spPr>
+        <p:spPr/>
         <p:txBody>
           <a:bodyPr>
             <a:normAutofit/>
           </a:bodyPr>
           <a:lstStyle/>
           <a:p>
-            <a:r>
-              <a:rPr lang="zh-TW" altLang="en-US" dirty="0"/>
-              <a:t>不同</a:t>
-            </a:r>
-            <a:r>
-              <a:rPr lang="zh-TW" altLang="en-US" dirty="0">
-                <a:solidFill>
-                  <a:schemeClr val="accent2"/>
-                </a:solidFill>
-              </a:rPr>
-              <a:t>語言</a:t>
-            </a:r>
-            <a:r>
-              <a:rPr lang="zh-TW" altLang="en-US" dirty="0"/>
-              <a:t>之間比較</a:t>
-            </a:r>
             <a:br>
               <a:rPr lang="en-US" altLang="zh-TW" dirty="0"/>
             </a:br>
-            <a:r>
-              <a:rPr lang="zh-TW" altLang="en-US" dirty="0"/>
-              <a:t>以</a:t>
-            </a:r>
-            <a:r>
-              <a:rPr lang="en-US" altLang="zh-TW" dirty="0">
-                <a:solidFill>
-                  <a:schemeClr val="accent2"/>
-                </a:solidFill>
-              </a:rPr>
-              <a:t>TIMIT</a:t>
-            </a:r>
-            <a:r>
-              <a:rPr lang="zh-TW" altLang="en-US" dirty="0"/>
-              <a:t>與</a:t>
-            </a:r>
-            <a:r>
-              <a:rPr lang="en-US" altLang="zh-TW" dirty="0">
-                <a:solidFill>
-                  <a:schemeClr val="accent2"/>
-                </a:solidFill>
-              </a:rPr>
-              <a:t>CLIPS</a:t>
-            </a:r>
-            <a:r>
-              <a:rPr lang="en-US" altLang="zh-TW" dirty="0"/>
-              <a:t>(</a:t>
-            </a:r>
-            <a:r>
-              <a:rPr lang="zh-TW" altLang="en-US" dirty="0"/>
-              <a:t>義大利語料庫</a:t>
-            </a:r>
-            <a:r>
-              <a:rPr lang="en-US" altLang="zh-TW" dirty="0"/>
-              <a:t>)</a:t>
-            </a:r>
-            <a:r>
-              <a:rPr lang="zh-TW" altLang="en-US" dirty="0"/>
-              <a:t>做比較</a:t>
-            </a:r>
-          </a:p>
-        </p:txBody>
-      </p:sp>
-      <p:sp>
-        <p:nvSpPr>
-          <p:cNvPr id="17" name="文字方塊 16">
+            <a:endParaRPr lang="zh-TW" altLang="en-US" dirty="0"/>
+          </a:p>
+        </p:txBody>
+      </p:sp>
+      <p:sp>
+        <p:nvSpPr>
+          <p:cNvPr id="5" name="文字方塊 4">
             <a:extLst>
               <a:ext uri="{FF2B5EF4-FFF2-40B4-BE49-F238E27FC236}">
-                <a16:creationId xmlns:a16="http://schemas.microsoft.com/office/drawing/2014/main" id="{E5D3F5F8-862C-A08A-E836-8ADA75752787}"/>
+                <a16:creationId xmlns:a16="http://schemas.microsoft.com/office/drawing/2014/main" id="{3A909603-2CCC-4775-AFF7-EEDAEF5D8F86}"/>
               </a:ext>
             </a:extLst>
           </p:cNvPr>
@@ -7165,8 +6949,8 @@
         </p:nvSpPr>
         <p:spPr>
           <a:xfrm>
-            <a:off x="677333" y="1930400"/>
-            <a:ext cx="9439789" cy="338554"/>
+            <a:off x="11489635" y="6488668"/>
+            <a:ext cx="702365" cy="338554"/>
           </a:xfrm>
           <a:prstGeom prst="rect">
             <a:avLst/>
@@ -7174,7 +6958,7 @@
           <a:noFill/>
         </p:spPr>
         <p:txBody>
-          <a:bodyPr wrap="square">
+          <a:bodyPr wrap="square" rtlCol="0">
             <a:spAutoFit/>
           </a:bodyPr>
           <a:lstStyle/>
@@ -7182,14 +6966,22 @@
             <a:r>
               <a:rPr lang="en-US" altLang="zh-TW" sz="1600" dirty="0">
                 <a:solidFill>
-                  <a:schemeClr val="accent2"/>
+                  <a:schemeClr val="bg1"/>
                 </a:solidFill>
               </a:rPr>
-              <a:t>D:\TIMITDIC_231101_data_all_sentence\TEST\img_librosa\pe_50_DR25_M_SA1_2_cnn_mfcc\DR2\M\2d</a:t>
-            </a:r>
-            <a:endParaRPr lang="zh-TW" altLang="en-US" sz="1600" dirty="0">
+              <a:t>0</a:t>
+            </a:r>
+            <a:fld id="{14AC972E-A942-4833-AA5E-CD5138CD0656}" type="slidenum">
+              <a:rPr lang="en-US" altLang="zh-TW" sz="1600" smtClean="0">
+                <a:solidFill>
+                  <a:schemeClr val="bg1"/>
+                </a:solidFill>
+              </a:rPr>
+              <a:t>12</a:t>
+            </a:fld>
+            <a:endParaRPr lang="zh-TW" altLang="en-US" dirty="0">
               <a:solidFill>
-                <a:schemeClr val="accent2"/>
+                <a:schemeClr val="bg1"/>
               </a:solidFill>
             </a:endParaRPr>
           </a:p>
@@ -7197,154 +6989,123 @@
       </p:sp>
       <p:sp>
         <p:nvSpPr>
-          <p:cNvPr id="3" name="文字方塊 2">
+          <p:cNvPr id="10" name="標題 1">
             <a:extLst>
               <a:ext uri="{FF2B5EF4-FFF2-40B4-BE49-F238E27FC236}">
-                <a16:creationId xmlns:a16="http://schemas.microsoft.com/office/drawing/2014/main" id="{0CA464ED-9107-F304-F357-6889ABFE82C9}"/>
+                <a16:creationId xmlns:a16="http://schemas.microsoft.com/office/drawing/2014/main" id="{66F794C4-EB0C-4E8A-A5B9-6048138809A1}"/>
               </a:ext>
             </a:extLst>
           </p:cNvPr>
-          <p:cNvSpPr txBox="1"/>
+          <p:cNvSpPr txBox="1">
+            <a:spLocks/>
+          </p:cNvSpPr>
           <p:nvPr/>
         </p:nvSpPr>
         <p:spPr>
           <a:xfrm>
-            <a:off x="677334" y="4243559"/>
-            <a:ext cx="9048627" cy="338554"/>
+            <a:off x="829734" y="762000"/>
+            <a:ext cx="8596668" cy="1320800"/>
           </a:xfrm>
           <a:prstGeom prst="rect">
             <a:avLst/>
           </a:prstGeom>
-          <a:noFill/>
-        </p:spPr>
-        <p:txBody>
-          <a:bodyPr wrap="square">
-            <a:spAutoFit/>
+        </p:spPr>
+        <p:txBody>
+          <a:bodyPr vert="horz" lIns="91440" tIns="45720" rIns="91440" bIns="45720" rtlCol="0" anchor="t">
+            <a:normAutofit/>
           </a:bodyPr>
-          <a:lstStyle/>
-          <a:p>
-            <a:r>
-              <a:rPr lang="en-US" altLang="zh-TW" sz="1600" dirty="0">
-                <a:solidFill>
-                  <a:schemeClr val="accent2"/>
-                </a:solidFill>
-              </a:rPr>
-              <a:t>D:\TIMITDIC_231101_data_AIS\TEST\img\pe_50_M_librosa_2_cnn_mfcc\CLIPS\M\2d</a:t>
-            </a:r>
-            <a:endParaRPr lang="zh-TW" altLang="en-US" sz="1600" dirty="0">
-              <a:solidFill>
-                <a:schemeClr val="accent2"/>
-              </a:solidFill>
-            </a:endParaRPr>
-          </a:p>
-        </p:txBody>
-      </p:sp>
-      <p:sp>
-        <p:nvSpPr>
-          <p:cNvPr id="15" name="文字方塊 14">
-            <a:extLst>
-              <a:ext uri="{FF2B5EF4-FFF2-40B4-BE49-F238E27FC236}">
-                <a16:creationId xmlns:a16="http://schemas.microsoft.com/office/drawing/2014/main" id="{7CAC752B-96CC-3901-51CA-6B89FBA6D4DF}"/>
-              </a:ext>
-            </a:extLst>
-          </p:cNvPr>
-          <p:cNvSpPr txBox="1"/>
-          <p:nvPr/>
-        </p:nvSpPr>
-        <p:spPr>
-          <a:xfrm>
-            <a:off x="343949" y="3056201"/>
-            <a:ext cx="813732" cy="400110"/>
-          </a:xfrm>
-          <a:prstGeom prst="rect">
-            <a:avLst/>
-          </a:prstGeom>
-          <a:noFill/>
-        </p:spPr>
-        <p:txBody>
-          <a:bodyPr wrap="square">
-            <a:spAutoFit/>
-          </a:bodyPr>
-          <a:lstStyle/>
-          <a:p>
-            <a:r>
-              <a:rPr lang="en-US" altLang="zh-TW" sz="2000" dirty="0">
+          <a:lstStyle>
+            <a:lvl1pPr algn="l" defTabSz="457200" rtl="0" eaLnBrk="1" latinLnBrk="0" hangingPunct="1">
+              <a:spcBef>
+                <a:spcPct val="0"/>
+              </a:spcBef>
+              <a:buNone/>
+              <a:defRPr sz="3600" kern="1200">
                 <a:solidFill>
                   <a:schemeClr val="accent1"/>
                 </a:solidFill>
                 <a:latin typeface="+mj-lt"/>
                 <a:ea typeface="+mj-ea"/>
                 <a:cs typeface="+mj-cs"/>
-              </a:rPr>
-              <a:t>TIMIT</a:t>
-            </a:r>
-            <a:endParaRPr lang="zh-TW" altLang="en-US" sz="2000" dirty="0">
-              <a:solidFill>
-                <a:schemeClr val="accent1"/>
-              </a:solidFill>
-              <a:latin typeface="+mj-lt"/>
-              <a:ea typeface="+mj-ea"/>
-              <a:cs typeface="+mj-cs"/>
-            </a:endParaRPr>
-          </a:p>
-        </p:txBody>
-      </p:sp>
-      <p:sp>
-        <p:nvSpPr>
-          <p:cNvPr id="16" name="文字方塊 15">
+              </a:defRPr>
+            </a:lvl1pPr>
+            <a:lvl2pPr eaLnBrk="1" hangingPunct="1">
+              <a:defRPr>
+                <a:solidFill>
+                  <a:schemeClr val="tx2"/>
+                </a:solidFill>
+              </a:defRPr>
+            </a:lvl2pPr>
+            <a:lvl3pPr eaLnBrk="1" hangingPunct="1">
+              <a:defRPr>
+                <a:solidFill>
+                  <a:schemeClr val="tx2"/>
+                </a:solidFill>
+              </a:defRPr>
+            </a:lvl3pPr>
+            <a:lvl4pPr eaLnBrk="1" hangingPunct="1">
+              <a:defRPr>
+                <a:solidFill>
+                  <a:schemeClr val="tx2"/>
+                </a:solidFill>
+              </a:defRPr>
+            </a:lvl4pPr>
+            <a:lvl5pPr eaLnBrk="1" hangingPunct="1">
+              <a:defRPr>
+                <a:solidFill>
+                  <a:schemeClr val="tx2"/>
+                </a:solidFill>
+              </a:defRPr>
+            </a:lvl5pPr>
+            <a:lvl6pPr eaLnBrk="1" hangingPunct="1">
+              <a:defRPr>
+                <a:solidFill>
+                  <a:schemeClr val="tx2"/>
+                </a:solidFill>
+              </a:defRPr>
+            </a:lvl6pPr>
+            <a:lvl7pPr eaLnBrk="1" hangingPunct="1">
+              <a:defRPr>
+                <a:solidFill>
+                  <a:schemeClr val="tx2"/>
+                </a:solidFill>
+              </a:defRPr>
+            </a:lvl7pPr>
+            <a:lvl8pPr eaLnBrk="1" hangingPunct="1">
+              <a:defRPr>
+                <a:solidFill>
+                  <a:schemeClr val="tx2"/>
+                </a:solidFill>
+              </a:defRPr>
+            </a:lvl8pPr>
+            <a:lvl9pPr eaLnBrk="1" hangingPunct="1">
+              <a:defRPr>
+                <a:solidFill>
+                  <a:schemeClr val="tx2"/>
+                </a:solidFill>
+              </a:defRPr>
+            </a:lvl9pPr>
+          </a:lstStyle>
+          <a:p>
+            <a:r>
+              <a:rPr lang="en-US" altLang="zh-TW" dirty="0"/>
+              <a:t>acc= 0.6976744 </a:t>
+            </a:r>
+          </a:p>
+          <a:p>
+            <a:r>
+              <a:rPr lang="en-US" altLang="zh-TW" dirty="0"/>
+              <a:t>loss= 0.19560314853524052</a:t>
+            </a:r>
+          </a:p>
+        </p:txBody>
+      </p:sp>
+      <p:pic>
+        <p:nvPicPr>
+          <p:cNvPr id="13" name="圖片 12">
             <a:extLst>
               <a:ext uri="{FF2B5EF4-FFF2-40B4-BE49-F238E27FC236}">
-                <a16:creationId xmlns:a16="http://schemas.microsoft.com/office/drawing/2014/main" id="{D17451E2-BFDF-9105-FE2F-3B828B5AFC4F}"/>
-              </a:ext>
-            </a:extLst>
-          </p:cNvPr>
-          <p:cNvSpPr txBox="1"/>
-          <p:nvPr/>
-        </p:nvSpPr>
-        <p:spPr>
-          <a:xfrm>
-            <a:off x="343949" y="5369361"/>
-            <a:ext cx="813732" cy="400110"/>
-          </a:xfrm>
-          <a:prstGeom prst="rect">
-            <a:avLst/>
-          </a:prstGeom>
-          <a:noFill/>
-        </p:spPr>
-        <p:txBody>
-          <a:bodyPr wrap="square">
-            <a:spAutoFit/>
-          </a:bodyPr>
-          <a:lstStyle/>
-          <a:p>
-            <a:r>
-              <a:rPr lang="en-US" altLang="zh-TW" sz="2000" dirty="0">
-                <a:solidFill>
-                  <a:schemeClr val="accent1"/>
-                </a:solidFill>
-                <a:latin typeface="+mj-lt"/>
-                <a:ea typeface="+mj-ea"/>
-                <a:cs typeface="+mj-cs"/>
-              </a:rPr>
-              <a:t>CLIPS</a:t>
-            </a:r>
-            <a:endParaRPr lang="zh-TW" altLang="en-US" sz="2000" dirty="0">
-              <a:solidFill>
-                <a:schemeClr val="accent1"/>
-              </a:solidFill>
-              <a:latin typeface="+mj-lt"/>
-              <a:ea typeface="+mj-ea"/>
-              <a:cs typeface="+mj-cs"/>
-            </a:endParaRPr>
-          </a:p>
-        </p:txBody>
-      </p:sp>
-      <p:pic>
-        <p:nvPicPr>
-          <p:cNvPr id="24" name="圖片 23">
-            <a:extLst>
-              <a:ext uri="{FF2B5EF4-FFF2-40B4-BE49-F238E27FC236}">
-                <a16:creationId xmlns:a16="http://schemas.microsoft.com/office/drawing/2014/main" id="{FF89AA9F-A1A6-D43A-FEEC-676FC44486CB}"/>
+                <a16:creationId xmlns:a16="http://schemas.microsoft.com/office/drawing/2014/main" id="{9E9FB779-CA24-1EB6-F716-41E1F625CA70}"/>
               </a:ext>
             </a:extLst>
           </p:cNvPr>
@@ -7361,8 +7122,8 @@
         </p:blipFill>
         <p:spPr>
           <a:xfrm>
-            <a:off x="1449121" y="4674472"/>
-            <a:ext cx="2146329" cy="1800000"/>
+            <a:off x="857257" y="2594290"/>
+            <a:ext cx="4946732" cy="3934490"/>
           </a:xfrm>
           <a:prstGeom prst="rect">
             <a:avLst/>
@@ -7371,10 +7132,10 @@
       </p:pic>
       <p:pic>
         <p:nvPicPr>
-          <p:cNvPr id="26" name="圖片 25">
+          <p:cNvPr id="15" name="圖片 14">
             <a:extLst>
               <a:ext uri="{FF2B5EF4-FFF2-40B4-BE49-F238E27FC236}">
-                <a16:creationId xmlns:a16="http://schemas.microsoft.com/office/drawing/2014/main" id="{EF669DB5-3463-CAD7-B5E1-516521DE643B}"/>
+                <a16:creationId xmlns:a16="http://schemas.microsoft.com/office/drawing/2014/main" id="{4EAA1103-5FF1-348E-0E47-0B2CB672C8D5}"/>
               </a:ext>
             </a:extLst>
           </p:cNvPr>
@@ -7391,8 +7152,8 @@
         </p:blipFill>
         <p:spPr>
           <a:xfrm>
-            <a:off x="4008646" y="4669416"/>
-            <a:ext cx="2146329" cy="1800000"/>
+            <a:off x="6393041" y="2656304"/>
+            <a:ext cx="4936676" cy="3810461"/>
           </a:xfrm>
           <a:prstGeom prst="rect">
             <a:avLst/>
@@ -7401,10 +7162,10 @@
       </p:pic>
       <p:pic>
         <p:nvPicPr>
-          <p:cNvPr id="28" name="圖片 27">
+          <p:cNvPr id="12" name="圖片 11">
             <a:extLst>
               <a:ext uri="{FF2B5EF4-FFF2-40B4-BE49-F238E27FC236}">
-                <a16:creationId xmlns:a16="http://schemas.microsoft.com/office/drawing/2014/main" id="{BDBE145A-A90B-B11F-C2B5-B9E13523548A}"/>
+                <a16:creationId xmlns:a16="http://schemas.microsoft.com/office/drawing/2014/main" id="{A18EAE02-444A-4A2C-90F6-5EB10E1B8E5B}"/>
               </a:ext>
             </a:extLst>
           </p:cNvPr>
@@ -7421,98 +7182,8 @@
         </p:blipFill>
         <p:spPr>
           <a:xfrm>
-            <a:off x="6638405" y="4674472"/>
-            <a:ext cx="2146329" cy="1800000"/>
-          </a:xfrm>
-          <a:prstGeom prst="rect">
-            <a:avLst/>
-          </a:prstGeom>
-        </p:spPr>
-      </p:pic>
-      <p:pic>
-        <p:nvPicPr>
-          <p:cNvPr id="29" name="圖片 28">
-            <a:extLst>
-              <a:ext uri="{FF2B5EF4-FFF2-40B4-BE49-F238E27FC236}">
-                <a16:creationId xmlns:a16="http://schemas.microsoft.com/office/drawing/2014/main" id="{FB31545A-FC7D-C37B-DC2E-E9DC7C665290}"/>
-              </a:ext>
-            </a:extLst>
-          </p:cNvPr>
-          <p:cNvPicPr>
-            <a:picLocks noChangeAspect="1"/>
-          </p:cNvPicPr>
-          <p:nvPr/>
-        </p:nvPicPr>
-        <p:blipFill>
-          <a:blip r:embed="rId5"/>
-          <a:stretch>
-            <a:fillRect/>
-          </a:stretch>
-        </p:blipFill>
-        <p:spPr>
-          <a:xfrm>
-            <a:off x="1449120" y="2349196"/>
-            <a:ext cx="2146329" cy="1800000"/>
-          </a:xfrm>
-          <a:prstGeom prst="rect">
-            <a:avLst/>
-          </a:prstGeom>
-        </p:spPr>
-      </p:pic>
-      <p:pic>
-        <p:nvPicPr>
-          <p:cNvPr id="30" name="圖片 29">
-            <a:extLst>
-              <a:ext uri="{FF2B5EF4-FFF2-40B4-BE49-F238E27FC236}">
-                <a16:creationId xmlns:a16="http://schemas.microsoft.com/office/drawing/2014/main" id="{7E67E90A-1BAB-621C-43E6-9A7B9336FC35}"/>
-              </a:ext>
-            </a:extLst>
-          </p:cNvPr>
-          <p:cNvPicPr>
-            <a:picLocks noChangeAspect="1"/>
-          </p:cNvPicPr>
-          <p:nvPr/>
-        </p:nvPicPr>
-        <p:blipFill>
-          <a:blip r:embed="rId6"/>
-          <a:stretch>
-            <a:fillRect/>
-          </a:stretch>
-        </p:blipFill>
-        <p:spPr>
-          <a:xfrm>
-            <a:off x="4008646" y="2349196"/>
-            <a:ext cx="2130151" cy="1800000"/>
-          </a:xfrm>
-          <a:prstGeom prst="rect">
-            <a:avLst/>
-          </a:prstGeom>
-        </p:spPr>
-      </p:pic>
-      <p:pic>
-        <p:nvPicPr>
-          <p:cNvPr id="31" name="圖片 30">
-            <a:extLst>
-              <a:ext uri="{FF2B5EF4-FFF2-40B4-BE49-F238E27FC236}">
-                <a16:creationId xmlns:a16="http://schemas.microsoft.com/office/drawing/2014/main" id="{D6FDAA99-577B-14A3-9216-BFE78187942E}"/>
-              </a:ext>
-            </a:extLst>
-          </p:cNvPr>
-          <p:cNvPicPr>
-            <a:picLocks noChangeAspect="1"/>
-          </p:cNvPicPr>
-          <p:nvPr/>
-        </p:nvPicPr>
-        <p:blipFill>
-          <a:blip r:embed="rId7"/>
-          <a:stretch>
-            <a:fillRect/>
-          </a:stretch>
-        </p:blipFill>
-        <p:spPr>
-          <a:xfrm>
-            <a:off x="6638405" y="2349196"/>
-            <a:ext cx="2146329" cy="1800000"/>
+            <a:off x="7817146" y="370000"/>
+            <a:ext cx="2088463" cy="1800000"/>
           </a:xfrm>
           <a:prstGeom prst="rect">
             <a:avLst/>
@@ -7522,7 +7193,7 @@
     </p:spTree>
     <p:extLst>
       <p:ext uri="{BB962C8B-B14F-4D97-AF65-F5344CB8AC3E}">
-        <p14:creationId xmlns:p14="http://schemas.microsoft.com/office/powerpoint/2010/main" val="423064125"/>
+        <p14:creationId xmlns:p14="http://schemas.microsoft.com/office/powerpoint/2010/main" val="4256591971"/>
       </p:ext>
     </p:extLst>
   </p:cSld>
@@ -7554,7 +7225,7 @@
           <p:cNvPr id="2" name="標題 1">
             <a:extLst>
               <a:ext uri="{FF2B5EF4-FFF2-40B4-BE49-F238E27FC236}">
-                <a16:creationId xmlns:a16="http://schemas.microsoft.com/office/drawing/2014/main" id="{BD307EDC-991B-0CD0-1C13-B749EF34C328}"/>
+                <a16:creationId xmlns:a16="http://schemas.microsoft.com/office/drawing/2014/main" id="{00BCF397-3DB7-DF1C-C114-225549C2B2F2}"/>
               </a:ext>
             </a:extLst>
           </p:cNvPr>
@@ -7567,522 +7238,259 @@
         </p:nvSpPr>
         <p:spPr>
           <a:xfrm>
-            <a:off x="677332" y="609600"/>
-            <a:ext cx="9242845" cy="1320800"/>
+            <a:off x="0" y="2258969"/>
+            <a:ext cx="12192000" cy="1170031"/>
           </a:xfrm>
         </p:spPr>
         <p:txBody>
           <a:bodyPr>
-            <a:normAutofit/>
+            <a:noAutofit/>
           </a:bodyPr>
           <a:lstStyle/>
           <a:p>
-            <a:r>
-              <a:rPr lang="zh-TW" altLang="en-US" dirty="0">
-                <a:solidFill>
-                  <a:schemeClr val="accent2"/>
-                </a:solidFill>
-              </a:rPr>
-              <a:t>三種語言</a:t>
-            </a:r>
-            <a:r>
-              <a:rPr lang="zh-TW" altLang="en-US" dirty="0"/>
-              <a:t>之間比較，</a:t>
+            <a:pPr algn="ctr"/>
+            <a:r>
+              <a:rPr lang="zh-TW" altLang="en-US" sz="7200" b="1" dirty="0"/>
+              <a:t>三種語言訓練結果</a:t>
             </a:r>
             <a:br>
-              <a:rPr lang="en-US" altLang="zh-TW" dirty="0"/>
+              <a:rPr lang="en-US" altLang="zh-TW" sz="7200" b="1" dirty="0"/>
             </a:br>
-            <a:r>
-              <a:rPr lang="zh-TW" altLang="en-US" dirty="0"/>
-              <a:t>以</a:t>
-            </a:r>
-            <a:r>
-              <a:rPr lang="en-US" altLang="zh-TW" dirty="0">
-                <a:solidFill>
-                  <a:schemeClr val="accent2"/>
-                </a:solidFill>
-              </a:rPr>
-              <a:t>TIMIT</a:t>
-            </a:r>
-            <a:r>
-              <a:rPr lang="zh-TW" altLang="en-US" dirty="0"/>
-              <a:t>與</a:t>
-            </a:r>
-            <a:r>
-              <a:rPr lang="en-US" altLang="zh-TW" dirty="0">
-                <a:solidFill>
-                  <a:schemeClr val="accent2"/>
-                </a:solidFill>
-              </a:rPr>
-              <a:t>CLIPS</a:t>
-            </a:r>
-            <a:r>
-              <a:rPr lang="zh-TW" altLang="en-US" dirty="0"/>
-              <a:t>與</a:t>
-            </a:r>
-            <a:r>
-              <a:rPr lang="en-US" altLang="zh-TW" dirty="0">
-                <a:solidFill>
-                  <a:schemeClr val="accent2"/>
-                </a:solidFill>
-              </a:rPr>
-              <a:t>SB</a:t>
-            </a:r>
-            <a:r>
-              <a:rPr lang="en-US" altLang="zh-TW" dirty="0"/>
-              <a:t>(</a:t>
-            </a:r>
-            <a:r>
-              <a:rPr lang="zh-TW" altLang="en-US" dirty="0"/>
-              <a:t>西班牙語料庫</a:t>
-            </a:r>
-            <a:r>
-              <a:rPr lang="en-US" altLang="zh-TW" dirty="0"/>
-              <a:t>)</a:t>
-            </a:r>
-            <a:r>
-              <a:rPr lang="zh-TW" altLang="en-US" dirty="0"/>
-              <a:t>做比較</a:t>
-            </a:r>
-          </a:p>
-        </p:txBody>
-      </p:sp>
-      <p:sp>
-        <p:nvSpPr>
-          <p:cNvPr id="15" name="文字方塊 14">
+            <a:endParaRPr lang="zh-TW" altLang="en-US" sz="7200" b="1" dirty="0"/>
+          </a:p>
+        </p:txBody>
+      </p:sp>
+      <p:sp>
+        <p:nvSpPr>
+          <p:cNvPr id="3" name="標題 1">
             <a:extLst>
               <a:ext uri="{FF2B5EF4-FFF2-40B4-BE49-F238E27FC236}">
-                <a16:creationId xmlns:a16="http://schemas.microsoft.com/office/drawing/2014/main" id="{7CAC752B-96CC-3901-51CA-6B89FBA6D4DF}"/>
+                <a16:creationId xmlns:a16="http://schemas.microsoft.com/office/drawing/2014/main" id="{1AB897BE-D550-B96C-B54F-86AE24612143}"/>
               </a:ext>
             </a:extLst>
           </p:cNvPr>
-          <p:cNvSpPr txBox="1"/>
+          <p:cNvSpPr txBox="1">
+            <a:spLocks/>
+          </p:cNvSpPr>
           <p:nvPr/>
         </p:nvSpPr>
         <p:spPr>
           <a:xfrm>
-            <a:off x="583215" y="2300805"/>
-            <a:ext cx="813732" cy="707886"/>
+            <a:off x="0" y="3669718"/>
+            <a:ext cx="12192000" cy="1731621"/>
           </a:xfrm>
           <a:prstGeom prst="rect">
             <a:avLst/>
           </a:prstGeom>
-          <a:noFill/>
-        </p:spPr>
-        <p:txBody>
-          <a:bodyPr wrap="square">
-            <a:spAutoFit/>
+        </p:spPr>
+        <p:txBody>
+          <a:bodyPr vert="horz" lIns="91440" tIns="45720" rIns="91440" bIns="45720" rtlCol="0" anchor="t">
+            <a:normAutofit fontScale="97500"/>
           </a:bodyPr>
-          <a:lstStyle/>
-          <a:p>
-            <a:r>
-              <a:rPr lang="en-US" altLang="zh-TW" sz="2000" dirty="0">
+          <a:lstStyle>
+            <a:lvl1pPr algn="l" defTabSz="457200" rtl="0" eaLnBrk="1" latinLnBrk="0" hangingPunct="1">
+              <a:spcBef>
+                <a:spcPct val="0"/>
+              </a:spcBef>
+              <a:buNone/>
+              <a:defRPr sz="3600" kern="1200">
                 <a:solidFill>
                   <a:schemeClr val="accent1"/>
                 </a:solidFill>
                 <a:latin typeface="+mj-lt"/>
                 <a:ea typeface="+mj-ea"/>
                 <a:cs typeface="+mj-cs"/>
+              </a:defRPr>
+            </a:lvl1pPr>
+            <a:lvl2pPr eaLnBrk="1" hangingPunct="1">
+              <a:defRPr>
+                <a:solidFill>
+                  <a:schemeClr val="tx2"/>
+                </a:solidFill>
+              </a:defRPr>
+            </a:lvl2pPr>
+            <a:lvl3pPr eaLnBrk="1" hangingPunct="1">
+              <a:defRPr>
+                <a:solidFill>
+                  <a:schemeClr val="tx2"/>
+                </a:solidFill>
+              </a:defRPr>
+            </a:lvl3pPr>
+            <a:lvl4pPr eaLnBrk="1" hangingPunct="1">
+              <a:defRPr>
+                <a:solidFill>
+                  <a:schemeClr val="tx2"/>
+                </a:solidFill>
+              </a:defRPr>
+            </a:lvl4pPr>
+            <a:lvl5pPr eaLnBrk="1" hangingPunct="1">
+              <a:defRPr>
+                <a:solidFill>
+                  <a:schemeClr val="tx2"/>
+                </a:solidFill>
+              </a:defRPr>
+            </a:lvl5pPr>
+            <a:lvl6pPr eaLnBrk="1" hangingPunct="1">
+              <a:defRPr>
+                <a:solidFill>
+                  <a:schemeClr val="tx2"/>
+                </a:solidFill>
+              </a:defRPr>
+            </a:lvl6pPr>
+            <a:lvl7pPr eaLnBrk="1" hangingPunct="1">
+              <a:defRPr>
+                <a:solidFill>
+                  <a:schemeClr val="tx2"/>
+                </a:solidFill>
+              </a:defRPr>
+            </a:lvl7pPr>
+            <a:lvl8pPr eaLnBrk="1" hangingPunct="1">
+              <a:defRPr>
+                <a:solidFill>
+                  <a:schemeClr val="tx2"/>
+                </a:solidFill>
+              </a:defRPr>
+            </a:lvl8pPr>
+            <a:lvl9pPr eaLnBrk="1" hangingPunct="1">
+              <a:defRPr>
+                <a:solidFill>
+                  <a:schemeClr val="tx2"/>
+                </a:solidFill>
+              </a:defRPr>
+            </a:lvl9pPr>
+          </a:lstStyle>
+          <a:p>
+            <a:pPr algn="ctr"/>
+            <a:r>
+              <a:rPr lang="en-US" altLang="zh-TW" sz="4000" dirty="0">
+                <a:solidFill>
+                  <a:schemeClr val="accent2"/>
+                </a:solidFill>
               </a:rPr>
-              <a:t>TIMIT</a:t>
-            </a:r>
-          </a:p>
-          <a:p>
-            <a:pPr algn="ctr"/>
-            <a:r>
-              <a:rPr lang="zh-TW" altLang="en-US" sz="2000" dirty="0">
-                <a:solidFill>
-                  <a:schemeClr val="accent1"/>
-                </a:solidFill>
-                <a:latin typeface="+mj-lt"/>
-                <a:ea typeface="+mj-ea"/>
-                <a:cs typeface="+mj-cs"/>
+              <a:t>TIMIT(</a:t>
+            </a:r>
+            <a:r>
+              <a:rPr lang="zh-TW" altLang="en-US" sz="4000" dirty="0">
+                <a:solidFill>
+                  <a:schemeClr val="accent2"/>
+                </a:solidFill>
               </a:rPr>
               <a:t>美國</a:t>
             </a:r>
-          </a:p>
-        </p:txBody>
-      </p:sp>
-      <p:sp>
-        <p:nvSpPr>
-          <p:cNvPr id="16" name="文字方塊 15">
-            <a:extLst>
-              <a:ext uri="{FF2B5EF4-FFF2-40B4-BE49-F238E27FC236}">
-                <a16:creationId xmlns:a16="http://schemas.microsoft.com/office/drawing/2014/main" id="{D17451E2-BFDF-9105-FE2F-3B828B5AFC4F}"/>
-              </a:ext>
-            </a:extLst>
-          </p:cNvPr>
-          <p:cNvSpPr txBox="1"/>
-          <p:nvPr/>
-        </p:nvSpPr>
-        <p:spPr>
-          <a:xfrm>
-            <a:off x="489098" y="3931356"/>
-            <a:ext cx="1001966" cy="707886"/>
-          </a:xfrm>
-          <a:prstGeom prst="rect">
-            <a:avLst/>
-          </a:prstGeom>
-          <a:noFill/>
-        </p:spPr>
-        <p:txBody>
-          <a:bodyPr wrap="square">
-            <a:spAutoFit/>
-          </a:bodyPr>
-          <a:lstStyle/>
-          <a:p>
-            <a:pPr algn="ctr"/>
-            <a:r>
-              <a:rPr lang="en-US" altLang="zh-TW" sz="2000" dirty="0">
-                <a:solidFill>
-                  <a:schemeClr val="accent1"/>
-                </a:solidFill>
-                <a:latin typeface="+mj-lt"/>
-                <a:ea typeface="+mj-ea"/>
-                <a:cs typeface="+mj-cs"/>
+            <a:r>
+              <a:rPr lang="en-US" altLang="zh-TW" sz="4000" dirty="0">
+                <a:solidFill>
+                  <a:schemeClr val="accent2"/>
+                </a:solidFill>
               </a:rPr>
-              <a:t>CLIPS</a:t>
-            </a:r>
-          </a:p>
-          <a:p>
-            <a:pPr algn="ctr"/>
-            <a:r>
-              <a:rPr lang="zh-TW" altLang="en-US" sz="2000" dirty="0">
-                <a:solidFill>
-                  <a:schemeClr val="accent1"/>
-                </a:solidFill>
-                <a:latin typeface="+mj-lt"/>
-                <a:ea typeface="+mj-ea"/>
-                <a:cs typeface="+mj-cs"/>
+              <a:t>)</a:t>
+            </a:r>
+            <a:r>
+              <a:rPr lang="zh-TW" altLang="en-US" sz="4000" dirty="0">
+                <a:solidFill>
+                  <a:schemeClr val="accent2"/>
+                </a:solidFill>
+              </a:rPr>
+              <a:t>、</a:t>
+            </a:r>
+            <a:r>
+              <a:rPr lang="en-US" altLang="zh-TW" sz="4000" dirty="0">
+                <a:solidFill>
+                  <a:schemeClr val="accent2"/>
+                </a:solidFill>
+              </a:rPr>
+              <a:t>CLIPS(</a:t>
+            </a:r>
+            <a:r>
+              <a:rPr lang="zh-TW" altLang="en-US" sz="4000" dirty="0">
+                <a:solidFill>
+                  <a:schemeClr val="accent2"/>
+                </a:solidFill>
               </a:rPr>
               <a:t>義大利</a:t>
             </a:r>
-          </a:p>
-        </p:txBody>
-      </p:sp>
-      <p:pic>
-        <p:nvPicPr>
-          <p:cNvPr id="24" name="圖片 23">
-            <a:extLst>
-              <a:ext uri="{FF2B5EF4-FFF2-40B4-BE49-F238E27FC236}">
-                <a16:creationId xmlns:a16="http://schemas.microsoft.com/office/drawing/2014/main" id="{FF89AA9F-A1A6-D43A-FEEC-676FC44486CB}"/>
-              </a:ext>
-            </a:extLst>
-          </p:cNvPr>
-          <p:cNvPicPr>
-            <a:picLocks noChangeAspect="1"/>
-          </p:cNvPicPr>
-          <p:nvPr/>
-        </p:nvPicPr>
-        <p:blipFill>
-          <a:blip r:embed="rId2"/>
-          <a:stretch>
-            <a:fillRect/>
-          </a:stretch>
-        </p:blipFill>
-        <p:spPr>
-          <a:xfrm>
-            <a:off x="1602970" y="3565299"/>
-            <a:ext cx="1717063" cy="1440000"/>
-          </a:xfrm>
-          <a:prstGeom prst="rect">
-            <a:avLst/>
-          </a:prstGeom>
-        </p:spPr>
-      </p:pic>
-      <p:pic>
-        <p:nvPicPr>
-          <p:cNvPr id="26" name="圖片 25">
-            <a:extLst>
-              <a:ext uri="{FF2B5EF4-FFF2-40B4-BE49-F238E27FC236}">
-                <a16:creationId xmlns:a16="http://schemas.microsoft.com/office/drawing/2014/main" id="{EF669DB5-3463-CAD7-B5E1-516521DE643B}"/>
-              </a:ext>
-            </a:extLst>
-          </p:cNvPr>
-          <p:cNvPicPr>
-            <a:picLocks noChangeAspect="1"/>
-          </p:cNvPicPr>
-          <p:nvPr/>
-        </p:nvPicPr>
-        <p:blipFill>
-          <a:blip r:embed="rId3"/>
-          <a:stretch>
-            <a:fillRect/>
-          </a:stretch>
-        </p:blipFill>
-        <p:spPr>
-          <a:xfrm>
-            <a:off x="4111224" y="3565299"/>
-            <a:ext cx="1717063" cy="1440000"/>
-          </a:xfrm>
-          <a:prstGeom prst="rect">
-            <a:avLst/>
-          </a:prstGeom>
-        </p:spPr>
-      </p:pic>
-      <p:pic>
-        <p:nvPicPr>
-          <p:cNvPr id="28" name="圖片 27">
-            <a:extLst>
-              <a:ext uri="{FF2B5EF4-FFF2-40B4-BE49-F238E27FC236}">
-                <a16:creationId xmlns:a16="http://schemas.microsoft.com/office/drawing/2014/main" id="{BDBE145A-A90B-B11F-C2B5-B9E13523548A}"/>
-              </a:ext>
-            </a:extLst>
-          </p:cNvPr>
-          <p:cNvPicPr>
-            <a:picLocks noChangeAspect="1"/>
-          </p:cNvPicPr>
-          <p:nvPr/>
-        </p:nvPicPr>
-        <p:blipFill>
-          <a:blip r:embed="rId4"/>
-          <a:stretch>
-            <a:fillRect/>
-          </a:stretch>
-        </p:blipFill>
-        <p:spPr>
-          <a:xfrm>
-            <a:off x="6606535" y="3565299"/>
-            <a:ext cx="1717063" cy="1440000"/>
-          </a:xfrm>
-          <a:prstGeom prst="rect">
-            <a:avLst/>
-          </a:prstGeom>
-        </p:spPr>
-      </p:pic>
-      <p:pic>
-        <p:nvPicPr>
-          <p:cNvPr id="29" name="圖片 28">
-            <a:extLst>
-              <a:ext uri="{FF2B5EF4-FFF2-40B4-BE49-F238E27FC236}">
-                <a16:creationId xmlns:a16="http://schemas.microsoft.com/office/drawing/2014/main" id="{FB31545A-FC7D-C37B-DC2E-E9DC7C665290}"/>
-              </a:ext>
-            </a:extLst>
-          </p:cNvPr>
-          <p:cNvPicPr>
-            <a:picLocks noChangeAspect="1"/>
-          </p:cNvPicPr>
-          <p:nvPr/>
-        </p:nvPicPr>
-        <p:blipFill>
-          <a:blip r:embed="rId5"/>
-          <a:stretch>
-            <a:fillRect/>
-          </a:stretch>
-        </p:blipFill>
-        <p:spPr>
-          <a:xfrm>
-            <a:off x="1602970" y="1934748"/>
-            <a:ext cx="1717063" cy="1440000"/>
-          </a:xfrm>
-          <a:prstGeom prst="rect">
-            <a:avLst/>
-          </a:prstGeom>
-        </p:spPr>
-      </p:pic>
-      <p:pic>
-        <p:nvPicPr>
-          <p:cNvPr id="30" name="圖片 29">
-            <a:extLst>
-              <a:ext uri="{FF2B5EF4-FFF2-40B4-BE49-F238E27FC236}">
-                <a16:creationId xmlns:a16="http://schemas.microsoft.com/office/drawing/2014/main" id="{7E67E90A-1BAB-621C-43E6-9A7B9336FC35}"/>
-              </a:ext>
-            </a:extLst>
-          </p:cNvPr>
-          <p:cNvPicPr>
-            <a:picLocks noChangeAspect="1"/>
-          </p:cNvPicPr>
-          <p:nvPr/>
-        </p:nvPicPr>
-        <p:blipFill>
-          <a:blip r:embed="rId6"/>
-          <a:stretch>
-            <a:fillRect/>
-          </a:stretch>
-        </p:blipFill>
-        <p:spPr>
-          <a:xfrm>
-            <a:off x="4111224" y="1936405"/>
-            <a:ext cx="1704121" cy="1440000"/>
-          </a:xfrm>
-          <a:prstGeom prst="rect">
-            <a:avLst/>
-          </a:prstGeom>
-        </p:spPr>
-      </p:pic>
-      <p:pic>
-        <p:nvPicPr>
-          <p:cNvPr id="31" name="圖片 30">
-            <a:extLst>
-              <a:ext uri="{FF2B5EF4-FFF2-40B4-BE49-F238E27FC236}">
-                <a16:creationId xmlns:a16="http://schemas.microsoft.com/office/drawing/2014/main" id="{D6FDAA99-577B-14A3-9216-BFE78187942E}"/>
-              </a:ext>
-            </a:extLst>
-          </p:cNvPr>
-          <p:cNvPicPr>
-            <a:picLocks noChangeAspect="1"/>
-          </p:cNvPicPr>
-          <p:nvPr/>
-        </p:nvPicPr>
-        <p:blipFill>
-          <a:blip r:embed="rId7"/>
-          <a:stretch>
-            <a:fillRect/>
-          </a:stretch>
-        </p:blipFill>
-        <p:spPr>
-          <a:xfrm>
-            <a:off x="6606536" y="1934748"/>
-            <a:ext cx="1717063" cy="1440000"/>
-          </a:xfrm>
-          <a:prstGeom prst="rect">
-            <a:avLst/>
-          </a:prstGeom>
-        </p:spPr>
-      </p:pic>
-      <p:pic>
-        <p:nvPicPr>
-          <p:cNvPr id="5" name="圖片 4">
-            <a:extLst>
-              <a:ext uri="{FF2B5EF4-FFF2-40B4-BE49-F238E27FC236}">
-                <a16:creationId xmlns:a16="http://schemas.microsoft.com/office/drawing/2014/main" id="{182FC9E8-EB23-B707-99C4-015EFF244682}"/>
-              </a:ext>
-            </a:extLst>
-          </p:cNvPr>
-          <p:cNvPicPr>
-            <a:picLocks noChangeAspect="1"/>
-          </p:cNvPicPr>
-          <p:nvPr/>
-        </p:nvPicPr>
-        <p:blipFill>
-          <a:blip r:embed="rId8"/>
-          <a:stretch>
-            <a:fillRect/>
-          </a:stretch>
-        </p:blipFill>
-        <p:spPr>
-          <a:xfrm>
-            <a:off x="1602969" y="5195850"/>
-            <a:ext cx="1717064" cy="1440000"/>
-          </a:xfrm>
-          <a:prstGeom prst="rect">
-            <a:avLst/>
-          </a:prstGeom>
-        </p:spPr>
-      </p:pic>
-      <p:pic>
-        <p:nvPicPr>
-          <p:cNvPr id="7" name="圖片 6">
-            <a:extLst>
-              <a:ext uri="{FF2B5EF4-FFF2-40B4-BE49-F238E27FC236}">
-                <a16:creationId xmlns:a16="http://schemas.microsoft.com/office/drawing/2014/main" id="{57BA7C81-FD7C-6206-4B5D-0742A91867EC}"/>
-              </a:ext>
-            </a:extLst>
-          </p:cNvPr>
-          <p:cNvPicPr>
-            <a:picLocks noChangeAspect="1"/>
-          </p:cNvPicPr>
-          <p:nvPr/>
-        </p:nvPicPr>
-        <p:blipFill>
-          <a:blip r:embed="rId9"/>
-          <a:stretch>
-            <a:fillRect/>
-          </a:stretch>
-        </p:blipFill>
-        <p:spPr>
-          <a:xfrm>
-            <a:off x="4111224" y="5195850"/>
-            <a:ext cx="1717064" cy="1440000"/>
-          </a:xfrm>
-          <a:prstGeom prst="rect">
-            <a:avLst/>
-          </a:prstGeom>
-        </p:spPr>
-      </p:pic>
-      <p:pic>
-        <p:nvPicPr>
-          <p:cNvPr id="9" name="圖片 8">
-            <a:extLst>
-              <a:ext uri="{FF2B5EF4-FFF2-40B4-BE49-F238E27FC236}">
-                <a16:creationId xmlns:a16="http://schemas.microsoft.com/office/drawing/2014/main" id="{46802A34-BAE1-1313-74AB-525844F93CFB}"/>
-              </a:ext>
-            </a:extLst>
-          </p:cNvPr>
-          <p:cNvPicPr>
-            <a:picLocks noChangeAspect="1"/>
-          </p:cNvPicPr>
-          <p:nvPr/>
-        </p:nvPicPr>
-        <p:blipFill>
-          <a:blip r:embed="rId10"/>
-          <a:stretch>
-            <a:fillRect/>
-          </a:stretch>
-        </p:blipFill>
-        <p:spPr>
-          <a:xfrm>
-            <a:off x="6606534" y="5195850"/>
-            <a:ext cx="1717064" cy="1440000"/>
-          </a:xfrm>
-          <a:prstGeom prst="rect">
-            <a:avLst/>
-          </a:prstGeom>
-        </p:spPr>
-      </p:pic>
-      <p:sp>
-        <p:nvSpPr>
-          <p:cNvPr id="10" name="文字方塊 9">
-            <a:extLst>
-              <a:ext uri="{FF2B5EF4-FFF2-40B4-BE49-F238E27FC236}">
-                <a16:creationId xmlns:a16="http://schemas.microsoft.com/office/drawing/2014/main" id="{AF2A541B-4418-0DC3-168D-8B7F45CA544E}"/>
-              </a:ext>
-            </a:extLst>
-          </p:cNvPr>
-          <p:cNvSpPr txBox="1"/>
-          <p:nvPr/>
-        </p:nvSpPr>
-        <p:spPr>
-          <a:xfrm>
-            <a:off x="489098" y="5561907"/>
-            <a:ext cx="1001966" cy="707886"/>
-          </a:xfrm>
-          <a:prstGeom prst="rect">
-            <a:avLst/>
-          </a:prstGeom>
-          <a:noFill/>
-        </p:spPr>
-        <p:txBody>
-          <a:bodyPr wrap="square">
-            <a:spAutoFit/>
-          </a:bodyPr>
-          <a:lstStyle/>
-          <a:p>
-            <a:pPr algn="ctr"/>
-            <a:r>
-              <a:rPr lang="en-US" altLang="zh-TW" sz="2000" dirty="0">
-                <a:solidFill>
-                  <a:schemeClr val="accent1"/>
-                </a:solidFill>
-                <a:latin typeface="+mj-lt"/>
-                <a:ea typeface="+mj-ea"/>
-                <a:cs typeface="+mj-cs"/>
+            <a:r>
+              <a:rPr lang="en-US" altLang="zh-TW" sz="4000" dirty="0">
+                <a:solidFill>
+                  <a:schemeClr val="accent2"/>
+                </a:solidFill>
               </a:rPr>
-              <a:t>SB</a:t>
-            </a:r>
-          </a:p>
-          <a:p>
-            <a:pPr algn="ctr"/>
-            <a:r>
-              <a:rPr lang="zh-TW" altLang="en-US" sz="2000" dirty="0">
-                <a:solidFill>
-                  <a:schemeClr val="accent1"/>
-                </a:solidFill>
-                <a:latin typeface="+mj-lt"/>
-                <a:ea typeface="+mj-ea"/>
-                <a:cs typeface="+mj-cs"/>
+              <a:t>)</a:t>
+            </a:r>
+            <a:r>
+              <a:rPr lang="zh-TW" altLang="en-US" sz="4000" dirty="0">
+                <a:solidFill>
+                  <a:schemeClr val="accent2"/>
+                </a:solidFill>
+              </a:rPr>
+              <a:t>、</a:t>
+            </a:r>
+            <a:r>
+              <a:rPr lang="en-US" altLang="zh-TW" sz="4000" dirty="0">
+                <a:solidFill>
+                  <a:schemeClr val="accent2"/>
+                </a:solidFill>
+              </a:rPr>
+              <a:t>SB(</a:t>
+            </a:r>
+            <a:r>
+              <a:rPr lang="zh-TW" altLang="en-US" sz="4000" dirty="0">
+                <a:solidFill>
+                  <a:schemeClr val="accent2"/>
+                </a:solidFill>
               </a:rPr>
               <a:t>西班牙</a:t>
+            </a:r>
+            <a:r>
+              <a:rPr lang="en-US" altLang="zh-TW" sz="4000" dirty="0">
+                <a:solidFill>
+                  <a:schemeClr val="accent2"/>
+                </a:solidFill>
+              </a:rPr>
+              <a:t>)</a:t>
+            </a:r>
+          </a:p>
+          <a:p>
+            <a:pPr algn="ctr"/>
+            <a:r>
+              <a:rPr lang="zh-TW" altLang="en-US" sz="4000" dirty="0">
+                <a:solidFill>
+                  <a:schemeClr val="accent2"/>
+                </a:solidFill>
+              </a:rPr>
+              <a:t>以男性為訓練資料，</a:t>
+            </a:r>
+            <a:r>
+              <a:rPr lang="en-US" altLang="zh-TW" sz="4000" dirty="0">
+                <a:solidFill>
+                  <a:schemeClr val="accent2"/>
+                </a:solidFill>
+              </a:rPr>
+              <a:t>MFCC</a:t>
+            </a:r>
+            <a:r>
+              <a:rPr lang="zh-TW" altLang="en-US" sz="4000" dirty="0">
+                <a:solidFill>
+                  <a:schemeClr val="accent2"/>
+                </a:solidFill>
+              </a:rPr>
+              <a:t>萃取</a:t>
+            </a:r>
+            <a:r>
+              <a:rPr lang="en-US" altLang="zh-TW" sz="4000" dirty="0">
+                <a:solidFill>
+                  <a:schemeClr val="accent2"/>
+                </a:solidFill>
+              </a:rPr>
+              <a:t>50*50</a:t>
+            </a:r>
+            <a:r>
+              <a:rPr lang="zh-TW" altLang="en-US" sz="4000" dirty="0">
+                <a:solidFill>
+                  <a:schemeClr val="accent2"/>
+                </a:solidFill>
+              </a:rPr>
+              <a:t>之特徵</a:t>
             </a:r>
           </a:p>
         </p:txBody>
@@ -8090,7 +7498,7 @@
     </p:spTree>
     <p:extLst>
       <p:ext uri="{BB962C8B-B14F-4D97-AF65-F5344CB8AC3E}">
-        <p14:creationId xmlns:p14="http://schemas.microsoft.com/office/powerpoint/2010/main" val="4279071752"/>
+        <p14:creationId xmlns:p14="http://schemas.microsoft.com/office/powerpoint/2010/main" val="2430636399"/>
       </p:ext>
     </p:extLst>
   </p:cSld>
@@ -8119,13 +7527,7 @@
       </p:grpSpPr>
       <p:sp>
         <p:nvSpPr>
-          <p:cNvPr id="2" name="標題 1">
-            <a:extLst>
-              <a:ext uri="{FF2B5EF4-FFF2-40B4-BE49-F238E27FC236}">
-                <a16:creationId xmlns:a16="http://schemas.microsoft.com/office/drawing/2014/main" id="{00BCF397-3DB7-DF1C-C114-225549C2B2F2}"/>
-              </a:ext>
-            </a:extLst>
-          </p:cNvPr>
+          <p:cNvPr id="2" name="標題 1"/>
           <p:cNvSpPr>
             <a:spLocks noGrp="1"/>
           </p:cNvSpPr>
@@ -8133,36 +7535,78 @@
             <p:ph type="title"/>
           </p:nvPr>
         </p:nvSpPr>
-        <p:spPr>
-          <a:xfrm>
-            <a:off x="0" y="2258969"/>
-            <a:ext cx="12192000" cy="1170031"/>
-          </a:xfrm>
-        </p:spPr>
+        <p:spPr/>
         <p:txBody>
           <a:bodyPr>
-            <a:noAutofit/>
+            <a:normAutofit/>
           </a:bodyPr>
           <a:lstStyle/>
           <a:p>
-            <a:pPr algn="ctr"/>
-            <a:r>
-              <a:rPr lang="zh-TW" altLang="en-US" sz="7200" b="1" dirty="0"/>
-              <a:t>三種語言訓練結果</a:t>
-            </a:r>
             <a:br>
-              <a:rPr lang="en-US" altLang="zh-TW" sz="7200" b="1" dirty="0"/>
+              <a:rPr lang="en-US" altLang="zh-TW" dirty="0"/>
             </a:br>
-            <a:endParaRPr lang="zh-TW" altLang="en-US" sz="7200" b="1" dirty="0"/>
-          </a:p>
-        </p:txBody>
-      </p:sp>
-      <p:sp>
-        <p:nvSpPr>
-          <p:cNvPr id="3" name="標題 1">
+            <a:endParaRPr lang="zh-TW" altLang="en-US" dirty="0"/>
+          </a:p>
+        </p:txBody>
+      </p:sp>
+      <p:sp>
+        <p:nvSpPr>
+          <p:cNvPr id="5" name="文字方塊 4">
             <a:extLst>
               <a:ext uri="{FF2B5EF4-FFF2-40B4-BE49-F238E27FC236}">
-                <a16:creationId xmlns:a16="http://schemas.microsoft.com/office/drawing/2014/main" id="{1AB897BE-D550-B96C-B54F-86AE24612143}"/>
+                <a16:creationId xmlns:a16="http://schemas.microsoft.com/office/drawing/2014/main" id="{3A909603-2CCC-4775-AFF7-EEDAEF5D8F86}"/>
+              </a:ext>
+            </a:extLst>
+          </p:cNvPr>
+          <p:cNvSpPr txBox="1"/>
+          <p:nvPr/>
+        </p:nvSpPr>
+        <p:spPr>
+          <a:xfrm>
+            <a:off x="11489635" y="6488668"/>
+            <a:ext cx="702365" cy="338554"/>
+          </a:xfrm>
+          <a:prstGeom prst="rect">
+            <a:avLst/>
+          </a:prstGeom>
+          <a:noFill/>
+        </p:spPr>
+        <p:txBody>
+          <a:bodyPr wrap="square" rtlCol="0">
+            <a:spAutoFit/>
+          </a:bodyPr>
+          <a:lstStyle/>
+          <a:p>
+            <a:r>
+              <a:rPr lang="en-US" altLang="zh-TW" sz="1600" dirty="0">
+                <a:solidFill>
+                  <a:schemeClr val="bg1"/>
+                </a:solidFill>
+              </a:rPr>
+              <a:t>0</a:t>
+            </a:r>
+            <a:fld id="{14AC972E-A942-4833-AA5E-CD5138CD0656}" type="slidenum">
+              <a:rPr lang="en-US" altLang="zh-TW" sz="1600" smtClean="0">
+                <a:solidFill>
+                  <a:schemeClr val="bg1"/>
+                </a:solidFill>
+              </a:rPr>
+              <a:t>14</a:t>
+            </a:fld>
+            <a:endParaRPr lang="zh-TW" altLang="en-US" dirty="0">
+              <a:solidFill>
+                <a:schemeClr val="bg1"/>
+              </a:solidFill>
+            </a:endParaRPr>
+          </a:p>
+        </p:txBody>
+      </p:sp>
+      <p:sp>
+        <p:nvSpPr>
+          <p:cNvPr id="10" name="標題 1">
+            <a:extLst>
+              <a:ext uri="{FF2B5EF4-FFF2-40B4-BE49-F238E27FC236}">
+                <a16:creationId xmlns:a16="http://schemas.microsoft.com/office/drawing/2014/main" id="{66F794C4-EB0C-4E8A-A5B9-6048138809A1}"/>
               </a:ext>
             </a:extLst>
           </p:cNvPr>
@@ -8173,8 +7617,8 @@
         </p:nvSpPr>
         <p:spPr>
           <a:xfrm>
-            <a:off x="0" y="3669718"/>
-            <a:ext cx="12192000" cy="1731621"/>
+            <a:off x="829734" y="762000"/>
+            <a:ext cx="8596668" cy="1320800"/>
           </a:xfrm>
           <a:prstGeom prst="rect">
             <a:avLst/>
@@ -8182,7 +7626,7 @@
         </p:spPr>
         <p:txBody>
           <a:bodyPr vert="horz" lIns="91440" tIns="45720" rIns="91440" bIns="45720" rtlCol="0" anchor="t">
-            <a:normAutofit fontScale="97500"/>
+            <a:normAutofit/>
           </a:bodyPr>
           <a:lstStyle>
             <a:lvl1pPr algn="l" defTabSz="457200" rtl="0" eaLnBrk="1" latinLnBrk="0" hangingPunct="1">
@@ -8257,145 +7701,47 @@
             </a:lvl9pPr>
           </a:lstStyle>
           <a:p>
-            <a:pPr algn="ctr"/>
-            <a:r>
-              <a:rPr lang="en-US" altLang="zh-TW" sz="4000" dirty="0">
-                <a:solidFill>
-                  <a:schemeClr val="accent2"/>
-                </a:solidFill>
-              </a:rPr>
-              <a:t>TIMIT(</a:t>
-            </a:r>
-            <a:r>
-              <a:rPr lang="zh-TW" altLang="en-US" sz="4000" dirty="0">
-                <a:solidFill>
-                  <a:schemeClr val="accent2"/>
-                </a:solidFill>
-              </a:rPr>
-              <a:t>美國</a:t>
-            </a:r>
-            <a:r>
-              <a:rPr lang="en-US" altLang="zh-TW" sz="4000" dirty="0">
-                <a:solidFill>
-                  <a:schemeClr val="accent2"/>
-                </a:solidFill>
-              </a:rPr>
-              <a:t>)</a:t>
-            </a:r>
-            <a:r>
-              <a:rPr lang="zh-TW" altLang="en-US" sz="4000" dirty="0">
-                <a:solidFill>
-                  <a:schemeClr val="accent2"/>
-                </a:solidFill>
-              </a:rPr>
-              <a:t>、</a:t>
-            </a:r>
-            <a:r>
-              <a:rPr lang="en-US" altLang="zh-TW" sz="4000" dirty="0">
-                <a:solidFill>
-                  <a:schemeClr val="accent2"/>
-                </a:solidFill>
-              </a:rPr>
-              <a:t>CLIPS(</a:t>
-            </a:r>
-            <a:r>
-              <a:rPr lang="zh-TW" altLang="en-US" sz="4000" dirty="0">
-                <a:solidFill>
-                  <a:schemeClr val="accent2"/>
-                </a:solidFill>
-              </a:rPr>
-              <a:t>義大利</a:t>
-            </a:r>
-            <a:r>
-              <a:rPr lang="en-US" altLang="zh-TW" sz="4000" dirty="0">
-                <a:solidFill>
-                  <a:schemeClr val="accent2"/>
-                </a:solidFill>
-              </a:rPr>
-              <a:t>)</a:t>
-            </a:r>
-            <a:r>
-              <a:rPr lang="zh-TW" altLang="en-US" sz="4000" dirty="0">
-                <a:solidFill>
-                  <a:schemeClr val="accent2"/>
-                </a:solidFill>
-              </a:rPr>
-              <a:t>、</a:t>
-            </a:r>
-            <a:r>
-              <a:rPr lang="en-US" altLang="zh-TW" sz="4000" dirty="0">
-                <a:solidFill>
-                  <a:schemeClr val="accent2"/>
-                </a:solidFill>
-              </a:rPr>
-              <a:t>SB(</a:t>
-            </a:r>
-            <a:r>
-              <a:rPr lang="zh-TW" altLang="en-US" sz="4000" dirty="0">
-                <a:solidFill>
-                  <a:schemeClr val="accent2"/>
-                </a:solidFill>
-              </a:rPr>
-              <a:t>西班牙</a:t>
-            </a:r>
-            <a:r>
-              <a:rPr lang="en-US" altLang="zh-TW" sz="4000" dirty="0">
-                <a:solidFill>
-                  <a:schemeClr val="accent2"/>
-                </a:solidFill>
-              </a:rPr>
-              <a:t>)</a:t>
-            </a:r>
-          </a:p>
-          <a:p>
-            <a:pPr algn="ctr"/>
-            <a:r>
-              <a:rPr lang="zh-TW" altLang="en-US" sz="4000" dirty="0">
-                <a:solidFill>
-                  <a:schemeClr val="accent2"/>
-                </a:solidFill>
-              </a:rPr>
-              <a:t>以男性為訓練資料，</a:t>
-            </a:r>
-            <a:r>
-              <a:rPr lang="en-US" altLang="zh-TW" sz="4000" dirty="0">
-                <a:solidFill>
-                  <a:schemeClr val="accent2"/>
-                </a:solidFill>
-              </a:rPr>
-              <a:t>MFCC</a:t>
-            </a:r>
-            <a:r>
-              <a:rPr lang="zh-TW" altLang="en-US" sz="4000" dirty="0">
-                <a:solidFill>
-                  <a:schemeClr val="accent2"/>
-                </a:solidFill>
-              </a:rPr>
-              <a:t>萃取</a:t>
-            </a:r>
-            <a:r>
-              <a:rPr lang="en-US" altLang="zh-TW" sz="4000" dirty="0">
-                <a:solidFill>
-                  <a:schemeClr val="accent2"/>
-                </a:solidFill>
-              </a:rPr>
-              <a:t>50*50</a:t>
-            </a:r>
-            <a:r>
-              <a:rPr lang="zh-TW" altLang="en-US" sz="4000" dirty="0">
-                <a:solidFill>
-                  <a:schemeClr val="accent2"/>
-                </a:solidFill>
-              </a:rPr>
-              <a:t>之特徵</a:t>
-            </a:r>
-          </a:p>
-        </p:txBody>
-      </p:sp>
+            <a:r>
+              <a:rPr lang="zh-TW" altLang="en-US" dirty="0"/>
+              <a:t>網路架構</a:t>
+            </a:r>
+          </a:p>
+        </p:txBody>
+      </p:sp>
+      <p:pic>
+        <p:nvPicPr>
+          <p:cNvPr id="4" name="圖片 3">
+            <a:extLst>
+              <a:ext uri="{FF2B5EF4-FFF2-40B4-BE49-F238E27FC236}">
+                <a16:creationId xmlns:a16="http://schemas.microsoft.com/office/drawing/2014/main" id="{9CDF0B20-4208-F26F-7C4C-502C5FF331BB}"/>
+              </a:ext>
+            </a:extLst>
+          </p:cNvPr>
+          <p:cNvPicPr>
+            <a:picLocks noChangeAspect="1"/>
+          </p:cNvPicPr>
+          <p:nvPr/>
+        </p:nvPicPr>
+        <p:blipFill>
+          <a:blip r:embed="rId2"/>
+          <a:stretch>
+            <a:fillRect/>
+          </a:stretch>
+        </p:blipFill>
+        <p:spPr>
+          <a:xfrm>
+            <a:off x="3749944" y="762000"/>
+            <a:ext cx="4904762" cy="4809524"/>
+          </a:xfrm>
+          <a:prstGeom prst="rect">
+            <a:avLst/>
+          </a:prstGeom>
+        </p:spPr>
+      </p:pic>
     </p:spTree>
     <p:extLst>
       <p:ext uri="{BB962C8B-B14F-4D97-AF65-F5344CB8AC3E}">
-        <p14:creationId xmlns:p14="http://schemas.microsoft.com/office/powerpoint/2010/main" val="2430636399"/>
+        <p14:creationId xmlns:p14="http://schemas.microsoft.com/office/powerpoint/2010/main" val="224758288"/>
       </p:ext>
     </p:extLst>
   </p:cSld>
@@ -8599,9 +7945,18 @@
           </a:lstStyle>
           <a:p>
             <a:r>
-              <a:rPr lang="zh-TW" altLang="en-US" dirty="0"/>
-              <a:t>網路架構</a:t>
-            </a:r>
+              <a:rPr lang="en-US" altLang="zh-TW" dirty="0"/>
+              <a:t>acc= 1.0</a:t>
+            </a:r>
+          </a:p>
+          <a:p>
+            <a:r>
+              <a:rPr lang="en-US" altLang="zh-TW" dirty="0"/>
+              <a:t>loss= 0.0010837971139521653 </a:t>
+            </a:r>
+          </a:p>
+          <a:p>
+            <a:endParaRPr lang="en-US" altLang="zh-TW" dirty="0"/>
           </a:p>
         </p:txBody>
       </p:sp>
@@ -8610,7 +7965,7 @@
           <p:cNvPr id="4" name="圖片 3">
             <a:extLst>
               <a:ext uri="{FF2B5EF4-FFF2-40B4-BE49-F238E27FC236}">
-                <a16:creationId xmlns:a16="http://schemas.microsoft.com/office/drawing/2014/main" id="{9CDF0B20-4208-F26F-7C4C-502C5FF331BB}"/>
+                <a16:creationId xmlns:a16="http://schemas.microsoft.com/office/drawing/2014/main" id="{9439479C-C272-0A74-5572-135E15FAF67A}"/>
               </a:ext>
             </a:extLst>
           </p:cNvPr>
@@ -8627,8 +7982,68 @@
         </p:blipFill>
         <p:spPr>
           <a:xfrm>
-            <a:off x="3749944" y="762000"/>
-            <a:ext cx="4904762" cy="4809524"/>
+            <a:off x="747437" y="2572711"/>
+            <a:ext cx="5084074" cy="3977648"/>
+          </a:xfrm>
+          <a:prstGeom prst="rect">
+            <a:avLst/>
+          </a:prstGeom>
+        </p:spPr>
+      </p:pic>
+      <p:pic>
+        <p:nvPicPr>
+          <p:cNvPr id="7" name="圖片 6">
+            <a:extLst>
+              <a:ext uri="{FF2B5EF4-FFF2-40B4-BE49-F238E27FC236}">
+                <a16:creationId xmlns:a16="http://schemas.microsoft.com/office/drawing/2014/main" id="{93E4D426-0E7E-7028-E235-82365C3E8CCC}"/>
+              </a:ext>
+            </a:extLst>
+          </p:cNvPr>
+          <p:cNvPicPr>
+            <a:picLocks noChangeAspect="1"/>
+          </p:cNvPicPr>
+          <p:nvPr/>
+        </p:nvPicPr>
+        <p:blipFill>
+          <a:blip r:embed="rId3"/>
+          <a:stretch>
+            <a:fillRect/>
+          </a:stretch>
+        </p:blipFill>
+        <p:spPr>
+          <a:xfrm>
+            <a:off x="6360491" y="2572711"/>
+            <a:ext cx="5001778" cy="3977648"/>
+          </a:xfrm>
+          <a:prstGeom prst="rect">
+            <a:avLst/>
+          </a:prstGeom>
+        </p:spPr>
+      </p:pic>
+      <p:pic>
+        <p:nvPicPr>
+          <p:cNvPr id="9" name="圖片 8">
+            <a:extLst>
+              <a:ext uri="{FF2B5EF4-FFF2-40B4-BE49-F238E27FC236}">
+                <a16:creationId xmlns:a16="http://schemas.microsoft.com/office/drawing/2014/main" id="{7F0D7990-D7B7-D282-3E87-36F17916C1EA}"/>
+              </a:ext>
+            </a:extLst>
+          </p:cNvPr>
+          <p:cNvPicPr>
+            <a:picLocks noChangeAspect="1"/>
+          </p:cNvPicPr>
+          <p:nvPr/>
+        </p:nvPicPr>
+        <p:blipFill>
+          <a:blip r:embed="rId4"/>
+          <a:stretch>
+            <a:fillRect/>
+          </a:stretch>
+        </p:blipFill>
+        <p:spPr>
+          <a:xfrm>
+            <a:off x="8158949" y="432400"/>
+            <a:ext cx="2230105" cy="1980000"/>
           </a:xfrm>
           <a:prstGeom prst="rect">
             <a:avLst/>
@@ -8638,7 +8053,7 @@
     </p:spTree>
     <p:extLst>
       <p:ext uri="{BB962C8B-B14F-4D97-AF65-F5344CB8AC3E}">
-        <p14:creationId xmlns:p14="http://schemas.microsoft.com/office/powerpoint/2010/main" val="224758288"/>
+        <p14:creationId xmlns:p14="http://schemas.microsoft.com/office/powerpoint/2010/main" val="1235880494"/>
       </p:ext>
     </p:extLst>
   </p:cSld>
@@ -8667,7 +8082,13 @@
       </p:grpSpPr>
       <p:sp>
         <p:nvSpPr>
-          <p:cNvPr id="2" name="標題 1"/>
+          <p:cNvPr id="2" name="標題 1">
+            <a:extLst>
+              <a:ext uri="{FF2B5EF4-FFF2-40B4-BE49-F238E27FC236}">
+                <a16:creationId xmlns:a16="http://schemas.microsoft.com/office/drawing/2014/main" id="{00BCF397-3DB7-DF1C-C114-225549C2B2F2}"/>
+              </a:ext>
+            </a:extLst>
+          </p:cNvPr>
           <p:cNvSpPr>
             <a:spLocks noGrp="1"/>
           </p:cNvSpPr>
@@ -8675,282 +8096,30 @@
             <p:ph type="title"/>
           </p:nvPr>
         </p:nvSpPr>
-        <p:spPr/>
+        <p:spPr>
+          <a:xfrm>
+            <a:off x="0" y="2258969"/>
+            <a:ext cx="12192000" cy="1170031"/>
+          </a:xfrm>
+        </p:spPr>
         <p:txBody>
           <a:bodyPr>
-            <a:normAutofit/>
+            <a:noAutofit/>
           </a:bodyPr>
           <a:lstStyle/>
           <a:p>
-            <a:br>
-              <a:rPr lang="en-US" altLang="zh-TW" dirty="0"/>
-            </a:br>
-            <a:endParaRPr lang="zh-TW" altLang="en-US" dirty="0"/>
-          </a:p>
-        </p:txBody>
-      </p:sp>
-      <p:sp>
-        <p:nvSpPr>
-          <p:cNvPr id="5" name="文字方塊 4">
-            <a:extLst>
-              <a:ext uri="{FF2B5EF4-FFF2-40B4-BE49-F238E27FC236}">
-                <a16:creationId xmlns:a16="http://schemas.microsoft.com/office/drawing/2014/main" id="{3A909603-2CCC-4775-AFF7-EEDAEF5D8F86}"/>
-              </a:ext>
-            </a:extLst>
-          </p:cNvPr>
-          <p:cNvSpPr txBox="1"/>
-          <p:nvPr/>
-        </p:nvSpPr>
-        <p:spPr>
-          <a:xfrm>
-            <a:off x="11489635" y="6488668"/>
-            <a:ext cx="702365" cy="338554"/>
-          </a:xfrm>
-          <a:prstGeom prst="rect">
-            <a:avLst/>
-          </a:prstGeom>
-          <a:noFill/>
-        </p:spPr>
-        <p:txBody>
-          <a:bodyPr wrap="square" rtlCol="0">
-            <a:spAutoFit/>
-          </a:bodyPr>
-          <a:lstStyle/>
-          <a:p>
-            <a:r>
-              <a:rPr lang="en-US" altLang="zh-TW" sz="1600" dirty="0">
-                <a:solidFill>
-                  <a:schemeClr val="bg1"/>
-                </a:solidFill>
-              </a:rPr>
-              <a:t>0</a:t>
-            </a:r>
-            <a:fld id="{14AC972E-A942-4833-AA5E-CD5138CD0656}" type="slidenum">
-              <a:rPr lang="en-US" altLang="zh-TW" sz="1600" smtClean="0">
-                <a:solidFill>
-                  <a:schemeClr val="bg1"/>
-                </a:solidFill>
-              </a:rPr>
-              <a:t>16</a:t>
-            </a:fld>
-            <a:endParaRPr lang="zh-TW" altLang="en-US" dirty="0">
-              <a:solidFill>
-                <a:schemeClr val="bg1"/>
-              </a:solidFill>
-            </a:endParaRPr>
-          </a:p>
-        </p:txBody>
-      </p:sp>
-      <p:sp>
-        <p:nvSpPr>
-          <p:cNvPr id="10" name="標題 1">
-            <a:extLst>
-              <a:ext uri="{FF2B5EF4-FFF2-40B4-BE49-F238E27FC236}">
-                <a16:creationId xmlns:a16="http://schemas.microsoft.com/office/drawing/2014/main" id="{66F794C4-EB0C-4E8A-A5B9-6048138809A1}"/>
-              </a:ext>
-            </a:extLst>
-          </p:cNvPr>
-          <p:cNvSpPr txBox="1">
-            <a:spLocks/>
-          </p:cNvSpPr>
-          <p:nvPr/>
-        </p:nvSpPr>
-        <p:spPr>
-          <a:xfrm>
-            <a:off x="829734" y="762000"/>
-            <a:ext cx="8596668" cy="1320800"/>
-          </a:xfrm>
-          <a:prstGeom prst="rect">
-            <a:avLst/>
-          </a:prstGeom>
-        </p:spPr>
-        <p:txBody>
-          <a:bodyPr vert="horz" lIns="91440" tIns="45720" rIns="91440" bIns="45720" rtlCol="0" anchor="t">
-            <a:normAutofit/>
-          </a:bodyPr>
-          <a:lstStyle>
-            <a:lvl1pPr algn="l" defTabSz="457200" rtl="0" eaLnBrk="1" latinLnBrk="0" hangingPunct="1">
-              <a:spcBef>
-                <a:spcPct val="0"/>
-              </a:spcBef>
-              <a:buNone/>
-              <a:defRPr sz="3600" kern="1200">
-                <a:solidFill>
-                  <a:schemeClr val="accent1"/>
-                </a:solidFill>
-                <a:latin typeface="+mj-lt"/>
-                <a:ea typeface="+mj-ea"/>
-                <a:cs typeface="+mj-cs"/>
-              </a:defRPr>
-            </a:lvl1pPr>
-            <a:lvl2pPr eaLnBrk="1" hangingPunct="1">
-              <a:defRPr>
-                <a:solidFill>
-                  <a:schemeClr val="tx2"/>
-                </a:solidFill>
-              </a:defRPr>
-            </a:lvl2pPr>
-            <a:lvl3pPr eaLnBrk="1" hangingPunct="1">
-              <a:defRPr>
-                <a:solidFill>
-                  <a:schemeClr val="tx2"/>
-                </a:solidFill>
-              </a:defRPr>
-            </a:lvl3pPr>
-            <a:lvl4pPr eaLnBrk="1" hangingPunct="1">
-              <a:defRPr>
-                <a:solidFill>
-                  <a:schemeClr val="tx2"/>
-                </a:solidFill>
-              </a:defRPr>
-            </a:lvl4pPr>
-            <a:lvl5pPr eaLnBrk="1" hangingPunct="1">
-              <a:defRPr>
-                <a:solidFill>
-                  <a:schemeClr val="tx2"/>
-                </a:solidFill>
-              </a:defRPr>
-            </a:lvl5pPr>
-            <a:lvl6pPr eaLnBrk="1" hangingPunct="1">
-              <a:defRPr>
-                <a:solidFill>
-                  <a:schemeClr val="tx2"/>
-                </a:solidFill>
-              </a:defRPr>
-            </a:lvl6pPr>
-            <a:lvl7pPr eaLnBrk="1" hangingPunct="1">
-              <a:defRPr>
-                <a:solidFill>
-                  <a:schemeClr val="tx2"/>
-                </a:solidFill>
-              </a:defRPr>
-            </a:lvl7pPr>
-            <a:lvl8pPr eaLnBrk="1" hangingPunct="1">
-              <a:defRPr>
-                <a:solidFill>
-                  <a:schemeClr val="tx2"/>
-                </a:solidFill>
-              </a:defRPr>
-            </a:lvl8pPr>
-            <a:lvl9pPr eaLnBrk="1" hangingPunct="1">
-              <a:defRPr>
-                <a:solidFill>
-                  <a:schemeClr val="tx2"/>
-                </a:solidFill>
-              </a:defRPr>
-            </a:lvl9pPr>
-          </a:lstStyle>
-          <a:p>
-            <a:r>
-              <a:rPr lang="en-US" altLang="zh-TW" dirty="0"/>
-              <a:t>acc= 1.0</a:t>
-            </a:r>
-          </a:p>
-          <a:p>
-            <a:r>
-              <a:rPr lang="en-US" altLang="zh-TW" dirty="0"/>
-              <a:t>loss= 0.0010837971139521653 </a:t>
-            </a:r>
-          </a:p>
-          <a:p>
-            <a:endParaRPr lang="en-US" altLang="zh-TW" dirty="0"/>
-          </a:p>
-        </p:txBody>
-      </p:sp>
-      <p:pic>
-        <p:nvPicPr>
-          <p:cNvPr id="4" name="圖片 3">
-            <a:extLst>
-              <a:ext uri="{FF2B5EF4-FFF2-40B4-BE49-F238E27FC236}">
-                <a16:creationId xmlns:a16="http://schemas.microsoft.com/office/drawing/2014/main" id="{9439479C-C272-0A74-5572-135E15FAF67A}"/>
-              </a:ext>
-            </a:extLst>
-          </p:cNvPr>
-          <p:cNvPicPr>
-            <a:picLocks noChangeAspect="1"/>
-          </p:cNvPicPr>
-          <p:nvPr/>
-        </p:nvPicPr>
-        <p:blipFill>
-          <a:blip r:embed="rId2"/>
-          <a:stretch>
-            <a:fillRect/>
-          </a:stretch>
-        </p:blipFill>
-        <p:spPr>
-          <a:xfrm>
-            <a:off x="747437" y="2572711"/>
-            <a:ext cx="5084074" cy="3977648"/>
-          </a:xfrm>
-          <a:prstGeom prst="rect">
-            <a:avLst/>
-          </a:prstGeom>
-        </p:spPr>
-      </p:pic>
-      <p:pic>
-        <p:nvPicPr>
-          <p:cNvPr id="7" name="圖片 6">
-            <a:extLst>
-              <a:ext uri="{FF2B5EF4-FFF2-40B4-BE49-F238E27FC236}">
-                <a16:creationId xmlns:a16="http://schemas.microsoft.com/office/drawing/2014/main" id="{93E4D426-0E7E-7028-E235-82365C3E8CCC}"/>
-              </a:ext>
-            </a:extLst>
-          </p:cNvPr>
-          <p:cNvPicPr>
-            <a:picLocks noChangeAspect="1"/>
-          </p:cNvPicPr>
-          <p:nvPr/>
-        </p:nvPicPr>
-        <p:blipFill>
-          <a:blip r:embed="rId3"/>
-          <a:stretch>
-            <a:fillRect/>
-          </a:stretch>
-        </p:blipFill>
-        <p:spPr>
-          <a:xfrm>
-            <a:off x="6360491" y="2572711"/>
-            <a:ext cx="5001778" cy="3977648"/>
-          </a:xfrm>
-          <a:prstGeom prst="rect">
-            <a:avLst/>
-          </a:prstGeom>
-        </p:spPr>
-      </p:pic>
-      <p:pic>
-        <p:nvPicPr>
-          <p:cNvPr id="9" name="圖片 8">
-            <a:extLst>
-              <a:ext uri="{FF2B5EF4-FFF2-40B4-BE49-F238E27FC236}">
-                <a16:creationId xmlns:a16="http://schemas.microsoft.com/office/drawing/2014/main" id="{7F0D7990-D7B7-D282-3E87-36F17916C1EA}"/>
-              </a:ext>
-            </a:extLst>
-          </p:cNvPr>
-          <p:cNvPicPr>
-            <a:picLocks noChangeAspect="1"/>
-          </p:cNvPicPr>
-          <p:nvPr/>
-        </p:nvPicPr>
-        <p:blipFill>
-          <a:blip r:embed="rId4"/>
-          <a:stretch>
-            <a:fillRect/>
-          </a:stretch>
-        </p:blipFill>
-        <p:spPr>
-          <a:xfrm>
-            <a:off x="8158949" y="432400"/>
-            <a:ext cx="2230105" cy="1980000"/>
-          </a:xfrm>
-          <a:prstGeom prst="rect">
-            <a:avLst/>
-          </a:prstGeom>
-        </p:spPr>
-      </p:pic>
+            <a:pPr algn="ctr"/>
+            <a:r>
+              <a:rPr lang="zh-TW" altLang="en-US" sz="7200" b="1" dirty="0"/>
+              <a:t>特徵萃取圖樣分析</a:t>
+            </a:r>
+          </a:p>
+        </p:txBody>
+      </p:sp>
     </p:spTree>
     <p:extLst>
       <p:ext uri="{BB962C8B-B14F-4D97-AF65-F5344CB8AC3E}">
-        <p14:creationId xmlns:p14="http://schemas.microsoft.com/office/powerpoint/2010/main" val="1235880494"/>
+        <p14:creationId xmlns:p14="http://schemas.microsoft.com/office/powerpoint/2010/main" val="147045691"/>
       </p:ext>
     </p:extLst>
   </p:cSld>
@@ -8982,7 +8151,7 @@
           <p:cNvPr id="2" name="標題 1">
             <a:extLst>
               <a:ext uri="{FF2B5EF4-FFF2-40B4-BE49-F238E27FC236}">
-                <a16:creationId xmlns:a16="http://schemas.microsoft.com/office/drawing/2014/main" id="{00BCF397-3DB7-DF1C-C114-225549C2B2F2}"/>
+                <a16:creationId xmlns:a16="http://schemas.microsoft.com/office/drawing/2014/main" id="{BD307EDC-991B-0CD0-1C13-B749EF34C328}"/>
               </a:ext>
             </a:extLst>
           </p:cNvPr>
@@ -8995,28 +8164,470 @@
         </p:nvSpPr>
         <p:spPr>
           <a:xfrm>
-            <a:off x="0" y="2258969"/>
-            <a:ext cx="12192000" cy="1170031"/>
+            <a:off x="677334" y="609600"/>
+            <a:ext cx="9666292" cy="1320800"/>
           </a:xfrm>
         </p:spPr>
         <p:txBody>
           <a:bodyPr>
-            <a:noAutofit/>
+            <a:normAutofit/>
           </a:bodyPr>
           <a:lstStyle/>
           <a:p>
-            <a:pPr algn="ctr"/>
-            <a:r>
-              <a:rPr lang="zh-TW" altLang="en-US" sz="7200" b="1" dirty="0"/>
-              <a:t>取值方式調整</a:t>
-            </a:r>
-          </a:p>
-        </p:txBody>
-      </p:sp>
+            <a:r>
+              <a:rPr lang="zh-TW" altLang="en-US" dirty="0"/>
+              <a:t>不同</a:t>
+            </a:r>
+            <a:r>
+              <a:rPr lang="zh-TW" altLang="en-US" dirty="0">
+                <a:solidFill>
+                  <a:schemeClr val="accent2"/>
+                </a:solidFill>
+              </a:rPr>
+              <a:t>區域</a:t>
+            </a:r>
+            <a:r>
+              <a:rPr lang="zh-TW" altLang="en-US" dirty="0"/>
+              <a:t>之間比較</a:t>
+            </a:r>
+            <a:br>
+              <a:rPr lang="en-US" altLang="zh-TW" dirty="0"/>
+            </a:br>
+            <a:r>
+              <a:rPr lang="zh-TW" altLang="en-US" dirty="0"/>
+              <a:t>以</a:t>
+            </a:r>
+            <a:r>
+              <a:rPr lang="en-US" altLang="zh-TW" dirty="0">
+                <a:solidFill>
+                  <a:schemeClr val="accent2"/>
+                </a:solidFill>
+              </a:rPr>
+              <a:t>DR2</a:t>
+            </a:r>
+            <a:r>
+              <a:rPr lang="en-US" altLang="zh-TW" dirty="0"/>
+              <a:t>(</a:t>
+            </a:r>
+            <a:r>
+              <a:rPr lang="zh-TW" altLang="en-US" dirty="0"/>
+              <a:t>北美</a:t>
+            </a:r>
+            <a:r>
+              <a:rPr lang="en-US" altLang="zh-TW" dirty="0"/>
+              <a:t>)</a:t>
+            </a:r>
+            <a:r>
+              <a:rPr lang="zh-TW" altLang="en-US" dirty="0"/>
+              <a:t>與</a:t>
+            </a:r>
+            <a:r>
+              <a:rPr lang="en-US" altLang="zh-TW" dirty="0">
+                <a:solidFill>
+                  <a:schemeClr val="accent2"/>
+                </a:solidFill>
+              </a:rPr>
+              <a:t>DR5</a:t>
+            </a:r>
+            <a:r>
+              <a:rPr lang="en-US" altLang="zh-TW" dirty="0"/>
+              <a:t>(</a:t>
+            </a:r>
+            <a:r>
+              <a:rPr lang="zh-TW" altLang="en-US" dirty="0"/>
+              <a:t>南美</a:t>
+            </a:r>
+            <a:r>
+              <a:rPr lang="en-US" altLang="zh-TW" dirty="0"/>
+              <a:t>)</a:t>
+            </a:r>
+            <a:r>
+              <a:rPr lang="zh-TW" altLang="en-US" dirty="0"/>
+              <a:t>男性</a:t>
+            </a:r>
+            <a:r>
+              <a:rPr lang="en-US" altLang="zh-TW" dirty="0"/>
+              <a:t>SA1</a:t>
+            </a:r>
+            <a:r>
+              <a:rPr lang="zh-TW" altLang="en-US" dirty="0"/>
+              <a:t>語句為例</a:t>
+            </a:r>
+          </a:p>
+        </p:txBody>
+      </p:sp>
+      <p:sp>
+        <p:nvSpPr>
+          <p:cNvPr id="17" name="文字方塊 16">
+            <a:extLst>
+              <a:ext uri="{FF2B5EF4-FFF2-40B4-BE49-F238E27FC236}">
+                <a16:creationId xmlns:a16="http://schemas.microsoft.com/office/drawing/2014/main" id="{E5D3F5F8-862C-A08A-E836-8ADA75752787}"/>
+              </a:ext>
+            </a:extLst>
+          </p:cNvPr>
+          <p:cNvSpPr txBox="1"/>
+          <p:nvPr/>
+        </p:nvSpPr>
+        <p:spPr>
+          <a:xfrm>
+            <a:off x="677334" y="1930400"/>
+            <a:ext cx="9498512" cy="338554"/>
+          </a:xfrm>
+          <a:prstGeom prst="rect">
+            <a:avLst/>
+          </a:prstGeom>
+          <a:noFill/>
+        </p:spPr>
+        <p:txBody>
+          <a:bodyPr wrap="square">
+            <a:spAutoFit/>
+          </a:bodyPr>
+          <a:lstStyle/>
+          <a:p>
+            <a:r>
+              <a:rPr lang="en-US" altLang="zh-TW" sz="1600" dirty="0">
+                <a:solidFill>
+                  <a:schemeClr val="accent2"/>
+                </a:solidFill>
+              </a:rPr>
+              <a:t>D:\TIMITDIC_231101_data_all_sentence\TEST\img_librosa\pe_50_DR25_M_SA1_2_cnn_mfcc\DR2\M\2d</a:t>
+            </a:r>
+            <a:endParaRPr lang="zh-TW" altLang="en-US" sz="1600" dirty="0">
+              <a:solidFill>
+                <a:schemeClr val="accent2"/>
+              </a:solidFill>
+            </a:endParaRPr>
+          </a:p>
+        </p:txBody>
+      </p:sp>
+      <p:sp>
+        <p:nvSpPr>
+          <p:cNvPr id="19" name="文字方塊 18">
+            <a:extLst>
+              <a:ext uri="{FF2B5EF4-FFF2-40B4-BE49-F238E27FC236}">
+                <a16:creationId xmlns:a16="http://schemas.microsoft.com/office/drawing/2014/main" id="{06474740-C3CF-21B5-6926-47E0AF00E3D0}"/>
+              </a:ext>
+            </a:extLst>
+          </p:cNvPr>
+          <p:cNvSpPr txBox="1"/>
+          <p:nvPr/>
+        </p:nvSpPr>
+        <p:spPr>
+          <a:xfrm>
+            <a:off x="677334" y="4243558"/>
+            <a:ext cx="9498512" cy="338554"/>
+          </a:xfrm>
+          <a:prstGeom prst="rect">
+            <a:avLst/>
+          </a:prstGeom>
+          <a:noFill/>
+        </p:spPr>
+        <p:txBody>
+          <a:bodyPr wrap="square">
+            <a:spAutoFit/>
+          </a:bodyPr>
+          <a:lstStyle/>
+          <a:p>
+            <a:r>
+              <a:rPr lang="en-US" altLang="zh-TW" sz="1600" dirty="0">
+                <a:solidFill>
+                  <a:schemeClr val="accent2"/>
+                </a:solidFill>
+              </a:rPr>
+              <a:t>D:\TIMITDIC_231101_data_all_sentence\TEST\img_librosa\pe_50_DR25_M_SA1_2_cnn_mfcc\DR5\M\2d</a:t>
+            </a:r>
+            <a:endParaRPr lang="zh-TW" altLang="en-US" sz="1600" dirty="0">
+              <a:solidFill>
+                <a:schemeClr val="accent2"/>
+              </a:solidFill>
+            </a:endParaRPr>
+          </a:p>
+        </p:txBody>
+      </p:sp>
+      <p:sp>
+        <p:nvSpPr>
+          <p:cNvPr id="31" name="文字方塊 30">
+            <a:extLst>
+              <a:ext uri="{FF2B5EF4-FFF2-40B4-BE49-F238E27FC236}">
+                <a16:creationId xmlns:a16="http://schemas.microsoft.com/office/drawing/2014/main" id="{41ECC211-80B8-E5C6-BAB0-75819524207A}"/>
+              </a:ext>
+            </a:extLst>
+          </p:cNvPr>
+          <p:cNvSpPr txBox="1"/>
+          <p:nvPr/>
+        </p:nvSpPr>
+        <p:spPr>
+          <a:xfrm>
+            <a:off x="522864" y="3056201"/>
+            <a:ext cx="634817" cy="400110"/>
+          </a:xfrm>
+          <a:prstGeom prst="rect">
+            <a:avLst/>
+          </a:prstGeom>
+          <a:noFill/>
+        </p:spPr>
+        <p:txBody>
+          <a:bodyPr wrap="square">
+            <a:spAutoFit/>
+          </a:bodyPr>
+          <a:lstStyle/>
+          <a:p>
+            <a:r>
+              <a:rPr lang="en-US" altLang="zh-TW" sz="2000" dirty="0">
+                <a:solidFill>
+                  <a:schemeClr val="accent1"/>
+                </a:solidFill>
+                <a:latin typeface="+mj-lt"/>
+                <a:ea typeface="+mj-ea"/>
+                <a:cs typeface="+mj-cs"/>
+              </a:rPr>
+              <a:t>DR2</a:t>
+            </a:r>
+            <a:endParaRPr lang="zh-TW" altLang="en-US" sz="2000" dirty="0">
+              <a:solidFill>
+                <a:schemeClr val="accent1"/>
+              </a:solidFill>
+              <a:latin typeface="+mj-lt"/>
+              <a:ea typeface="+mj-ea"/>
+              <a:cs typeface="+mj-cs"/>
+            </a:endParaRPr>
+          </a:p>
+        </p:txBody>
+      </p:sp>
+      <p:sp>
+        <p:nvSpPr>
+          <p:cNvPr id="32" name="文字方塊 31">
+            <a:extLst>
+              <a:ext uri="{FF2B5EF4-FFF2-40B4-BE49-F238E27FC236}">
+                <a16:creationId xmlns:a16="http://schemas.microsoft.com/office/drawing/2014/main" id="{AEE7C1CE-C528-3000-ECEF-429383513AD3}"/>
+              </a:ext>
+            </a:extLst>
+          </p:cNvPr>
+          <p:cNvSpPr txBox="1"/>
+          <p:nvPr/>
+        </p:nvSpPr>
+        <p:spPr>
+          <a:xfrm>
+            <a:off x="522863" y="5369361"/>
+            <a:ext cx="634817" cy="400110"/>
+          </a:xfrm>
+          <a:prstGeom prst="rect">
+            <a:avLst/>
+          </a:prstGeom>
+          <a:noFill/>
+        </p:spPr>
+        <p:txBody>
+          <a:bodyPr wrap="square">
+            <a:spAutoFit/>
+          </a:bodyPr>
+          <a:lstStyle/>
+          <a:p>
+            <a:r>
+              <a:rPr lang="en-US" altLang="zh-TW" sz="2000" dirty="0">
+                <a:solidFill>
+                  <a:schemeClr val="accent1"/>
+                </a:solidFill>
+                <a:latin typeface="+mj-lt"/>
+                <a:ea typeface="+mj-ea"/>
+                <a:cs typeface="+mj-cs"/>
+              </a:rPr>
+              <a:t>DR5</a:t>
+            </a:r>
+            <a:endParaRPr lang="zh-TW" altLang="en-US" sz="2000" dirty="0">
+              <a:solidFill>
+                <a:schemeClr val="accent1"/>
+              </a:solidFill>
+              <a:latin typeface="+mj-lt"/>
+              <a:ea typeface="+mj-ea"/>
+              <a:cs typeface="+mj-cs"/>
+            </a:endParaRPr>
+          </a:p>
+        </p:txBody>
+      </p:sp>
+      <p:pic>
+        <p:nvPicPr>
+          <p:cNvPr id="34" name="圖片 33">
+            <a:extLst>
+              <a:ext uri="{FF2B5EF4-FFF2-40B4-BE49-F238E27FC236}">
+                <a16:creationId xmlns:a16="http://schemas.microsoft.com/office/drawing/2014/main" id="{51B38949-254A-CC82-B19F-8ECA9F181938}"/>
+              </a:ext>
+            </a:extLst>
+          </p:cNvPr>
+          <p:cNvPicPr>
+            <a:picLocks noChangeAspect="1"/>
+          </p:cNvPicPr>
+          <p:nvPr/>
+        </p:nvPicPr>
+        <p:blipFill>
+          <a:blip r:embed="rId2"/>
+          <a:stretch>
+            <a:fillRect/>
+          </a:stretch>
+        </p:blipFill>
+        <p:spPr>
+          <a:xfrm>
+            <a:off x="1449120" y="2349196"/>
+            <a:ext cx="2146329" cy="1800000"/>
+          </a:xfrm>
+          <a:prstGeom prst="rect">
+            <a:avLst/>
+          </a:prstGeom>
+        </p:spPr>
+      </p:pic>
+      <p:pic>
+        <p:nvPicPr>
+          <p:cNvPr id="36" name="圖片 35">
+            <a:extLst>
+              <a:ext uri="{FF2B5EF4-FFF2-40B4-BE49-F238E27FC236}">
+                <a16:creationId xmlns:a16="http://schemas.microsoft.com/office/drawing/2014/main" id="{D00A7A74-EFEE-2EC2-487A-AC37ADCF7BA0}"/>
+              </a:ext>
+            </a:extLst>
+          </p:cNvPr>
+          <p:cNvPicPr>
+            <a:picLocks noChangeAspect="1"/>
+          </p:cNvPicPr>
+          <p:nvPr/>
+        </p:nvPicPr>
+        <p:blipFill>
+          <a:blip r:embed="rId3"/>
+          <a:stretch>
+            <a:fillRect/>
+          </a:stretch>
+        </p:blipFill>
+        <p:spPr>
+          <a:xfrm>
+            <a:off x="4008646" y="2349196"/>
+            <a:ext cx="2130151" cy="1800000"/>
+          </a:xfrm>
+          <a:prstGeom prst="rect">
+            <a:avLst/>
+          </a:prstGeom>
+        </p:spPr>
+      </p:pic>
+      <p:pic>
+        <p:nvPicPr>
+          <p:cNvPr id="38" name="圖片 37">
+            <a:extLst>
+              <a:ext uri="{FF2B5EF4-FFF2-40B4-BE49-F238E27FC236}">
+                <a16:creationId xmlns:a16="http://schemas.microsoft.com/office/drawing/2014/main" id="{43EF4388-D334-A56E-EC6B-0E073D21CAF7}"/>
+              </a:ext>
+            </a:extLst>
+          </p:cNvPr>
+          <p:cNvPicPr>
+            <a:picLocks noChangeAspect="1"/>
+          </p:cNvPicPr>
+          <p:nvPr/>
+        </p:nvPicPr>
+        <p:blipFill>
+          <a:blip r:embed="rId4"/>
+          <a:stretch>
+            <a:fillRect/>
+          </a:stretch>
+        </p:blipFill>
+        <p:spPr>
+          <a:xfrm>
+            <a:off x="6638405" y="2349196"/>
+            <a:ext cx="2146329" cy="1800000"/>
+          </a:xfrm>
+          <a:prstGeom prst="rect">
+            <a:avLst/>
+          </a:prstGeom>
+        </p:spPr>
+      </p:pic>
+      <p:pic>
+        <p:nvPicPr>
+          <p:cNvPr id="40" name="圖片 39">
+            <a:extLst>
+              <a:ext uri="{FF2B5EF4-FFF2-40B4-BE49-F238E27FC236}">
+                <a16:creationId xmlns:a16="http://schemas.microsoft.com/office/drawing/2014/main" id="{456211EB-895A-F12A-FED8-047271526299}"/>
+              </a:ext>
+            </a:extLst>
+          </p:cNvPr>
+          <p:cNvPicPr>
+            <a:picLocks noChangeAspect="1"/>
+          </p:cNvPicPr>
+          <p:nvPr/>
+        </p:nvPicPr>
+        <p:blipFill>
+          <a:blip r:embed="rId5"/>
+          <a:stretch>
+            <a:fillRect/>
+          </a:stretch>
+        </p:blipFill>
+        <p:spPr>
+          <a:xfrm>
+            <a:off x="1449119" y="4664359"/>
+            <a:ext cx="2146329" cy="1800000"/>
+          </a:xfrm>
+          <a:prstGeom prst="rect">
+            <a:avLst/>
+          </a:prstGeom>
+        </p:spPr>
+      </p:pic>
+      <p:pic>
+        <p:nvPicPr>
+          <p:cNvPr id="42" name="圖片 41">
+            <a:extLst>
+              <a:ext uri="{FF2B5EF4-FFF2-40B4-BE49-F238E27FC236}">
+                <a16:creationId xmlns:a16="http://schemas.microsoft.com/office/drawing/2014/main" id="{FBE9D741-4024-645C-66EE-C4C8A468200C}"/>
+              </a:ext>
+            </a:extLst>
+          </p:cNvPr>
+          <p:cNvPicPr>
+            <a:picLocks noChangeAspect="1"/>
+          </p:cNvPicPr>
+          <p:nvPr/>
+        </p:nvPicPr>
+        <p:blipFill>
+          <a:blip r:embed="rId6"/>
+          <a:stretch>
+            <a:fillRect/>
+          </a:stretch>
+        </p:blipFill>
+        <p:spPr>
+          <a:xfrm>
+            <a:off x="4008646" y="4664359"/>
+            <a:ext cx="2146329" cy="1800000"/>
+          </a:xfrm>
+          <a:prstGeom prst="rect">
+            <a:avLst/>
+          </a:prstGeom>
+        </p:spPr>
+      </p:pic>
+      <p:pic>
+        <p:nvPicPr>
+          <p:cNvPr id="44" name="圖片 43">
+            <a:extLst>
+              <a:ext uri="{FF2B5EF4-FFF2-40B4-BE49-F238E27FC236}">
+                <a16:creationId xmlns:a16="http://schemas.microsoft.com/office/drawing/2014/main" id="{093EAC15-BBE4-AD92-BFDE-749EA3451059}"/>
+              </a:ext>
+            </a:extLst>
+          </p:cNvPr>
+          <p:cNvPicPr>
+            <a:picLocks noChangeAspect="1"/>
+          </p:cNvPicPr>
+          <p:nvPr/>
+        </p:nvPicPr>
+        <p:blipFill>
+          <a:blip r:embed="rId7"/>
+          <a:stretch>
+            <a:fillRect/>
+          </a:stretch>
+        </p:blipFill>
+        <p:spPr>
+          <a:xfrm>
+            <a:off x="6638404" y="4664359"/>
+            <a:ext cx="2146329" cy="1800000"/>
+          </a:xfrm>
+          <a:prstGeom prst="rect">
+            <a:avLst/>
+          </a:prstGeom>
+        </p:spPr>
+      </p:pic>
     </p:spTree>
     <p:extLst>
       <p:ext uri="{BB962C8B-B14F-4D97-AF65-F5344CB8AC3E}">
-        <p14:creationId xmlns:p14="http://schemas.microsoft.com/office/powerpoint/2010/main" val="3070106430"/>
+        <p14:creationId xmlns:p14="http://schemas.microsoft.com/office/powerpoint/2010/main" val="3419341855"/>
       </p:ext>
     </p:extLst>
   </p:cSld>
@@ -9045,7 +8656,13 @@
       </p:grpSpPr>
       <p:sp>
         <p:nvSpPr>
-          <p:cNvPr id="2" name="標題 1"/>
+          <p:cNvPr id="2" name="標題 1">
+            <a:extLst>
+              <a:ext uri="{FF2B5EF4-FFF2-40B4-BE49-F238E27FC236}">
+                <a16:creationId xmlns:a16="http://schemas.microsoft.com/office/drawing/2014/main" id="{BD307EDC-991B-0CD0-1C13-B749EF34C328}"/>
+              </a:ext>
+            </a:extLst>
+          </p:cNvPr>
           <p:cNvSpPr>
             <a:spLocks noGrp="1"/>
           </p:cNvSpPr>
@@ -9056,148 +8673,83 @@
         <p:spPr>
           <a:xfrm>
             <a:off x="677334" y="609600"/>
-            <a:ext cx="9156478" cy="1320800"/>
+            <a:ext cx="9666292" cy="1320800"/>
           </a:xfrm>
         </p:spPr>
         <p:txBody>
           <a:bodyPr>
-            <a:normAutofit fontScale="90000"/>
+            <a:normAutofit/>
           </a:bodyPr>
           <a:lstStyle/>
           <a:p>
             <a:r>
-              <a:rPr lang="zh-TW" altLang="en-US" sz="2700" dirty="0"/>
-              <a:t>原先取值方式為，以縱軸為主，取橫軸中間部分，以下圖為例，此圖形為</a:t>
-            </a:r>
-            <a:r>
-              <a:rPr lang="en-US" altLang="zh-TW" sz="2700" dirty="0"/>
-              <a:t>MFCC</a:t>
-            </a:r>
-            <a:r>
-              <a:rPr lang="zh-TW" altLang="en-US" sz="2700" dirty="0"/>
-              <a:t>取得</a:t>
-            </a:r>
-            <a:r>
-              <a:rPr lang="en-US" altLang="zh-TW" sz="2700" dirty="0"/>
-              <a:t>20</a:t>
-            </a:r>
-            <a:r>
-              <a:rPr lang="zh-TW" altLang="en-US" sz="2700" dirty="0"/>
-              <a:t>個特徵圖樣，則以縱軸</a:t>
-            </a:r>
-            <a:r>
-              <a:rPr lang="en-US" altLang="zh-TW" sz="2700" dirty="0"/>
-              <a:t>20</a:t>
-            </a:r>
-            <a:r>
-              <a:rPr lang="zh-TW" altLang="en-US" sz="2700" dirty="0"/>
-              <a:t>為主，從橫軸取得</a:t>
-            </a:r>
-            <a:r>
-              <a:rPr lang="en-US" altLang="zh-TW" sz="2700" dirty="0"/>
-              <a:t>120</a:t>
-            </a:r>
-            <a:r>
-              <a:rPr lang="zh-TW" altLang="en-US" sz="2700" dirty="0"/>
-              <a:t>點之中間部分，約略為</a:t>
-            </a:r>
-            <a:r>
-              <a:rPr lang="en-US" altLang="zh-TW" sz="2700" dirty="0"/>
-              <a:t>50~70</a:t>
-            </a:r>
-            <a:r>
-              <a:rPr lang="zh-TW" altLang="en-US" sz="2700" dirty="0"/>
-              <a:t>。</a:t>
-            </a:r>
-            <a:br>
-              <a:rPr lang="en-US" altLang="zh-TW" sz="2700" dirty="0"/>
-            </a:br>
-            <a:br>
-              <a:rPr lang="en-US" altLang="zh-TW" sz="2700" dirty="0"/>
-            </a:br>
-            <a:r>
-              <a:rPr lang="zh-TW" altLang="en-US" sz="2700" dirty="0"/>
-              <a:t>修改取值方式為從橫軸</a:t>
-            </a:r>
-            <a:r>
-              <a:rPr lang="en-US" altLang="zh-TW" sz="2700" dirty="0"/>
-              <a:t>120</a:t>
-            </a:r>
-            <a:r>
-              <a:rPr lang="zh-TW" altLang="en-US" sz="2700" dirty="0"/>
-              <a:t>點平均取得</a:t>
-            </a:r>
-            <a:r>
-              <a:rPr lang="en-US" altLang="zh-TW" sz="2700" dirty="0"/>
-              <a:t>20</a:t>
-            </a:r>
-            <a:r>
-              <a:rPr lang="zh-TW" altLang="en-US" sz="2700" dirty="0"/>
-              <a:t>個點，約略為每</a:t>
-            </a:r>
-            <a:r>
-              <a:rPr lang="en-US" altLang="zh-TW" sz="2700" dirty="0"/>
-              <a:t>6</a:t>
-            </a:r>
-            <a:r>
-              <a:rPr lang="zh-TW" altLang="en-US" sz="2700" dirty="0"/>
-              <a:t>點取</a:t>
-            </a:r>
-            <a:r>
-              <a:rPr lang="en-US" altLang="zh-TW" sz="2700" dirty="0"/>
-              <a:t>1</a:t>
-            </a:r>
-            <a:r>
-              <a:rPr lang="zh-TW" altLang="en-US" sz="2700" dirty="0"/>
-              <a:t>點。</a:t>
-            </a:r>
-            <a:br>
-              <a:rPr lang="en-US" altLang="zh-TW" sz="2700" dirty="0"/>
-            </a:br>
-            <a:br>
-              <a:rPr lang="en-US" altLang="zh-TW" sz="2700" dirty="0"/>
-            </a:br>
-            <a:r>
-              <a:rPr lang="zh-TW" altLang="en-US" sz="2700" dirty="0"/>
-              <a:t>以下以</a:t>
-            </a:r>
-            <a:r>
-              <a:rPr lang="en-US" altLang="zh-TW" sz="2700" dirty="0"/>
-              <a:t>SA1</a:t>
-            </a:r>
-            <a:r>
-              <a:rPr lang="zh-TW" altLang="en-US" sz="2700" dirty="0"/>
-              <a:t>中</a:t>
-            </a:r>
-            <a:r>
-              <a:rPr lang="en-US" altLang="zh-TW" sz="2700" dirty="0"/>
-              <a:t>MABW0</a:t>
-            </a:r>
-            <a:r>
-              <a:rPr lang="zh-TW" altLang="en-US" sz="2700" dirty="0"/>
-              <a:t>、</a:t>
-            </a:r>
-            <a:r>
-              <a:rPr lang="en-US" altLang="zh-TW" sz="2700" dirty="0"/>
-              <a:t>MBJK0</a:t>
-            </a:r>
-            <a:r>
-              <a:rPr lang="zh-TW" altLang="en-US" sz="2700" dirty="0"/>
-              <a:t>為例</a:t>
+              <a:rPr lang="zh-TW" altLang="en-US" dirty="0"/>
+              <a:t>不同</a:t>
+            </a:r>
+            <a:r>
+              <a:rPr lang="zh-TW" altLang="en-US" dirty="0">
+                <a:solidFill>
+                  <a:schemeClr val="accent2"/>
+                </a:solidFill>
+              </a:rPr>
+              <a:t>語言</a:t>
+            </a:r>
+            <a:r>
+              <a:rPr lang="zh-TW" altLang="en-US" dirty="0"/>
+              <a:t>之間比較</a:t>
             </a:r>
             <a:br>
               <a:rPr lang="en-US" altLang="zh-TW" dirty="0"/>
             </a:br>
-            <a:endParaRPr lang="zh-TW" altLang="en-US" dirty="0"/>
-          </a:p>
-        </p:txBody>
-      </p:sp>
-      <p:sp>
-        <p:nvSpPr>
-          <p:cNvPr id="5" name="文字方塊 4">
+            <a:r>
+              <a:rPr lang="zh-TW" altLang="en-US" dirty="0"/>
+              <a:t>以</a:t>
+            </a:r>
+            <a:r>
+              <a:rPr lang="en-US" altLang="zh-TW" dirty="0">
+                <a:solidFill>
+                  <a:schemeClr val="accent2"/>
+                </a:solidFill>
+              </a:rPr>
+              <a:t>TIMIT</a:t>
+            </a:r>
+            <a:r>
+              <a:rPr lang="zh-TW" altLang="en-US" dirty="0"/>
+              <a:t>與</a:t>
+            </a:r>
+            <a:r>
+              <a:rPr lang="en-US" altLang="zh-TW" dirty="0">
+                <a:solidFill>
+                  <a:schemeClr val="accent2"/>
+                </a:solidFill>
+              </a:rPr>
+              <a:t>CLIPS</a:t>
+            </a:r>
+            <a:r>
+              <a:rPr lang="en-US" altLang="zh-TW" dirty="0"/>
+              <a:t>(</a:t>
+            </a:r>
+            <a:r>
+              <a:rPr lang="zh-TW" altLang="en-US" dirty="0"/>
+              <a:t>義大利語料庫</a:t>
+            </a:r>
+            <a:r>
+              <a:rPr lang="en-US" altLang="zh-TW" dirty="0"/>
+              <a:t>)</a:t>
+            </a:r>
+            <a:r>
+              <a:rPr lang="zh-TW" altLang="en-US" dirty="0"/>
+              <a:t>做比較</a:t>
+            </a:r>
+          </a:p>
+        </p:txBody>
+      </p:sp>
+      <p:sp>
+        <p:nvSpPr>
+          <p:cNvPr id="17" name="文字方塊 16">
             <a:extLst>
               <a:ext uri="{FF2B5EF4-FFF2-40B4-BE49-F238E27FC236}">
-                <a16:creationId xmlns:a16="http://schemas.microsoft.com/office/drawing/2014/main" id="{3A909603-2CCC-4775-AFF7-EEDAEF5D8F86}"/>
+                <a16:creationId xmlns:a16="http://schemas.microsoft.com/office/drawing/2014/main" id="{E5D3F5F8-862C-A08A-E836-8ADA75752787}"/>
               </a:ext>
             </a:extLst>
           </p:cNvPr>
@@ -9206,8 +8758,8 @@
         </p:nvSpPr>
         <p:spPr>
           <a:xfrm>
-            <a:off x="11489635" y="6488668"/>
-            <a:ext cx="702365" cy="338554"/>
+            <a:off x="677333" y="1930400"/>
+            <a:ext cx="9439789" cy="338554"/>
           </a:xfrm>
           <a:prstGeom prst="rect">
             <a:avLst/>
@@ -9215,7 +8767,7 @@
           <a:noFill/>
         </p:spPr>
         <p:txBody>
-          <a:bodyPr wrap="square" rtlCol="0">
+          <a:bodyPr wrap="square">
             <a:spAutoFit/>
           </a:bodyPr>
           <a:lstStyle/>
@@ -9223,33 +8775,169 @@
             <a:r>
               <a:rPr lang="en-US" altLang="zh-TW" sz="1600" dirty="0">
                 <a:solidFill>
-                  <a:schemeClr val="bg1"/>
+                  <a:schemeClr val="accent2"/>
                 </a:solidFill>
               </a:rPr>
-              <a:t>0</a:t>
-            </a:r>
-            <a:fld id="{14AC972E-A942-4833-AA5E-CD5138CD0656}" type="slidenum">
-              <a:rPr lang="en-US" altLang="zh-TW" sz="1600" smtClean="0">
-                <a:solidFill>
-                  <a:schemeClr val="bg1"/>
-                </a:solidFill>
-              </a:rPr>
-              <a:t>18</a:t>
-            </a:fld>
-            <a:endParaRPr lang="zh-TW" altLang="en-US" dirty="0">
+              <a:t>D:\TIMITDIC_231101_data_all_sentence\TEST\img_librosa\pe_50_DR25_M_SA1_2_cnn_mfcc\DR2\M\2d</a:t>
+            </a:r>
+            <a:endParaRPr lang="zh-TW" altLang="en-US" sz="1600" dirty="0">
               <a:solidFill>
-                <a:schemeClr val="bg1"/>
+                <a:schemeClr val="accent2"/>
               </a:solidFill>
             </a:endParaRPr>
           </a:p>
         </p:txBody>
       </p:sp>
+      <p:sp>
+        <p:nvSpPr>
+          <p:cNvPr id="3" name="文字方塊 2">
+            <a:extLst>
+              <a:ext uri="{FF2B5EF4-FFF2-40B4-BE49-F238E27FC236}">
+                <a16:creationId xmlns:a16="http://schemas.microsoft.com/office/drawing/2014/main" id="{0CA464ED-9107-F304-F357-6889ABFE82C9}"/>
+              </a:ext>
+            </a:extLst>
+          </p:cNvPr>
+          <p:cNvSpPr txBox="1"/>
+          <p:nvPr/>
+        </p:nvSpPr>
+        <p:spPr>
+          <a:xfrm>
+            <a:off x="677334" y="4243559"/>
+            <a:ext cx="9048627" cy="338554"/>
+          </a:xfrm>
+          <a:prstGeom prst="rect">
+            <a:avLst/>
+          </a:prstGeom>
+          <a:noFill/>
+        </p:spPr>
+        <p:txBody>
+          <a:bodyPr wrap="square">
+            <a:spAutoFit/>
+          </a:bodyPr>
+          <a:lstStyle/>
+          <a:p>
+            <a:r>
+              <a:rPr lang="en-US" altLang="zh-TW" sz="1600" dirty="0">
+                <a:solidFill>
+                  <a:schemeClr val="accent2"/>
+                </a:solidFill>
+              </a:rPr>
+              <a:t>D:\TIMITDIC_231101_data_AIS\TEST\img\pe_50_M_librosa_2_cnn_mfcc\CLIPS\M\2d</a:t>
+            </a:r>
+            <a:endParaRPr lang="zh-TW" altLang="en-US" sz="1600" dirty="0">
+              <a:solidFill>
+                <a:schemeClr val="accent2"/>
+              </a:solidFill>
+            </a:endParaRPr>
+          </a:p>
+        </p:txBody>
+      </p:sp>
+      <p:sp>
+        <p:nvSpPr>
+          <p:cNvPr id="15" name="文字方塊 14">
+            <a:extLst>
+              <a:ext uri="{FF2B5EF4-FFF2-40B4-BE49-F238E27FC236}">
+                <a16:creationId xmlns:a16="http://schemas.microsoft.com/office/drawing/2014/main" id="{7CAC752B-96CC-3901-51CA-6B89FBA6D4DF}"/>
+              </a:ext>
+            </a:extLst>
+          </p:cNvPr>
+          <p:cNvSpPr txBox="1"/>
+          <p:nvPr/>
+        </p:nvSpPr>
+        <p:spPr>
+          <a:xfrm>
+            <a:off x="343949" y="3056201"/>
+            <a:ext cx="813732" cy="400110"/>
+          </a:xfrm>
+          <a:prstGeom prst="rect">
+            <a:avLst/>
+          </a:prstGeom>
+          <a:noFill/>
+        </p:spPr>
+        <p:txBody>
+          <a:bodyPr wrap="square">
+            <a:spAutoFit/>
+          </a:bodyPr>
+          <a:lstStyle/>
+          <a:p>
+            <a:r>
+              <a:rPr lang="en-US" altLang="zh-TW" sz="2000" dirty="0">
+                <a:solidFill>
+                  <a:schemeClr val="accent1"/>
+                </a:solidFill>
+                <a:latin typeface="+mj-lt"/>
+                <a:ea typeface="+mj-ea"/>
+                <a:cs typeface="+mj-cs"/>
+              </a:rPr>
+              <a:t>TIMIT</a:t>
+            </a:r>
+            <a:endParaRPr lang="zh-TW" altLang="en-US" sz="2000" dirty="0">
+              <a:solidFill>
+                <a:schemeClr val="accent1"/>
+              </a:solidFill>
+              <a:latin typeface="+mj-lt"/>
+              <a:ea typeface="+mj-ea"/>
+              <a:cs typeface="+mj-cs"/>
+            </a:endParaRPr>
+          </a:p>
+        </p:txBody>
+      </p:sp>
+      <p:sp>
+        <p:nvSpPr>
+          <p:cNvPr id="16" name="文字方塊 15">
+            <a:extLst>
+              <a:ext uri="{FF2B5EF4-FFF2-40B4-BE49-F238E27FC236}">
+                <a16:creationId xmlns:a16="http://schemas.microsoft.com/office/drawing/2014/main" id="{D17451E2-BFDF-9105-FE2F-3B828B5AFC4F}"/>
+              </a:ext>
+            </a:extLst>
+          </p:cNvPr>
+          <p:cNvSpPr txBox="1"/>
+          <p:nvPr/>
+        </p:nvSpPr>
+        <p:spPr>
+          <a:xfrm>
+            <a:off x="343949" y="5369361"/>
+            <a:ext cx="813732" cy="400110"/>
+          </a:xfrm>
+          <a:prstGeom prst="rect">
+            <a:avLst/>
+          </a:prstGeom>
+          <a:noFill/>
+        </p:spPr>
+        <p:txBody>
+          <a:bodyPr wrap="square">
+            <a:spAutoFit/>
+          </a:bodyPr>
+          <a:lstStyle/>
+          <a:p>
+            <a:r>
+              <a:rPr lang="en-US" altLang="zh-TW" sz="2000" dirty="0">
+                <a:solidFill>
+                  <a:schemeClr val="accent1"/>
+                </a:solidFill>
+                <a:latin typeface="+mj-lt"/>
+                <a:ea typeface="+mj-ea"/>
+                <a:cs typeface="+mj-cs"/>
+              </a:rPr>
+              <a:t>CLIPS</a:t>
+            </a:r>
+            <a:endParaRPr lang="zh-TW" altLang="en-US" sz="2000" dirty="0">
+              <a:solidFill>
+                <a:schemeClr val="accent1"/>
+              </a:solidFill>
+              <a:latin typeface="+mj-lt"/>
+              <a:ea typeface="+mj-ea"/>
+              <a:cs typeface="+mj-cs"/>
+            </a:endParaRPr>
+          </a:p>
+        </p:txBody>
+      </p:sp>
       <p:pic>
         <p:nvPicPr>
-          <p:cNvPr id="11" name="圖片 10">
+          <p:cNvPr id="24" name="圖片 23">
             <a:extLst>
               <a:ext uri="{FF2B5EF4-FFF2-40B4-BE49-F238E27FC236}">
-                <a16:creationId xmlns:a16="http://schemas.microsoft.com/office/drawing/2014/main" id="{69FB1C9D-03C4-4EE3-9244-071E466283E0}"/>
+                <a16:creationId xmlns:a16="http://schemas.microsoft.com/office/drawing/2014/main" id="{FF89AA9F-A1A6-D43A-FEEC-676FC44486CB}"/>
               </a:ext>
             </a:extLst>
           </p:cNvPr>
@@ -9266,8 +8954,158 @@
         </p:blipFill>
         <p:spPr>
           <a:xfrm>
-            <a:off x="677334" y="3667131"/>
-            <a:ext cx="9720000" cy="1977262"/>
+            <a:off x="1449121" y="4674472"/>
+            <a:ext cx="2146329" cy="1800000"/>
+          </a:xfrm>
+          <a:prstGeom prst="rect">
+            <a:avLst/>
+          </a:prstGeom>
+        </p:spPr>
+      </p:pic>
+      <p:pic>
+        <p:nvPicPr>
+          <p:cNvPr id="26" name="圖片 25">
+            <a:extLst>
+              <a:ext uri="{FF2B5EF4-FFF2-40B4-BE49-F238E27FC236}">
+                <a16:creationId xmlns:a16="http://schemas.microsoft.com/office/drawing/2014/main" id="{EF669DB5-3463-CAD7-B5E1-516521DE643B}"/>
+              </a:ext>
+            </a:extLst>
+          </p:cNvPr>
+          <p:cNvPicPr>
+            <a:picLocks noChangeAspect="1"/>
+          </p:cNvPicPr>
+          <p:nvPr/>
+        </p:nvPicPr>
+        <p:blipFill>
+          <a:blip r:embed="rId3"/>
+          <a:stretch>
+            <a:fillRect/>
+          </a:stretch>
+        </p:blipFill>
+        <p:spPr>
+          <a:xfrm>
+            <a:off x="4008646" y="4669416"/>
+            <a:ext cx="2146329" cy="1800000"/>
+          </a:xfrm>
+          <a:prstGeom prst="rect">
+            <a:avLst/>
+          </a:prstGeom>
+        </p:spPr>
+      </p:pic>
+      <p:pic>
+        <p:nvPicPr>
+          <p:cNvPr id="28" name="圖片 27">
+            <a:extLst>
+              <a:ext uri="{FF2B5EF4-FFF2-40B4-BE49-F238E27FC236}">
+                <a16:creationId xmlns:a16="http://schemas.microsoft.com/office/drawing/2014/main" id="{BDBE145A-A90B-B11F-C2B5-B9E13523548A}"/>
+              </a:ext>
+            </a:extLst>
+          </p:cNvPr>
+          <p:cNvPicPr>
+            <a:picLocks noChangeAspect="1"/>
+          </p:cNvPicPr>
+          <p:nvPr/>
+        </p:nvPicPr>
+        <p:blipFill>
+          <a:blip r:embed="rId4"/>
+          <a:stretch>
+            <a:fillRect/>
+          </a:stretch>
+        </p:blipFill>
+        <p:spPr>
+          <a:xfrm>
+            <a:off x="6638405" y="4674472"/>
+            <a:ext cx="2146329" cy="1800000"/>
+          </a:xfrm>
+          <a:prstGeom prst="rect">
+            <a:avLst/>
+          </a:prstGeom>
+        </p:spPr>
+      </p:pic>
+      <p:pic>
+        <p:nvPicPr>
+          <p:cNvPr id="29" name="圖片 28">
+            <a:extLst>
+              <a:ext uri="{FF2B5EF4-FFF2-40B4-BE49-F238E27FC236}">
+                <a16:creationId xmlns:a16="http://schemas.microsoft.com/office/drawing/2014/main" id="{FB31545A-FC7D-C37B-DC2E-E9DC7C665290}"/>
+              </a:ext>
+            </a:extLst>
+          </p:cNvPr>
+          <p:cNvPicPr>
+            <a:picLocks noChangeAspect="1"/>
+          </p:cNvPicPr>
+          <p:nvPr/>
+        </p:nvPicPr>
+        <p:blipFill>
+          <a:blip r:embed="rId5"/>
+          <a:stretch>
+            <a:fillRect/>
+          </a:stretch>
+        </p:blipFill>
+        <p:spPr>
+          <a:xfrm>
+            <a:off x="1449120" y="2349196"/>
+            <a:ext cx="2146329" cy="1800000"/>
+          </a:xfrm>
+          <a:prstGeom prst="rect">
+            <a:avLst/>
+          </a:prstGeom>
+        </p:spPr>
+      </p:pic>
+      <p:pic>
+        <p:nvPicPr>
+          <p:cNvPr id="30" name="圖片 29">
+            <a:extLst>
+              <a:ext uri="{FF2B5EF4-FFF2-40B4-BE49-F238E27FC236}">
+                <a16:creationId xmlns:a16="http://schemas.microsoft.com/office/drawing/2014/main" id="{7E67E90A-1BAB-621C-43E6-9A7B9336FC35}"/>
+              </a:ext>
+            </a:extLst>
+          </p:cNvPr>
+          <p:cNvPicPr>
+            <a:picLocks noChangeAspect="1"/>
+          </p:cNvPicPr>
+          <p:nvPr/>
+        </p:nvPicPr>
+        <p:blipFill>
+          <a:blip r:embed="rId6"/>
+          <a:stretch>
+            <a:fillRect/>
+          </a:stretch>
+        </p:blipFill>
+        <p:spPr>
+          <a:xfrm>
+            <a:off x="4008646" y="2349196"/>
+            <a:ext cx="2130151" cy="1800000"/>
+          </a:xfrm>
+          <a:prstGeom prst="rect">
+            <a:avLst/>
+          </a:prstGeom>
+        </p:spPr>
+      </p:pic>
+      <p:pic>
+        <p:nvPicPr>
+          <p:cNvPr id="31" name="圖片 30">
+            <a:extLst>
+              <a:ext uri="{FF2B5EF4-FFF2-40B4-BE49-F238E27FC236}">
+                <a16:creationId xmlns:a16="http://schemas.microsoft.com/office/drawing/2014/main" id="{D6FDAA99-577B-14A3-9216-BFE78187942E}"/>
+              </a:ext>
+            </a:extLst>
+          </p:cNvPr>
+          <p:cNvPicPr>
+            <a:picLocks noChangeAspect="1"/>
+          </p:cNvPicPr>
+          <p:nvPr/>
+        </p:nvPicPr>
+        <p:blipFill>
+          <a:blip r:embed="rId7"/>
+          <a:stretch>
+            <a:fillRect/>
+          </a:stretch>
+        </p:blipFill>
+        <p:spPr>
+          <a:xfrm>
+            <a:off x="6638405" y="2349196"/>
+            <a:ext cx="2146329" cy="1800000"/>
           </a:xfrm>
           <a:prstGeom prst="rect">
             <a:avLst/>
@@ -9277,7 +9115,7 @@
     </p:spTree>
     <p:extLst>
       <p:ext uri="{BB962C8B-B14F-4D97-AF65-F5344CB8AC3E}">
-        <p14:creationId xmlns:p14="http://schemas.microsoft.com/office/powerpoint/2010/main" val="2755610106"/>
+        <p14:creationId xmlns:p14="http://schemas.microsoft.com/office/powerpoint/2010/main" val="423064125"/>
       </p:ext>
     </p:extLst>
   </p:cSld>
@@ -9306,10 +9144,108 @@
       </p:grpSpPr>
       <p:sp>
         <p:nvSpPr>
-          <p:cNvPr id="5" name="文字方塊 4">
+          <p:cNvPr id="2" name="標題 1">
             <a:extLst>
               <a:ext uri="{FF2B5EF4-FFF2-40B4-BE49-F238E27FC236}">
-                <a16:creationId xmlns:a16="http://schemas.microsoft.com/office/drawing/2014/main" id="{3A909603-2CCC-4775-AFF7-EEDAEF5D8F86}"/>
+                <a16:creationId xmlns:a16="http://schemas.microsoft.com/office/drawing/2014/main" id="{BD307EDC-991B-0CD0-1C13-B749EF34C328}"/>
+              </a:ext>
+            </a:extLst>
+          </p:cNvPr>
+          <p:cNvSpPr>
+            <a:spLocks noGrp="1"/>
+          </p:cNvSpPr>
+          <p:nvPr>
+            <p:ph type="title"/>
+          </p:nvPr>
+        </p:nvSpPr>
+        <p:spPr>
+          <a:xfrm>
+            <a:off x="677332" y="609600"/>
+            <a:ext cx="9242845" cy="1320800"/>
+          </a:xfrm>
+        </p:spPr>
+        <p:txBody>
+          <a:bodyPr>
+            <a:normAutofit/>
+          </a:bodyPr>
+          <a:lstStyle/>
+          <a:p>
+            <a:r>
+              <a:rPr lang="zh-TW" altLang="en-US" dirty="0">
+                <a:solidFill>
+                  <a:schemeClr val="accent2"/>
+                </a:solidFill>
+              </a:rPr>
+              <a:t>三種語言</a:t>
+            </a:r>
+            <a:r>
+              <a:rPr lang="zh-TW" altLang="en-US" dirty="0"/>
+              <a:t>之間比較，</a:t>
+            </a:r>
+            <a:br>
+              <a:rPr lang="en-US" altLang="zh-TW" dirty="0"/>
+            </a:br>
+            <a:r>
+              <a:rPr lang="zh-TW" altLang="en-US" dirty="0"/>
+              <a:t>以</a:t>
+            </a:r>
+            <a:r>
+              <a:rPr lang="en-US" altLang="zh-TW" dirty="0">
+                <a:solidFill>
+                  <a:schemeClr val="accent2"/>
+                </a:solidFill>
+              </a:rPr>
+              <a:t>TIMIT</a:t>
+            </a:r>
+            <a:r>
+              <a:rPr lang="zh-TW" altLang="en-US" dirty="0"/>
+              <a:t>與</a:t>
+            </a:r>
+            <a:r>
+              <a:rPr lang="en-US" altLang="zh-TW" dirty="0">
+                <a:solidFill>
+                  <a:schemeClr val="accent2"/>
+                </a:solidFill>
+              </a:rPr>
+              <a:t>CLIPS</a:t>
+            </a:r>
+            <a:r>
+              <a:rPr lang="zh-TW" altLang="en-US" dirty="0"/>
+              <a:t>與</a:t>
+            </a:r>
+            <a:r>
+              <a:rPr lang="en-US" altLang="zh-TW" dirty="0">
+                <a:solidFill>
+                  <a:schemeClr val="accent2"/>
+                </a:solidFill>
+              </a:rPr>
+              <a:t>SB</a:t>
+            </a:r>
+            <a:r>
+              <a:rPr lang="en-US" altLang="zh-TW" dirty="0"/>
+              <a:t>(</a:t>
+            </a:r>
+            <a:r>
+              <a:rPr lang="zh-TW" altLang="en-US" dirty="0"/>
+              <a:t>西班牙語料庫</a:t>
+            </a:r>
+            <a:r>
+              <a:rPr lang="en-US" altLang="zh-TW" dirty="0"/>
+              <a:t>)</a:t>
+            </a:r>
+            <a:r>
+              <a:rPr lang="zh-TW" altLang="en-US" dirty="0"/>
+              <a:t>做比較</a:t>
+            </a:r>
+          </a:p>
+        </p:txBody>
+      </p:sp>
+      <p:sp>
+        <p:nvSpPr>
+          <p:cNvPr id="15" name="文字方塊 14">
+            <a:extLst>
+              <a:ext uri="{FF2B5EF4-FFF2-40B4-BE49-F238E27FC236}">
+                <a16:creationId xmlns:a16="http://schemas.microsoft.com/office/drawing/2014/main" id="{7CAC752B-96CC-3901-51CA-6B89FBA6D4DF}"/>
               </a:ext>
             </a:extLst>
           </p:cNvPr>
@@ -9318,8 +9254,8 @@
         </p:nvSpPr>
         <p:spPr>
           <a:xfrm>
-            <a:off x="11489635" y="6488668"/>
-            <a:ext cx="702365" cy="338554"/>
+            <a:off x="583215" y="2300805"/>
+            <a:ext cx="813732" cy="707886"/>
           </a:xfrm>
           <a:prstGeom prst="rect">
             <a:avLst/>
@@ -9327,41 +9263,102 @@
           <a:noFill/>
         </p:spPr>
         <p:txBody>
-          <a:bodyPr wrap="square" rtlCol="0">
+          <a:bodyPr wrap="square">
             <a:spAutoFit/>
           </a:bodyPr>
           <a:lstStyle/>
           <a:p>
             <a:r>
-              <a:rPr lang="en-US" altLang="zh-TW" sz="1600" dirty="0">
-                <a:solidFill>
-                  <a:schemeClr val="bg1"/>
-                </a:solidFill>
+              <a:rPr lang="en-US" altLang="zh-TW" sz="2000" dirty="0">
+                <a:solidFill>
+                  <a:schemeClr val="accent1"/>
+                </a:solidFill>
+                <a:latin typeface="+mj-lt"/>
+                <a:ea typeface="+mj-ea"/>
+                <a:cs typeface="+mj-cs"/>
               </a:rPr>
-              <a:t>0</a:t>
-            </a:r>
-            <a:fld id="{14AC972E-A942-4833-AA5E-CD5138CD0656}" type="slidenum">
-              <a:rPr lang="en-US" altLang="zh-TW" sz="1600" smtClean="0">
-                <a:solidFill>
-                  <a:schemeClr val="bg1"/>
-                </a:solidFill>
+              <a:t>TIMIT</a:t>
+            </a:r>
+          </a:p>
+          <a:p>
+            <a:pPr algn="ctr"/>
+            <a:r>
+              <a:rPr lang="zh-TW" altLang="en-US" sz="2000" dirty="0">
+                <a:solidFill>
+                  <a:schemeClr val="accent1"/>
+                </a:solidFill>
+                <a:latin typeface="+mj-lt"/>
+                <a:ea typeface="+mj-ea"/>
+                <a:cs typeface="+mj-cs"/>
               </a:rPr>
-              <a:t>19</a:t>
-            </a:fld>
-            <a:endParaRPr lang="zh-TW" altLang="en-US" dirty="0">
-              <a:solidFill>
-                <a:schemeClr val="bg1"/>
-              </a:solidFill>
-            </a:endParaRPr>
+              <a:t>美國</a:t>
+            </a:r>
+          </a:p>
+        </p:txBody>
+      </p:sp>
+      <p:sp>
+        <p:nvSpPr>
+          <p:cNvPr id="16" name="文字方塊 15">
+            <a:extLst>
+              <a:ext uri="{FF2B5EF4-FFF2-40B4-BE49-F238E27FC236}">
+                <a16:creationId xmlns:a16="http://schemas.microsoft.com/office/drawing/2014/main" id="{D17451E2-BFDF-9105-FE2F-3B828B5AFC4F}"/>
+              </a:ext>
+            </a:extLst>
+          </p:cNvPr>
+          <p:cNvSpPr txBox="1"/>
+          <p:nvPr/>
+        </p:nvSpPr>
+        <p:spPr>
+          <a:xfrm>
+            <a:off x="489098" y="3931356"/>
+            <a:ext cx="1001966" cy="707886"/>
+          </a:xfrm>
+          <a:prstGeom prst="rect">
+            <a:avLst/>
+          </a:prstGeom>
+          <a:noFill/>
+        </p:spPr>
+        <p:txBody>
+          <a:bodyPr wrap="square">
+            <a:spAutoFit/>
+          </a:bodyPr>
+          <a:lstStyle/>
+          <a:p>
+            <a:pPr algn="ctr"/>
+            <a:r>
+              <a:rPr lang="en-US" altLang="zh-TW" sz="2000" dirty="0">
+                <a:solidFill>
+                  <a:schemeClr val="accent1"/>
+                </a:solidFill>
+                <a:latin typeface="+mj-lt"/>
+                <a:ea typeface="+mj-ea"/>
+                <a:cs typeface="+mj-cs"/>
+              </a:rPr>
+              <a:t>CLIPS</a:t>
+            </a:r>
+          </a:p>
+          <a:p>
+            <a:pPr algn="ctr"/>
+            <a:r>
+              <a:rPr lang="zh-TW" altLang="en-US" sz="2000" dirty="0">
+                <a:solidFill>
+                  <a:schemeClr val="accent1"/>
+                </a:solidFill>
+                <a:latin typeface="+mj-lt"/>
+                <a:ea typeface="+mj-ea"/>
+                <a:cs typeface="+mj-cs"/>
+              </a:rPr>
+              <a:t>義大利</a:t>
+            </a:r>
           </a:p>
         </p:txBody>
       </p:sp>
       <p:pic>
         <p:nvPicPr>
-          <p:cNvPr id="4" name="圖片 3">
+          <p:cNvPr id="24" name="圖片 23">
             <a:extLst>
               <a:ext uri="{FF2B5EF4-FFF2-40B4-BE49-F238E27FC236}">
-                <a16:creationId xmlns:a16="http://schemas.microsoft.com/office/drawing/2014/main" id="{B05DB01C-811E-4233-AE12-639914C8C2CC}"/>
+                <a16:creationId xmlns:a16="http://schemas.microsoft.com/office/drawing/2014/main" id="{FF89AA9F-A1A6-D43A-FEEC-676FC44486CB}"/>
               </a:ext>
             </a:extLst>
           </p:cNvPr>
@@ -9378,69 +9375,20 @@
         </p:blipFill>
         <p:spPr>
           <a:xfrm>
-            <a:off x="1769635" y="647030"/>
-            <a:ext cx="9720000" cy="1977262"/>
+            <a:off x="1602970" y="3565299"/>
+            <a:ext cx="1717063" cy="1440000"/>
           </a:xfrm>
           <a:prstGeom prst="rect">
             <a:avLst/>
           </a:prstGeom>
         </p:spPr>
       </p:pic>
-      <p:sp>
-        <p:nvSpPr>
-          <p:cNvPr id="6" name="矩形 5">
+      <p:pic>
+        <p:nvPicPr>
+          <p:cNvPr id="26" name="圖片 25">
             <a:extLst>
               <a:ext uri="{FF2B5EF4-FFF2-40B4-BE49-F238E27FC236}">
-                <a16:creationId xmlns:a16="http://schemas.microsoft.com/office/drawing/2014/main" id="{1153708F-E64C-47ED-BB4A-C68DF5E4442C}"/>
-              </a:ext>
-            </a:extLst>
-          </p:cNvPr>
-          <p:cNvSpPr/>
-          <p:nvPr/>
-        </p:nvSpPr>
-        <p:spPr>
-          <a:xfrm>
-            <a:off x="254477" y="2039517"/>
-            <a:ext cx="1515158" cy="584775"/>
-          </a:xfrm>
-          <a:prstGeom prst="rect">
-            <a:avLst/>
-          </a:prstGeom>
-        </p:spPr>
-        <p:txBody>
-          <a:bodyPr wrap="none">
-            <a:spAutoFit/>
-          </a:bodyPr>
-          <a:lstStyle/>
-          <a:p>
-            <a:r>
-              <a:rPr lang="en-US" altLang="zh-TW" sz="3200" dirty="0">
-                <a:solidFill>
-                  <a:schemeClr val="accent1"/>
-                </a:solidFill>
-                <a:latin typeface="+mj-lt"/>
-                <a:ea typeface="+mj-ea"/>
-                <a:cs typeface="+mj-cs"/>
-              </a:rPr>
-              <a:t>MABW0</a:t>
-            </a:r>
-            <a:endParaRPr lang="zh-TW" altLang="en-US" sz="3200" dirty="0">
-              <a:solidFill>
-                <a:schemeClr val="accent1"/>
-              </a:solidFill>
-              <a:latin typeface="+mj-lt"/>
-              <a:ea typeface="+mj-ea"/>
-              <a:cs typeface="+mj-cs"/>
-            </a:endParaRPr>
-          </a:p>
-        </p:txBody>
-      </p:sp>
-      <p:pic>
-        <p:nvPicPr>
-          <p:cNvPr id="9" name="圖片 8">
-            <a:extLst>
-              <a:ext uri="{FF2B5EF4-FFF2-40B4-BE49-F238E27FC236}">
-                <a16:creationId xmlns:a16="http://schemas.microsoft.com/office/drawing/2014/main" id="{BADA3789-154A-4CA8-B221-5A7B65B43BAF}"/>
+                <a16:creationId xmlns:a16="http://schemas.microsoft.com/office/drawing/2014/main" id="{EF669DB5-3463-CAD7-B5E1-516521DE643B}"/>
               </a:ext>
             </a:extLst>
           </p:cNvPr>
@@ -9457,8 +9405,8 @@
         </p:blipFill>
         <p:spPr>
           <a:xfrm>
-            <a:off x="7740588" y="3064345"/>
-            <a:ext cx="3749047" cy="3593599"/>
+            <a:off x="4111224" y="3565299"/>
+            <a:ext cx="1717063" cy="1440000"/>
           </a:xfrm>
           <a:prstGeom prst="rect">
             <a:avLst/>
@@ -9467,10 +9415,10 @@
       </p:pic>
       <p:pic>
         <p:nvPicPr>
-          <p:cNvPr id="11" name="圖片 10">
+          <p:cNvPr id="28" name="圖片 27">
             <a:extLst>
               <a:ext uri="{FF2B5EF4-FFF2-40B4-BE49-F238E27FC236}">
-                <a16:creationId xmlns:a16="http://schemas.microsoft.com/office/drawing/2014/main" id="{DC63CC8D-8CFB-4E4E-A27D-86270DE90DFF}"/>
+                <a16:creationId xmlns:a16="http://schemas.microsoft.com/office/drawing/2014/main" id="{BDBE145A-A90B-B11F-C2B5-B9E13523548A}"/>
               </a:ext>
             </a:extLst>
           </p:cNvPr>
@@ -9487,43 +9435,225 @@
         </p:blipFill>
         <p:spPr>
           <a:xfrm>
-            <a:off x="1769635" y="3064345"/>
-            <a:ext cx="3749047" cy="3593599"/>
+            <a:off x="6606535" y="3565299"/>
+            <a:ext cx="1717063" cy="1440000"/>
           </a:xfrm>
           <a:prstGeom prst="rect">
             <a:avLst/>
           </a:prstGeom>
         </p:spPr>
       </p:pic>
-      <p:sp>
-        <p:nvSpPr>
-          <p:cNvPr id="12" name="矩形 11">
+      <p:pic>
+        <p:nvPicPr>
+          <p:cNvPr id="29" name="圖片 28">
             <a:extLst>
               <a:ext uri="{FF2B5EF4-FFF2-40B4-BE49-F238E27FC236}">
-                <a16:creationId xmlns:a16="http://schemas.microsoft.com/office/drawing/2014/main" id="{BD2F90FF-A1CE-4234-8AE1-DFDA9C1E5DFE}"/>
+                <a16:creationId xmlns:a16="http://schemas.microsoft.com/office/drawing/2014/main" id="{FB31545A-FC7D-C37B-DC2E-E9DC7C665290}"/>
               </a:ext>
             </a:extLst>
           </p:cNvPr>
-          <p:cNvSpPr/>
+          <p:cNvPicPr>
+            <a:picLocks noChangeAspect="1"/>
+          </p:cNvPicPr>
           <p:nvPr/>
-        </p:nvSpPr>
-        <p:spPr>
-          <a:xfrm>
-            <a:off x="353863" y="4568756"/>
-            <a:ext cx="1415772" cy="584775"/>
+        </p:nvPicPr>
+        <p:blipFill>
+          <a:blip r:embed="rId5"/>
+          <a:stretch>
+            <a:fillRect/>
+          </a:stretch>
+        </p:blipFill>
+        <p:spPr>
+          <a:xfrm>
+            <a:off x="1602970" y="1934748"/>
+            <a:ext cx="1717063" cy="1440000"/>
           </a:xfrm>
           <a:prstGeom prst="rect">
             <a:avLst/>
           </a:prstGeom>
         </p:spPr>
-        <p:txBody>
-          <a:bodyPr wrap="none">
+      </p:pic>
+      <p:pic>
+        <p:nvPicPr>
+          <p:cNvPr id="30" name="圖片 29">
+            <a:extLst>
+              <a:ext uri="{FF2B5EF4-FFF2-40B4-BE49-F238E27FC236}">
+                <a16:creationId xmlns:a16="http://schemas.microsoft.com/office/drawing/2014/main" id="{7E67E90A-1BAB-621C-43E6-9A7B9336FC35}"/>
+              </a:ext>
+            </a:extLst>
+          </p:cNvPr>
+          <p:cNvPicPr>
+            <a:picLocks noChangeAspect="1"/>
+          </p:cNvPicPr>
+          <p:nvPr/>
+        </p:nvPicPr>
+        <p:blipFill>
+          <a:blip r:embed="rId6"/>
+          <a:stretch>
+            <a:fillRect/>
+          </a:stretch>
+        </p:blipFill>
+        <p:spPr>
+          <a:xfrm>
+            <a:off x="4111224" y="1936405"/>
+            <a:ext cx="1704121" cy="1440000"/>
+          </a:xfrm>
+          <a:prstGeom prst="rect">
+            <a:avLst/>
+          </a:prstGeom>
+        </p:spPr>
+      </p:pic>
+      <p:pic>
+        <p:nvPicPr>
+          <p:cNvPr id="31" name="圖片 30">
+            <a:extLst>
+              <a:ext uri="{FF2B5EF4-FFF2-40B4-BE49-F238E27FC236}">
+                <a16:creationId xmlns:a16="http://schemas.microsoft.com/office/drawing/2014/main" id="{D6FDAA99-577B-14A3-9216-BFE78187942E}"/>
+              </a:ext>
+            </a:extLst>
+          </p:cNvPr>
+          <p:cNvPicPr>
+            <a:picLocks noChangeAspect="1"/>
+          </p:cNvPicPr>
+          <p:nvPr/>
+        </p:nvPicPr>
+        <p:blipFill>
+          <a:blip r:embed="rId7"/>
+          <a:stretch>
+            <a:fillRect/>
+          </a:stretch>
+        </p:blipFill>
+        <p:spPr>
+          <a:xfrm>
+            <a:off x="6606536" y="1934748"/>
+            <a:ext cx="1717063" cy="1440000"/>
+          </a:xfrm>
+          <a:prstGeom prst="rect">
+            <a:avLst/>
+          </a:prstGeom>
+        </p:spPr>
+      </p:pic>
+      <p:pic>
+        <p:nvPicPr>
+          <p:cNvPr id="5" name="圖片 4">
+            <a:extLst>
+              <a:ext uri="{FF2B5EF4-FFF2-40B4-BE49-F238E27FC236}">
+                <a16:creationId xmlns:a16="http://schemas.microsoft.com/office/drawing/2014/main" id="{182FC9E8-EB23-B707-99C4-015EFF244682}"/>
+              </a:ext>
+            </a:extLst>
+          </p:cNvPr>
+          <p:cNvPicPr>
+            <a:picLocks noChangeAspect="1"/>
+          </p:cNvPicPr>
+          <p:nvPr/>
+        </p:nvPicPr>
+        <p:blipFill>
+          <a:blip r:embed="rId8"/>
+          <a:stretch>
+            <a:fillRect/>
+          </a:stretch>
+        </p:blipFill>
+        <p:spPr>
+          <a:xfrm>
+            <a:off x="1602969" y="5195850"/>
+            <a:ext cx="1717064" cy="1440000"/>
+          </a:xfrm>
+          <a:prstGeom prst="rect">
+            <a:avLst/>
+          </a:prstGeom>
+        </p:spPr>
+      </p:pic>
+      <p:pic>
+        <p:nvPicPr>
+          <p:cNvPr id="7" name="圖片 6">
+            <a:extLst>
+              <a:ext uri="{FF2B5EF4-FFF2-40B4-BE49-F238E27FC236}">
+                <a16:creationId xmlns:a16="http://schemas.microsoft.com/office/drawing/2014/main" id="{57BA7C81-FD7C-6206-4B5D-0742A91867EC}"/>
+              </a:ext>
+            </a:extLst>
+          </p:cNvPr>
+          <p:cNvPicPr>
+            <a:picLocks noChangeAspect="1"/>
+          </p:cNvPicPr>
+          <p:nvPr/>
+        </p:nvPicPr>
+        <p:blipFill>
+          <a:blip r:embed="rId9"/>
+          <a:stretch>
+            <a:fillRect/>
+          </a:stretch>
+        </p:blipFill>
+        <p:spPr>
+          <a:xfrm>
+            <a:off x="4111224" y="5195850"/>
+            <a:ext cx="1717064" cy="1440000"/>
+          </a:xfrm>
+          <a:prstGeom prst="rect">
+            <a:avLst/>
+          </a:prstGeom>
+        </p:spPr>
+      </p:pic>
+      <p:pic>
+        <p:nvPicPr>
+          <p:cNvPr id="9" name="圖片 8">
+            <a:extLst>
+              <a:ext uri="{FF2B5EF4-FFF2-40B4-BE49-F238E27FC236}">
+                <a16:creationId xmlns:a16="http://schemas.microsoft.com/office/drawing/2014/main" id="{46802A34-BAE1-1313-74AB-525844F93CFB}"/>
+              </a:ext>
+            </a:extLst>
+          </p:cNvPr>
+          <p:cNvPicPr>
+            <a:picLocks noChangeAspect="1"/>
+          </p:cNvPicPr>
+          <p:nvPr/>
+        </p:nvPicPr>
+        <p:blipFill>
+          <a:blip r:embed="rId10"/>
+          <a:stretch>
+            <a:fillRect/>
+          </a:stretch>
+        </p:blipFill>
+        <p:spPr>
+          <a:xfrm>
+            <a:off x="6606534" y="5195850"/>
+            <a:ext cx="1717064" cy="1440000"/>
+          </a:xfrm>
+          <a:prstGeom prst="rect">
+            <a:avLst/>
+          </a:prstGeom>
+        </p:spPr>
+      </p:pic>
+      <p:sp>
+        <p:nvSpPr>
+          <p:cNvPr id="10" name="文字方塊 9">
+            <a:extLst>
+              <a:ext uri="{FF2B5EF4-FFF2-40B4-BE49-F238E27FC236}">
+                <a16:creationId xmlns:a16="http://schemas.microsoft.com/office/drawing/2014/main" id="{AF2A541B-4418-0DC3-168D-8B7F45CA544E}"/>
+              </a:ext>
+            </a:extLst>
+          </p:cNvPr>
+          <p:cNvSpPr txBox="1"/>
+          <p:nvPr/>
+        </p:nvSpPr>
+        <p:spPr>
+          <a:xfrm>
+            <a:off x="489098" y="5561907"/>
+            <a:ext cx="1001966" cy="707886"/>
+          </a:xfrm>
+          <a:prstGeom prst="rect">
+            <a:avLst/>
+          </a:prstGeom>
+          <a:noFill/>
+        </p:spPr>
+        <p:txBody>
+          <a:bodyPr wrap="square">
             <a:spAutoFit/>
           </a:bodyPr>
           <a:lstStyle/>
           <a:p>
-            <a:r>
-              <a:rPr lang="zh-TW" altLang="en-US" sz="3200" dirty="0">
+            <a:pPr algn="ctr"/>
+            <a:r>
+              <a:rPr lang="en-US" altLang="zh-TW" sz="2000" dirty="0">
                 <a:solidFill>
                   <a:schemeClr val="accent1"/>
                 </a:solidFill>
@@ -9531,40 +9661,13 @@
                 <a:ea typeface="+mj-ea"/>
                 <a:cs typeface="+mj-cs"/>
               </a:rPr>
-              <a:t>取中間</a:t>
-            </a:r>
-          </a:p>
-        </p:txBody>
-      </p:sp>
-      <p:sp>
-        <p:nvSpPr>
-          <p:cNvPr id="13" name="矩形 12">
-            <a:extLst>
-              <a:ext uri="{FF2B5EF4-FFF2-40B4-BE49-F238E27FC236}">
-                <a16:creationId xmlns:a16="http://schemas.microsoft.com/office/drawing/2014/main" id="{BAC8B4C9-B769-4669-9712-20EF556D4C0C}"/>
-              </a:ext>
-            </a:extLst>
-          </p:cNvPr>
-          <p:cNvSpPr/>
-          <p:nvPr/>
-        </p:nvSpPr>
-        <p:spPr>
-          <a:xfrm>
-            <a:off x="6324816" y="4568755"/>
-            <a:ext cx="1415772" cy="584775"/>
-          </a:xfrm>
-          <a:prstGeom prst="rect">
-            <a:avLst/>
-          </a:prstGeom>
-        </p:spPr>
-        <p:txBody>
-          <a:bodyPr wrap="none">
-            <a:spAutoFit/>
-          </a:bodyPr>
-          <a:lstStyle/>
-          <a:p>
-            <a:r>
-              <a:rPr lang="zh-TW" altLang="en-US" sz="3200" dirty="0">
+              <a:t>SB</a:t>
+            </a:r>
+          </a:p>
+          <a:p>
+            <a:pPr algn="ctr"/>
+            <a:r>
+              <a:rPr lang="zh-TW" altLang="en-US" sz="2000" dirty="0">
                 <a:solidFill>
                   <a:schemeClr val="accent1"/>
                 </a:solidFill>
@@ -9572,7 +9675,7 @@
                 <a:ea typeface="+mj-ea"/>
                 <a:cs typeface="+mj-cs"/>
               </a:rPr>
-              <a:t>平均取</a:t>
+              <a:t>西班牙</a:t>
             </a:r>
           </a:p>
         </p:txBody>
@@ -9580,7 +9683,7 @@
     </p:spTree>
     <p:extLst>
       <p:ext uri="{BB962C8B-B14F-4D97-AF65-F5344CB8AC3E}">
-        <p14:creationId xmlns:p14="http://schemas.microsoft.com/office/powerpoint/2010/main" val="3675973277"/>
+        <p14:creationId xmlns:p14="http://schemas.microsoft.com/office/powerpoint/2010/main" val="4279071752"/>
       </p:ext>
     </p:extLst>
   </p:cSld>
@@ -10342,267 +10445,36 @@
       </p:grpSpPr>
       <p:sp>
         <p:nvSpPr>
-          <p:cNvPr id="5" name="文字方塊 4">
+          <p:cNvPr id="2" name="標題 1">
             <a:extLst>
               <a:ext uri="{FF2B5EF4-FFF2-40B4-BE49-F238E27FC236}">
-                <a16:creationId xmlns:a16="http://schemas.microsoft.com/office/drawing/2014/main" id="{3A909603-2CCC-4775-AFF7-EEDAEF5D8F86}"/>
+                <a16:creationId xmlns:a16="http://schemas.microsoft.com/office/drawing/2014/main" id="{00BCF397-3DB7-DF1C-C114-225549C2B2F2}"/>
               </a:ext>
             </a:extLst>
           </p:cNvPr>
-          <p:cNvSpPr txBox="1"/>
-          <p:nvPr/>
-        </p:nvSpPr>
-        <p:spPr>
-          <a:xfrm>
-            <a:off x="11489635" y="6488668"/>
-            <a:ext cx="702365" cy="338554"/>
-          </a:xfrm>
-          <a:prstGeom prst="rect">
-            <a:avLst/>
-          </a:prstGeom>
-          <a:noFill/>
-        </p:spPr>
-        <p:txBody>
-          <a:bodyPr wrap="square" rtlCol="0">
-            <a:spAutoFit/>
+          <p:cNvSpPr>
+            <a:spLocks noGrp="1"/>
+          </p:cNvSpPr>
+          <p:nvPr>
+            <p:ph type="title"/>
+          </p:nvPr>
+        </p:nvSpPr>
+        <p:spPr>
+          <a:xfrm>
+            <a:off x="0" y="2258969"/>
+            <a:ext cx="12192000" cy="1170031"/>
+          </a:xfrm>
+        </p:spPr>
+        <p:txBody>
+          <a:bodyPr>
+            <a:noAutofit/>
           </a:bodyPr>
           <a:lstStyle/>
           <a:p>
-            <a:r>
-              <a:rPr lang="en-US" altLang="zh-TW" sz="1600" dirty="0">
-                <a:solidFill>
-                  <a:schemeClr val="bg1"/>
-                </a:solidFill>
-              </a:rPr>
-              <a:t>0</a:t>
-            </a:r>
-            <a:fld id="{14AC972E-A942-4833-AA5E-CD5138CD0656}" type="slidenum">
-              <a:rPr lang="en-US" altLang="zh-TW" sz="1600" smtClean="0">
-                <a:solidFill>
-                  <a:schemeClr val="bg1"/>
-                </a:solidFill>
-              </a:rPr>
-              <a:t>20</a:t>
-            </a:fld>
-            <a:endParaRPr lang="zh-TW" altLang="en-US" dirty="0">
-              <a:solidFill>
-                <a:schemeClr val="bg1"/>
-              </a:solidFill>
-            </a:endParaRPr>
-          </a:p>
-        </p:txBody>
-      </p:sp>
-      <p:pic>
-        <p:nvPicPr>
-          <p:cNvPr id="9" name="圖片 8">
-            <a:extLst>
-              <a:ext uri="{FF2B5EF4-FFF2-40B4-BE49-F238E27FC236}">
-                <a16:creationId xmlns:a16="http://schemas.microsoft.com/office/drawing/2014/main" id="{6C3E6E4E-0FAB-4AC9-AEB1-F2089FB6B6FC}"/>
-              </a:ext>
-            </a:extLst>
-          </p:cNvPr>
-          <p:cNvPicPr>
-            <a:picLocks noChangeAspect="1"/>
-          </p:cNvPicPr>
-          <p:nvPr/>
-        </p:nvPicPr>
-        <p:blipFill>
-          <a:blip r:embed="rId2"/>
-          <a:stretch>
-            <a:fillRect/>
-          </a:stretch>
-        </p:blipFill>
-        <p:spPr>
-          <a:xfrm>
-            <a:off x="1769635" y="723063"/>
-            <a:ext cx="9720000" cy="1709829"/>
-          </a:xfrm>
-          <a:prstGeom prst="rect">
-            <a:avLst/>
-          </a:prstGeom>
-        </p:spPr>
-      </p:pic>
-      <p:sp>
-        <p:nvSpPr>
-          <p:cNvPr id="11" name="矩形 10">
-            <a:extLst>
-              <a:ext uri="{FF2B5EF4-FFF2-40B4-BE49-F238E27FC236}">
-                <a16:creationId xmlns:a16="http://schemas.microsoft.com/office/drawing/2014/main" id="{B7A6CA01-C421-4CC7-B096-8538382D1196}"/>
-              </a:ext>
-            </a:extLst>
-          </p:cNvPr>
-          <p:cNvSpPr/>
-          <p:nvPr/>
-        </p:nvSpPr>
-        <p:spPr>
-          <a:xfrm>
-            <a:off x="414777" y="1848117"/>
-            <a:ext cx="1354858" cy="584775"/>
-          </a:xfrm>
-          <a:prstGeom prst="rect">
-            <a:avLst/>
-          </a:prstGeom>
-        </p:spPr>
-        <p:txBody>
-          <a:bodyPr wrap="none">
-            <a:spAutoFit/>
-          </a:bodyPr>
-          <a:lstStyle/>
-          <a:p>
-            <a:r>
-              <a:rPr lang="en-US" altLang="zh-TW" sz="3200" dirty="0">
-                <a:solidFill>
-                  <a:schemeClr val="accent1"/>
-                </a:solidFill>
-              </a:rPr>
-              <a:t>MBJK0</a:t>
-            </a:r>
-            <a:endParaRPr lang="zh-TW" altLang="en-US" sz="3200" dirty="0">
-              <a:solidFill>
-                <a:schemeClr val="accent1"/>
-              </a:solidFill>
-            </a:endParaRPr>
-          </a:p>
-        </p:txBody>
-      </p:sp>
-      <p:pic>
-        <p:nvPicPr>
-          <p:cNvPr id="13" name="圖片 12">
-            <a:extLst>
-              <a:ext uri="{FF2B5EF4-FFF2-40B4-BE49-F238E27FC236}">
-                <a16:creationId xmlns:a16="http://schemas.microsoft.com/office/drawing/2014/main" id="{6FFB5005-8D85-44CA-B6CA-B6A229DEF0E5}"/>
-              </a:ext>
-            </a:extLst>
-          </p:cNvPr>
-          <p:cNvPicPr>
-            <a:picLocks noChangeAspect="1"/>
-          </p:cNvPicPr>
-          <p:nvPr/>
-        </p:nvPicPr>
-        <p:blipFill>
-          <a:blip r:embed="rId3"/>
-          <a:stretch>
-            <a:fillRect/>
-          </a:stretch>
-        </p:blipFill>
-        <p:spPr>
-          <a:xfrm>
-            <a:off x="7740588" y="2988809"/>
-            <a:ext cx="3749047" cy="3593599"/>
-          </a:xfrm>
-          <a:prstGeom prst="rect">
-            <a:avLst/>
-          </a:prstGeom>
-        </p:spPr>
-      </p:pic>
-      <p:pic>
-        <p:nvPicPr>
-          <p:cNvPr id="15" name="圖片 14">
-            <a:extLst>
-              <a:ext uri="{FF2B5EF4-FFF2-40B4-BE49-F238E27FC236}">
-                <a16:creationId xmlns:a16="http://schemas.microsoft.com/office/drawing/2014/main" id="{1AB3AB2E-BC7F-4C9F-A27C-E59D40FDF835}"/>
-              </a:ext>
-            </a:extLst>
-          </p:cNvPr>
-          <p:cNvPicPr>
-            <a:picLocks noChangeAspect="1"/>
-          </p:cNvPicPr>
-          <p:nvPr/>
-        </p:nvPicPr>
-        <p:blipFill>
-          <a:blip r:embed="rId4"/>
-          <a:stretch>
-            <a:fillRect/>
-          </a:stretch>
-        </p:blipFill>
-        <p:spPr>
-          <a:xfrm>
-            <a:off x="1769635" y="2988809"/>
-            <a:ext cx="3749047" cy="3593599"/>
-          </a:xfrm>
-          <a:prstGeom prst="rect">
-            <a:avLst/>
-          </a:prstGeom>
-        </p:spPr>
-      </p:pic>
-      <p:sp>
-        <p:nvSpPr>
-          <p:cNvPr id="16" name="矩形 15">
-            <a:extLst>
-              <a:ext uri="{FF2B5EF4-FFF2-40B4-BE49-F238E27FC236}">
-                <a16:creationId xmlns:a16="http://schemas.microsoft.com/office/drawing/2014/main" id="{79FF201E-6B96-4B50-B821-5A79FF3AE050}"/>
-              </a:ext>
-            </a:extLst>
-          </p:cNvPr>
-          <p:cNvSpPr/>
-          <p:nvPr/>
-        </p:nvSpPr>
-        <p:spPr>
-          <a:xfrm>
-            <a:off x="353863" y="4568756"/>
-            <a:ext cx="1415772" cy="584775"/>
-          </a:xfrm>
-          <a:prstGeom prst="rect">
-            <a:avLst/>
-          </a:prstGeom>
-        </p:spPr>
-        <p:txBody>
-          <a:bodyPr wrap="none">
-            <a:spAutoFit/>
-          </a:bodyPr>
-          <a:lstStyle/>
-          <a:p>
-            <a:r>
-              <a:rPr lang="zh-TW" altLang="en-US" sz="3200" dirty="0">
-                <a:solidFill>
-                  <a:schemeClr val="accent1"/>
-                </a:solidFill>
-                <a:latin typeface="+mj-lt"/>
-                <a:ea typeface="+mj-ea"/>
-                <a:cs typeface="+mj-cs"/>
-              </a:rPr>
-              <a:t>取中間</a:t>
-            </a:r>
-          </a:p>
-        </p:txBody>
-      </p:sp>
-      <p:sp>
-        <p:nvSpPr>
-          <p:cNvPr id="17" name="矩形 16">
-            <a:extLst>
-              <a:ext uri="{FF2B5EF4-FFF2-40B4-BE49-F238E27FC236}">
-                <a16:creationId xmlns:a16="http://schemas.microsoft.com/office/drawing/2014/main" id="{834C23CB-64D8-4A95-AB6C-F3DDC167EA60}"/>
-              </a:ext>
-            </a:extLst>
-          </p:cNvPr>
-          <p:cNvSpPr/>
-          <p:nvPr/>
-        </p:nvSpPr>
-        <p:spPr>
-          <a:xfrm>
-            <a:off x="6324816" y="4568755"/>
-            <a:ext cx="1415772" cy="584775"/>
-          </a:xfrm>
-          <a:prstGeom prst="rect">
-            <a:avLst/>
-          </a:prstGeom>
-        </p:spPr>
-        <p:txBody>
-          <a:bodyPr wrap="none">
-            <a:spAutoFit/>
-          </a:bodyPr>
-          <a:lstStyle/>
-          <a:p>
-            <a:r>
-              <a:rPr lang="zh-TW" altLang="en-US" sz="3200" dirty="0">
-                <a:solidFill>
-                  <a:schemeClr val="accent1"/>
-                </a:solidFill>
-                <a:latin typeface="+mj-lt"/>
-                <a:ea typeface="+mj-ea"/>
-                <a:cs typeface="+mj-cs"/>
-              </a:rPr>
-              <a:t>平均取</a:t>
+            <a:pPr algn="ctr"/>
+            <a:r>
+              <a:rPr lang="zh-TW" altLang="en-US" sz="7200" b="1" dirty="0"/>
+              <a:t>取值方式調整</a:t>
             </a:r>
           </a:p>
         </p:txBody>
@@ -10610,7 +10482,7 @@
     </p:spTree>
     <p:extLst>
       <p:ext uri="{BB962C8B-B14F-4D97-AF65-F5344CB8AC3E}">
-        <p14:creationId xmlns:p14="http://schemas.microsoft.com/office/powerpoint/2010/main" val="1434220175"/>
+        <p14:creationId xmlns:p14="http://schemas.microsoft.com/office/powerpoint/2010/main" val="3070106430"/>
       </p:ext>
     </p:extLst>
   </p:cSld>
@@ -10639,6 +10511,155 @@
       </p:grpSpPr>
       <p:sp>
         <p:nvSpPr>
+          <p:cNvPr id="2" name="標題 1"/>
+          <p:cNvSpPr>
+            <a:spLocks noGrp="1"/>
+          </p:cNvSpPr>
+          <p:nvPr>
+            <p:ph type="title"/>
+          </p:nvPr>
+        </p:nvSpPr>
+        <p:spPr>
+          <a:xfrm>
+            <a:off x="677334" y="609600"/>
+            <a:ext cx="9156478" cy="1320800"/>
+          </a:xfrm>
+        </p:spPr>
+        <p:txBody>
+          <a:bodyPr>
+            <a:normAutofit fontScale="90000"/>
+          </a:bodyPr>
+          <a:lstStyle/>
+          <a:p>
+            <a:r>
+              <a:rPr lang="zh-TW" altLang="en-US" sz="2700" dirty="0"/>
+              <a:t>原先取值方式為，以縱軸為主，取橫軸中間部分，以下圖為例，此圖形為</a:t>
+            </a:r>
+            <a:r>
+              <a:rPr lang="en-US" altLang="zh-TW" sz="2700" dirty="0"/>
+              <a:t>MFCC</a:t>
+            </a:r>
+            <a:r>
+              <a:rPr lang="zh-TW" altLang="en-US" sz="2700" dirty="0"/>
+              <a:t>取得</a:t>
+            </a:r>
+            <a:r>
+              <a:rPr lang="en-US" altLang="zh-TW" sz="2700" dirty="0"/>
+              <a:t>20</a:t>
+            </a:r>
+            <a:r>
+              <a:rPr lang="zh-TW" altLang="en-US" sz="2700" dirty="0"/>
+              <a:t>個特徵圖樣，則以縱軸</a:t>
+            </a:r>
+            <a:r>
+              <a:rPr lang="en-US" altLang="zh-TW" sz="2700" dirty="0"/>
+              <a:t>20</a:t>
+            </a:r>
+            <a:r>
+              <a:rPr lang="zh-TW" altLang="en-US" sz="2700" dirty="0"/>
+              <a:t>為主，從橫軸取得</a:t>
+            </a:r>
+            <a:r>
+              <a:rPr lang="en-US" altLang="zh-TW" sz="2700" dirty="0"/>
+              <a:t>120</a:t>
+            </a:r>
+            <a:r>
+              <a:rPr lang="zh-TW" altLang="en-US" sz="2700" dirty="0"/>
+              <a:t>點之中間部分，約略為</a:t>
+            </a:r>
+            <a:r>
+              <a:rPr lang="en-US" altLang="zh-TW" sz="2700" dirty="0"/>
+              <a:t>50~70</a:t>
+            </a:r>
+            <a:r>
+              <a:rPr lang="zh-TW" altLang="en-US" sz="2700" dirty="0"/>
+              <a:t>。</a:t>
+            </a:r>
+            <a:br>
+              <a:rPr lang="en-US" altLang="zh-TW" sz="2700" dirty="0"/>
+            </a:br>
+            <a:br>
+              <a:rPr lang="en-US" altLang="zh-TW" sz="2700" dirty="0"/>
+            </a:br>
+            <a:r>
+              <a:rPr lang="zh-TW" altLang="en-US" sz="2700" dirty="0"/>
+              <a:t>修改取值方式為從橫軸</a:t>
+            </a:r>
+            <a:r>
+              <a:rPr lang="en-US" altLang="zh-TW" sz="2700" dirty="0"/>
+              <a:t>120</a:t>
+            </a:r>
+            <a:r>
+              <a:rPr lang="zh-TW" altLang="en-US" sz="2700" dirty="0"/>
+              <a:t>點平均取得</a:t>
+            </a:r>
+            <a:r>
+              <a:rPr lang="en-US" altLang="zh-TW" sz="2700" dirty="0"/>
+              <a:t>20</a:t>
+            </a:r>
+            <a:r>
+              <a:rPr lang="zh-TW" altLang="en-US" sz="2700" dirty="0"/>
+              <a:t>個點，約略為每</a:t>
+            </a:r>
+            <a:r>
+              <a:rPr lang="en-US" altLang="zh-TW" sz="2700" dirty="0"/>
+              <a:t>6</a:t>
+            </a:r>
+            <a:r>
+              <a:rPr lang="zh-TW" altLang="en-US" sz="2700" dirty="0"/>
+              <a:t>點取</a:t>
+            </a:r>
+            <a:r>
+              <a:rPr lang="en-US" altLang="zh-TW" sz="2700" dirty="0"/>
+              <a:t>1</a:t>
+            </a:r>
+            <a:r>
+              <a:rPr lang="zh-TW" altLang="en-US" sz="2700" dirty="0"/>
+              <a:t>點。</a:t>
+            </a:r>
+            <a:br>
+              <a:rPr lang="en-US" altLang="zh-TW" sz="2700" dirty="0"/>
+            </a:br>
+            <a:br>
+              <a:rPr lang="en-US" altLang="zh-TW" sz="2700" dirty="0"/>
+            </a:br>
+            <a:r>
+              <a:rPr lang="zh-TW" altLang="en-US" sz="2700" dirty="0"/>
+              <a:t>以下以</a:t>
+            </a:r>
+            <a:r>
+              <a:rPr lang="en-US" altLang="zh-TW" sz="2700" dirty="0"/>
+              <a:t>SA1</a:t>
+            </a:r>
+            <a:r>
+              <a:rPr lang="zh-TW" altLang="en-US" sz="2700" dirty="0"/>
+              <a:t>中</a:t>
+            </a:r>
+            <a:r>
+              <a:rPr lang="en-US" altLang="zh-TW" sz="2700" dirty="0"/>
+              <a:t>MABW0</a:t>
+            </a:r>
+            <a:r>
+              <a:rPr lang="zh-TW" altLang="en-US" sz="2700" dirty="0"/>
+              <a:t>、</a:t>
+            </a:r>
+            <a:r>
+              <a:rPr lang="en-US" altLang="zh-TW" sz="2700" dirty="0"/>
+              <a:t>MBJK0</a:t>
+            </a:r>
+            <a:r>
+              <a:rPr lang="zh-TW" altLang="en-US" sz="2700" dirty="0"/>
+              <a:t>為例</a:t>
+            </a:r>
+            <a:br>
+              <a:rPr lang="en-US" altLang="zh-TW" dirty="0"/>
+            </a:br>
+            <a:endParaRPr lang="zh-TW" altLang="en-US" dirty="0"/>
+          </a:p>
+        </p:txBody>
+      </p:sp>
+      <p:sp>
+        <p:nvSpPr>
           <p:cNvPr id="5" name="文字方塊 4">
             <a:extLst>
               <a:ext uri="{FF2B5EF4-FFF2-40B4-BE49-F238E27FC236}">
@@ -10689,169 +10710,12 @@
           </a:p>
         </p:txBody>
       </p:sp>
-      <p:sp>
-        <p:nvSpPr>
-          <p:cNvPr id="20" name="標題 1">
+      <p:pic>
+        <p:nvPicPr>
+          <p:cNvPr id="11" name="圖片 10">
             <a:extLst>
               <a:ext uri="{FF2B5EF4-FFF2-40B4-BE49-F238E27FC236}">
-                <a16:creationId xmlns:a16="http://schemas.microsoft.com/office/drawing/2014/main" id="{66DD6C19-54E1-4F38-AF71-105329402458}"/>
-              </a:ext>
-            </a:extLst>
-          </p:cNvPr>
-          <p:cNvSpPr>
-            <a:spLocks noGrp="1"/>
-          </p:cNvSpPr>
-          <p:nvPr>
-            <p:ph type="title"/>
-          </p:nvPr>
-        </p:nvSpPr>
-        <p:spPr>
-          <a:xfrm>
-            <a:off x="677334" y="609600"/>
-            <a:ext cx="9156478" cy="1320800"/>
-          </a:xfrm>
-        </p:spPr>
-        <p:txBody>
-          <a:bodyPr>
-            <a:normAutofit/>
-          </a:bodyPr>
-          <a:lstStyle/>
-          <a:p>
-            <a:r>
-              <a:rPr lang="zh-TW" altLang="en-US" sz="2700" dirty="0"/>
-              <a:t>萃取</a:t>
-            </a:r>
-            <a:r>
-              <a:rPr lang="en-US" altLang="zh-TW" sz="2700" dirty="0"/>
-              <a:t>20</a:t>
-            </a:r>
-            <a:r>
-              <a:rPr lang="zh-TW" altLang="en-US" sz="2700" dirty="0"/>
-              <a:t>個與</a:t>
-            </a:r>
-            <a:r>
-              <a:rPr lang="en-US" altLang="zh-TW" sz="2700" dirty="0"/>
-              <a:t>50</a:t>
-            </a:r>
-            <a:r>
-              <a:rPr lang="zh-TW" altLang="en-US" sz="2700" dirty="0"/>
-              <a:t>個特徵比較，以</a:t>
-            </a:r>
-            <a:r>
-              <a:rPr lang="en-US" altLang="zh-TW" sz="2700" dirty="0"/>
-              <a:t>SA1</a:t>
-            </a:r>
-            <a:r>
-              <a:rPr lang="zh-TW" altLang="en-US" sz="2700" dirty="0"/>
-              <a:t>中</a:t>
-            </a:r>
-            <a:r>
-              <a:rPr lang="en-US" altLang="zh-TW" sz="2700" dirty="0"/>
-              <a:t>MABW0</a:t>
-            </a:r>
-            <a:r>
-              <a:rPr lang="zh-TW" altLang="en-US" sz="2700" dirty="0"/>
-              <a:t>為例</a:t>
-            </a:r>
-            <a:br>
-              <a:rPr lang="en-US" altLang="zh-TW" dirty="0"/>
-            </a:br>
-            <a:endParaRPr lang="zh-TW" altLang="en-US" dirty="0"/>
-          </a:p>
-        </p:txBody>
-      </p:sp>
-      <p:sp>
-        <p:nvSpPr>
-          <p:cNvPr id="21" name="矩形 20">
-            <a:extLst>
-              <a:ext uri="{FF2B5EF4-FFF2-40B4-BE49-F238E27FC236}">
-                <a16:creationId xmlns:a16="http://schemas.microsoft.com/office/drawing/2014/main" id="{43F05AA1-B89D-4136-A066-319C6325A55F}"/>
-              </a:ext>
-            </a:extLst>
-          </p:cNvPr>
-          <p:cNvSpPr/>
-          <p:nvPr/>
-        </p:nvSpPr>
-        <p:spPr>
-          <a:xfrm>
-            <a:off x="677334" y="2478686"/>
-            <a:ext cx="614271" cy="584775"/>
-          </a:xfrm>
-          <a:prstGeom prst="rect">
-            <a:avLst/>
-          </a:prstGeom>
-        </p:spPr>
-        <p:txBody>
-          <a:bodyPr wrap="none">
-            <a:spAutoFit/>
-          </a:bodyPr>
-          <a:lstStyle/>
-          <a:p>
-            <a:r>
-              <a:rPr lang="en-US" altLang="zh-TW" sz="3200" dirty="0">
-                <a:solidFill>
-                  <a:schemeClr val="accent1"/>
-                </a:solidFill>
-              </a:rPr>
-              <a:t>20</a:t>
-            </a:r>
-            <a:endParaRPr lang="zh-TW" altLang="en-US" sz="3200" dirty="0">
-              <a:solidFill>
-                <a:schemeClr val="accent1"/>
-              </a:solidFill>
-            </a:endParaRPr>
-          </a:p>
-        </p:txBody>
-      </p:sp>
-      <p:sp>
-        <p:nvSpPr>
-          <p:cNvPr id="22" name="矩形 21">
-            <a:extLst>
-              <a:ext uri="{FF2B5EF4-FFF2-40B4-BE49-F238E27FC236}">
-                <a16:creationId xmlns:a16="http://schemas.microsoft.com/office/drawing/2014/main" id="{5F1DF944-D735-4EA9-8C22-EC360C8033D1}"/>
-              </a:ext>
-            </a:extLst>
-          </p:cNvPr>
-          <p:cNvSpPr/>
-          <p:nvPr/>
-        </p:nvSpPr>
-        <p:spPr>
-          <a:xfrm>
-            <a:off x="677333" y="5903893"/>
-            <a:ext cx="614271" cy="584775"/>
-          </a:xfrm>
-          <a:prstGeom prst="rect">
-            <a:avLst/>
-          </a:prstGeom>
-        </p:spPr>
-        <p:txBody>
-          <a:bodyPr wrap="none">
-            <a:spAutoFit/>
-          </a:bodyPr>
-          <a:lstStyle/>
-          <a:p>
-            <a:r>
-              <a:rPr lang="en-US" altLang="zh-TW" sz="3200" dirty="0">
-                <a:solidFill>
-                  <a:schemeClr val="accent1"/>
-                </a:solidFill>
-              </a:rPr>
-              <a:t>50</a:t>
-            </a:r>
-            <a:endParaRPr lang="zh-TW" altLang="en-US" sz="3200" dirty="0">
-              <a:solidFill>
-                <a:schemeClr val="accent1"/>
-              </a:solidFill>
-            </a:endParaRPr>
-          </a:p>
-        </p:txBody>
-      </p:sp>
-      <p:pic>
-        <p:nvPicPr>
-          <p:cNvPr id="23" name="圖片 22">
-            <a:extLst>
-              <a:ext uri="{FF2B5EF4-FFF2-40B4-BE49-F238E27FC236}">
-                <a16:creationId xmlns:a16="http://schemas.microsoft.com/office/drawing/2014/main" id="{B005ED55-5357-4AC4-94D7-BE9A38D659E7}"/>
+                <a16:creationId xmlns:a16="http://schemas.microsoft.com/office/drawing/2014/main" id="{69FB1C9D-03C4-4EE3-9244-071E466283E0}"/>
               </a:ext>
             </a:extLst>
           </p:cNvPr>
@@ -10868,38 +10732,8 @@
         </p:blipFill>
         <p:spPr>
           <a:xfrm>
-            <a:off x="1295573" y="3224942"/>
-            <a:ext cx="7920000" cy="3433003"/>
-          </a:xfrm>
-          <a:prstGeom prst="rect">
-            <a:avLst/>
-          </a:prstGeom>
-        </p:spPr>
-      </p:pic>
-      <p:pic>
-        <p:nvPicPr>
-          <p:cNvPr id="24" name="圖片 23">
-            <a:extLst>
-              <a:ext uri="{FF2B5EF4-FFF2-40B4-BE49-F238E27FC236}">
-                <a16:creationId xmlns:a16="http://schemas.microsoft.com/office/drawing/2014/main" id="{3421F391-8D7F-4789-B166-2E748208BEFE}"/>
-              </a:ext>
-            </a:extLst>
-          </p:cNvPr>
-          <p:cNvPicPr>
-            <a:picLocks noChangeAspect="1"/>
-          </p:cNvPicPr>
-          <p:nvPr/>
-        </p:nvPicPr>
-        <p:blipFill>
-          <a:blip r:embed="rId3"/>
-          <a:stretch>
-            <a:fillRect/>
-          </a:stretch>
-        </p:blipFill>
-        <p:spPr>
-          <a:xfrm>
-            <a:off x="1295573" y="1452359"/>
-            <a:ext cx="7920000" cy="1611102"/>
+            <a:off x="677334" y="3667131"/>
+            <a:ext cx="9720000" cy="1977262"/>
           </a:xfrm>
           <a:prstGeom prst="rect">
             <a:avLst/>
@@ -10909,7 +10743,7 @@
     </p:spTree>
     <p:extLst>
       <p:ext uri="{BB962C8B-B14F-4D97-AF65-F5344CB8AC3E}">
-        <p14:creationId xmlns:p14="http://schemas.microsoft.com/office/powerpoint/2010/main" val="1605372515"/>
+        <p14:creationId xmlns:p14="http://schemas.microsoft.com/office/powerpoint/2010/main" val="2755610106"/>
       </p:ext>
     </p:extLst>
   </p:cSld>
@@ -10938,30 +10772,6 @@
       </p:grpSpPr>
       <p:sp>
         <p:nvSpPr>
-          <p:cNvPr id="2" name="標題 1"/>
-          <p:cNvSpPr>
-            <a:spLocks noGrp="1"/>
-          </p:cNvSpPr>
-          <p:nvPr>
-            <p:ph type="title"/>
-          </p:nvPr>
-        </p:nvSpPr>
-        <p:spPr/>
-        <p:txBody>
-          <a:bodyPr>
-            <a:normAutofit/>
-          </a:bodyPr>
-          <a:lstStyle/>
-          <a:p>
-            <a:br>
-              <a:rPr lang="en-US" altLang="zh-TW" dirty="0"/>
-            </a:br>
-            <a:endParaRPr lang="zh-TW" altLang="en-US" dirty="0"/>
-          </a:p>
-        </p:txBody>
-      </p:sp>
-      <p:sp>
-        <p:nvSpPr>
           <p:cNvPr id="5" name="文字方塊 4">
             <a:extLst>
               <a:ext uri="{FF2B5EF4-FFF2-40B4-BE49-F238E27FC236}">
@@ -11012,147 +10822,12 @@
           </a:p>
         </p:txBody>
       </p:sp>
-      <p:sp>
-        <p:nvSpPr>
-          <p:cNvPr id="10" name="標題 1">
+      <p:pic>
+        <p:nvPicPr>
+          <p:cNvPr id="4" name="圖片 3">
             <a:extLst>
               <a:ext uri="{FF2B5EF4-FFF2-40B4-BE49-F238E27FC236}">
-                <a16:creationId xmlns:a16="http://schemas.microsoft.com/office/drawing/2014/main" id="{66F794C4-EB0C-4E8A-A5B9-6048138809A1}"/>
-              </a:ext>
-            </a:extLst>
-          </p:cNvPr>
-          <p:cNvSpPr txBox="1">
-            <a:spLocks/>
-          </p:cNvSpPr>
-          <p:nvPr/>
-        </p:nvSpPr>
-        <p:spPr>
-          <a:xfrm>
-            <a:off x="829734" y="762000"/>
-            <a:ext cx="8596668" cy="1320800"/>
-          </a:xfrm>
-          <a:prstGeom prst="rect">
-            <a:avLst/>
-          </a:prstGeom>
-        </p:spPr>
-        <p:txBody>
-          <a:bodyPr vert="horz" lIns="91440" tIns="45720" rIns="91440" bIns="45720" rtlCol="0" anchor="t">
-            <a:normAutofit/>
-          </a:bodyPr>
-          <a:lstStyle>
-            <a:lvl1pPr algn="l" defTabSz="457200" rtl="0" eaLnBrk="1" latinLnBrk="0" hangingPunct="1">
-              <a:spcBef>
-                <a:spcPct val="0"/>
-              </a:spcBef>
-              <a:buNone/>
-              <a:defRPr sz="3600" kern="1200">
-                <a:solidFill>
-                  <a:schemeClr val="accent1"/>
-                </a:solidFill>
-                <a:latin typeface="+mj-lt"/>
-                <a:ea typeface="+mj-ea"/>
-                <a:cs typeface="+mj-cs"/>
-              </a:defRPr>
-            </a:lvl1pPr>
-            <a:lvl2pPr eaLnBrk="1" hangingPunct="1">
-              <a:defRPr>
-                <a:solidFill>
-                  <a:schemeClr val="tx2"/>
-                </a:solidFill>
-              </a:defRPr>
-            </a:lvl2pPr>
-            <a:lvl3pPr eaLnBrk="1" hangingPunct="1">
-              <a:defRPr>
-                <a:solidFill>
-                  <a:schemeClr val="tx2"/>
-                </a:solidFill>
-              </a:defRPr>
-            </a:lvl3pPr>
-            <a:lvl4pPr eaLnBrk="1" hangingPunct="1">
-              <a:defRPr>
-                <a:solidFill>
-                  <a:schemeClr val="tx2"/>
-                </a:solidFill>
-              </a:defRPr>
-            </a:lvl4pPr>
-            <a:lvl5pPr eaLnBrk="1" hangingPunct="1">
-              <a:defRPr>
-                <a:solidFill>
-                  <a:schemeClr val="tx2"/>
-                </a:solidFill>
-              </a:defRPr>
-            </a:lvl5pPr>
-            <a:lvl6pPr eaLnBrk="1" hangingPunct="1">
-              <a:defRPr>
-                <a:solidFill>
-                  <a:schemeClr val="tx2"/>
-                </a:solidFill>
-              </a:defRPr>
-            </a:lvl6pPr>
-            <a:lvl7pPr eaLnBrk="1" hangingPunct="1">
-              <a:defRPr>
-                <a:solidFill>
-                  <a:schemeClr val="tx2"/>
-                </a:solidFill>
-              </a:defRPr>
-            </a:lvl7pPr>
-            <a:lvl8pPr eaLnBrk="1" hangingPunct="1">
-              <a:defRPr>
-                <a:solidFill>
-                  <a:schemeClr val="tx2"/>
-                </a:solidFill>
-              </a:defRPr>
-            </a:lvl8pPr>
-            <a:lvl9pPr eaLnBrk="1" hangingPunct="1">
-              <a:defRPr>
-                <a:solidFill>
-                  <a:schemeClr val="tx2"/>
-                </a:solidFill>
-              </a:defRPr>
-            </a:lvl9pPr>
-          </a:lstStyle>
-          <a:p>
-            <a:r>
-              <a:rPr lang="en-US" altLang="zh-TW" dirty="0"/>
-              <a:t>DR2-MBJV0</a:t>
-            </a:r>
-            <a:r>
-              <a:rPr lang="zh-TW" altLang="en-US" dirty="0"/>
-              <a:t>與</a:t>
-            </a:r>
-            <a:r>
-              <a:rPr lang="en-US" altLang="zh-TW" dirty="0"/>
-              <a:t>MARC0</a:t>
-            </a:r>
-            <a:r>
-              <a:rPr lang="zh-TW" altLang="en-US" dirty="0"/>
-              <a:t>比較</a:t>
-            </a:r>
-            <a:r>
-              <a:rPr lang="en-US" altLang="zh-TW" dirty="0"/>
-              <a:t>(</a:t>
-            </a:r>
-            <a:r>
-              <a:rPr lang="zh-TW" altLang="en-US" dirty="0"/>
-              <a:t>第一</a:t>
-            </a:r>
-            <a:r>
-              <a:rPr lang="en-US" altLang="zh-TW" dirty="0"/>
-              <a:t>)</a:t>
-            </a:r>
-            <a:br>
-              <a:rPr lang="en-US" altLang="zh-TW" dirty="0"/>
-            </a:br>
-            <a:endParaRPr lang="zh-TW" altLang="en-US" dirty="0"/>
-          </a:p>
-        </p:txBody>
-      </p:sp>
-      <p:pic>
-        <p:nvPicPr>
-          <p:cNvPr id="7" name="圖片 6">
-            <a:extLst>
-              <a:ext uri="{FF2B5EF4-FFF2-40B4-BE49-F238E27FC236}">
-                <a16:creationId xmlns:a16="http://schemas.microsoft.com/office/drawing/2014/main" id="{8E33BC58-4597-F816-C98D-703D84196EEB}"/>
+                <a16:creationId xmlns:a16="http://schemas.microsoft.com/office/drawing/2014/main" id="{B05DB01C-811E-4233-AE12-639914C8C2CC}"/>
               </a:ext>
             </a:extLst>
           </p:cNvPr>
@@ -11162,27 +10837,76 @@
           <p:nvPr/>
         </p:nvPicPr>
         <p:blipFill>
-          <a:blip r:embed="rId6"/>
+          <a:blip r:embed="rId2"/>
           <a:stretch>
             <a:fillRect/>
           </a:stretch>
         </p:blipFill>
         <p:spPr>
           <a:xfrm>
-            <a:off x="6302422" y="1636013"/>
-            <a:ext cx="5333559" cy="3998645"/>
+            <a:off x="1769635" y="647030"/>
+            <a:ext cx="9720000" cy="1977262"/>
           </a:xfrm>
           <a:prstGeom prst="rect">
             <a:avLst/>
           </a:prstGeom>
         </p:spPr>
       </p:pic>
+      <p:sp>
+        <p:nvSpPr>
+          <p:cNvPr id="6" name="矩形 5">
+            <a:extLst>
+              <a:ext uri="{FF2B5EF4-FFF2-40B4-BE49-F238E27FC236}">
+                <a16:creationId xmlns:a16="http://schemas.microsoft.com/office/drawing/2014/main" id="{1153708F-E64C-47ED-BB4A-C68DF5E4442C}"/>
+              </a:ext>
+            </a:extLst>
+          </p:cNvPr>
+          <p:cNvSpPr/>
+          <p:nvPr/>
+        </p:nvSpPr>
+        <p:spPr>
+          <a:xfrm>
+            <a:off x="254477" y="2039517"/>
+            <a:ext cx="1515158" cy="584775"/>
+          </a:xfrm>
+          <a:prstGeom prst="rect">
+            <a:avLst/>
+          </a:prstGeom>
+        </p:spPr>
+        <p:txBody>
+          <a:bodyPr wrap="none">
+            <a:spAutoFit/>
+          </a:bodyPr>
+          <a:lstStyle/>
+          <a:p>
+            <a:r>
+              <a:rPr lang="en-US" altLang="zh-TW" sz="3200" dirty="0">
+                <a:solidFill>
+                  <a:schemeClr val="accent1"/>
+                </a:solidFill>
+                <a:latin typeface="+mj-lt"/>
+                <a:ea typeface="+mj-ea"/>
+                <a:cs typeface="+mj-cs"/>
+              </a:rPr>
+              <a:t>MABW0</a:t>
+            </a:r>
+            <a:endParaRPr lang="zh-TW" altLang="en-US" sz="3200" dirty="0">
+              <a:solidFill>
+                <a:schemeClr val="accent1"/>
+              </a:solidFill>
+              <a:latin typeface="+mj-lt"/>
+              <a:ea typeface="+mj-ea"/>
+              <a:cs typeface="+mj-cs"/>
+            </a:endParaRPr>
+          </a:p>
+        </p:txBody>
+      </p:sp>
       <p:pic>
         <p:nvPicPr>
-          <p:cNvPr id="15" name="圖片 14">
+          <p:cNvPr id="9" name="圖片 8">
             <a:extLst>
               <a:ext uri="{FF2B5EF4-FFF2-40B4-BE49-F238E27FC236}">
-                <a16:creationId xmlns:a16="http://schemas.microsoft.com/office/drawing/2014/main" id="{DF85E795-8CFF-EBB1-74C3-4AB8C121A19E}"/>
+                <a16:creationId xmlns:a16="http://schemas.microsoft.com/office/drawing/2014/main" id="{BADA3789-154A-4CA8-B221-5A7B65B43BAF}"/>
               </a:ext>
             </a:extLst>
           </p:cNvPr>
@@ -11192,15 +10916,15 @@
           <p:nvPr/>
         </p:nvPicPr>
         <p:blipFill>
-          <a:blip r:embed="rId7"/>
+          <a:blip r:embed="rId3"/>
           <a:stretch>
             <a:fillRect/>
           </a:stretch>
         </p:blipFill>
         <p:spPr>
           <a:xfrm>
-            <a:off x="677334" y="1636013"/>
-            <a:ext cx="5333559" cy="3998645"/>
+            <a:off x="7740588" y="3064345"/>
+            <a:ext cx="3749047" cy="3593599"/>
           </a:xfrm>
           <a:prstGeom prst="rect">
             <a:avLst/>
@@ -11209,228 +10933,126 @@
       </p:pic>
       <p:pic>
         <p:nvPicPr>
-          <p:cNvPr id="16" name="SA1_MBJV0_E_max_1">
-            <a:hlinkClick r:id="" action="ppaction://media"/>
+          <p:cNvPr id="11" name="圖片 10">
             <a:extLst>
               <a:ext uri="{FF2B5EF4-FFF2-40B4-BE49-F238E27FC236}">
-                <a16:creationId xmlns:a16="http://schemas.microsoft.com/office/drawing/2014/main" id="{4CF4DC92-3045-30D4-0D9C-55DA341CFCE5}"/>
+                <a16:creationId xmlns:a16="http://schemas.microsoft.com/office/drawing/2014/main" id="{DC63CC8D-8CFB-4E4E-A27D-86270DE90DFF}"/>
               </a:ext>
             </a:extLst>
           </p:cNvPr>
           <p:cNvPicPr>
             <a:picLocks noChangeAspect="1"/>
           </p:cNvPicPr>
-          <p:nvPr>
-            <a:audioFile r:link="rId2"/>
-            <p:extLst>
-              <p:ext uri="{DAA4B4D4-6D71-4841-9C94-3DE7FCFB9230}">
-                <p14:media xmlns:p14="http://schemas.microsoft.com/office/powerpoint/2010/main" r:embed="rId1"/>
-              </p:ext>
-            </p:extLst>
-          </p:nvPr>
+          <p:nvPr/>
         </p:nvPicPr>
         <p:blipFill>
-          <a:blip r:embed="rId8"/>
+          <a:blip r:embed="rId4"/>
           <a:stretch>
             <a:fillRect/>
           </a:stretch>
         </p:blipFill>
         <p:spPr>
           <a:xfrm>
-            <a:off x="3039313" y="5634658"/>
-            <a:ext cx="609600" cy="609600"/>
+            <a:off x="1769635" y="3064345"/>
+            <a:ext cx="3749047" cy="3593599"/>
           </a:xfrm>
           <a:prstGeom prst="rect">
             <a:avLst/>
           </a:prstGeom>
         </p:spPr>
       </p:pic>
-      <p:pic>
-        <p:nvPicPr>
-          <p:cNvPr id="17" name="SA1_MARC0_E_max_1">
-            <a:hlinkClick r:id="" action="ppaction://media"/>
+      <p:sp>
+        <p:nvSpPr>
+          <p:cNvPr id="12" name="矩形 11">
             <a:extLst>
               <a:ext uri="{FF2B5EF4-FFF2-40B4-BE49-F238E27FC236}">
-                <a16:creationId xmlns:a16="http://schemas.microsoft.com/office/drawing/2014/main" id="{BB734C1B-BD4B-830C-7CC5-F89BD3D33F78}"/>
+                <a16:creationId xmlns:a16="http://schemas.microsoft.com/office/drawing/2014/main" id="{BD2F90FF-A1CE-4234-8AE1-DFDA9C1E5DFE}"/>
               </a:ext>
             </a:extLst>
           </p:cNvPr>
-          <p:cNvPicPr>
-            <a:picLocks noChangeAspect="1"/>
-          </p:cNvPicPr>
-          <p:nvPr>
-            <a:audioFile r:link="rId4"/>
-            <p:extLst>
-              <p:ext uri="{DAA4B4D4-6D71-4841-9C94-3DE7FCFB9230}">
-                <p14:media xmlns:p14="http://schemas.microsoft.com/office/powerpoint/2010/main" r:embed="rId3"/>
-              </p:ext>
-            </p:extLst>
-          </p:nvPr>
-        </p:nvPicPr>
-        <p:blipFill>
-          <a:blip r:embed="rId8"/>
-          <a:stretch>
-            <a:fillRect/>
-          </a:stretch>
-        </p:blipFill>
-        <p:spPr>
-          <a:xfrm>
-            <a:off x="8816802" y="5634658"/>
-            <a:ext cx="609600" cy="609600"/>
+          <p:cNvSpPr/>
+          <p:nvPr/>
+        </p:nvSpPr>
+        <p:spPr>
+          <a:xfrm>
+            <a:off x="353863" y="4568756"/>
+            <a:ext cx="1415772" cy="584775"/>
           </a:xfrm>
           <a:prstGeom prst="rect">
             <a:avLst/>
           </a:prstGeom>
         </p:spPr>
-      </p:pic>
+        <p:txBody>
+          <a:bodyPr wrap="none">
+            <a:spAutoFit/>
+          </a:bodyPr>
+          <a:lstStyle/>
+          <a:p>
+            <a:r>
+              <a:rPr lang="zh-TW" altLang="en-US" sz="3200" dirty="0">
+                <a:solidFill>
+                  <a:schemeClr val="accent1"/>
+                </a:solidFill>
+                <a:latin typeface="+mj-lt"/>
+                <a:ea typeface="+mj-ea"/>
+                <a:cs typeface="+mj-cs"/>
+              </a:rPr>
+              <a:t>取中間</a:t>
+            </a:r>
+          </a:p>
+        </p:txBody>
+      </p:sp>
+      <p:sp>
+        <p:nvSpPr>
+          <p:cNvPr id="13" name="矩形 12">
+            <a:extLst>
+              <a:ext uri="{FF2B5EF4-FFF2-40B4-BE49-F238E27FC236}">
+                <a16:creationId xmlns:a16="http://schemas.microsoft.com/office/drawing/2014/main" id="{BAC8B4C9-B769-4669-9712-20EF556D4C0C}"/>
+              </a:ext>
+            </a:extLst>
+          </p:cNvPr>
+          <p:cNvSpPr/>
+          <p:nvPr/>
+        </p:nvSpPr>
+        <p:spPr>
+          <a:xfrm>
+            <a:off x="6324816" y="4568755"/>
+            <a:ext cx="1415772" cy="584775"/>
+          </a:xfrm>
+          <a:prstGeom prst="rect">
+            <a:avLst/>
+          </a:prstGeom>
+        </p:spPr>
+        <p:txBody>
+          <a:bodyPr wrap="none">
+            <a:spAutoFit/>
+          </a:bodyPr>
+          <a:lstStyle/>
+          <a:p>
+            <a:r>
+              <a:rPr lang="zh-TW" altLang="en-US" sz="3200" dirty="0">
+                <a:solidFill>
+                  <a:schemeClr val="accent1"/>
+                </a:solidFill>
+                <a:latin typeface="+mj-lt"/>
+                <a:ea typeface="+mj-ea"/>
+                <a:cs typeface="+mj-cs"/>
+              </a:rPr>
+              <a:t>平均取</a:t>
+            </a:r>
+          </a:p>
+        </p:txBody>
+      </p:sp>
     </p:spTree>
     <p:extLst>
       <p:ext uri="{BB962C8B-B14F-4D97-AF65-F5344CB8AC3E}">
-        <p14:creationId xmlns:p14="http://schemas.microsoft.com/office/powerpoint/2010/main" val="3719844293"/>
+        <p14:creationId xmlns:p14="http://schemas.microsoft.com/office/powerpoint/2010/main" val="3675973277"/>
       </p:ext>
     </p:extLst>
   </p:cSld>
   <p:clrMapOvr>
     <a:masterClrMapping/>
   </p:clrMapOvr>
-  <p:timing>
-    <p:tnLst>
-      <p:par>
-        <p:cTn id="1" dur="indefinite" restart="never" nodeType="tmRoot">
-          <p:childTnLst>
-            <p:seq concurrent="1" nextAc="seek">
-              <p:cTn id="2" dur="indefinite" nodeType="mainSeq">
-                <p:childTnLst>
-                  <p:par>
-                    <p:cTn id="3" fill="hold">
-                      <p:stCondLst>
-                        <p:cond delay="indefinite"/>
-                      </p:stCondLst>
-                      <p:childTnLst>
-                        <p:par>
-                          <p:cTn id="4" fill="hold">
-                            <p:stCondLst>
-                              <p:cond delay="0"/>
-                            </p:stCondLst>
-                            <p:childTnLst>
-                              <p:par>
-                                <p:cTn id="5" presetID="1" presetClass="mediacall" presetSubtype="0" fill="hold" nodeType="clickEffect">
-                                  <p:stCondLst>
-                                    <p:cond delay="0"/>
-                                  </p:stCondLst>
-                                  <p:childTnLst>
-                                    <p:cmd type="call" cmd="playFrom(0.0)">
-                                      <p:cBhvr>
-                                        <p:cTn id="6" dur="195" fill="hold"/>
-                                        <p:tgtEl>
-                                          <p:spTgt spid="16"/>
-                                        </p:tgtEl>
-                                      </p:cBhvr>
-                                    </p:cmd>
-                                  </p:childTnLst>
-                                </p:cTn>
-                              </p:par>
-                            </p:childTnLst>
-                          </p:cTn>
-                        </p:par>
-                      </p:childTnLst>
-                    </p:cTn>
-                  </p:par>
-                  <p:par>
-                    <p:cTn id="7" fill="hold">
-                      <p:stCondLst>
-                        <p:cond delay="indefinite"/>
-                      </p:stCondLst>
-                      <p:childTnLst>
-                        <p:par>
-                          <p:cTn id="8" fill="hold">
-                            <p:stCondLst>
-                              <p:cond delay="0"/>
-                            </p:stCondLst>
-                            <p:childTnLst>
-                              <p:par>
-                                <p:cTn id="9" presetID="1" presetClass="mediacall" presetSubtype="0" fill="hold" nodeType="clickEffect">
-                                  <p:stCondLst>
-                                    <p:cond delay="0"/>
-                                  </p:stCondLst>
-                                  <p:childTnLst>
-                                    <p:cmd type="call" cmd="playFrom(0.0)">
-                                      <p:cBhvr>
-                                        <p:cTn id="10" dur="128" fill="hold"/>
-                                        <p:tgtEl>
-                                          <p:spTgt spid="17"/>
-                                        </p:tgtEl>
-                                      </p:cBhvr>
-                                    </p:cmd>
-                                  </p:childTnLst>
-                                </p:cTn>
-                              </p:par>
-                            </p:childTnLst>
-                          </p:cTn>
-                        </p:par>
-                      </p:childTnLst>
-                    </p:cTn>
-                  </p:par>
-                </p:childTnLst>
-              </p:cTn>
-              <p:prevCondLst>
-                <p:cond evt="onPrev" delay="0">
-                  <p:tgtEl>
-                    <p:sldTgt/>
-                  </p:tgtEl>
-                </p:cond>
-              </p:prevCondLst>
-              <p:nextCondLst>
-                <p:cond evt="onNext" delay="0">
-                  <p:tgtEl>
-                    <p:sldTgt/>
-                  </p:tgtEl>
-                </p:cond>
-              </p:nextCondLst>
-            </p:seq>
-            <p:audio>
-              <p:cMediaNode vol="80000">
-                <p:cTn id="11" fill="hold" display="0">
-                  <p:stCondLst>
-                    <p:cond delay="indefinite"/>
-                  </p:stCondLst>
-                  <p:endCondLst>
-                    <p:cond evt="onStopAudio" delay="0">
-                      <p:tgtEl>
-                        <p:sldTgt/>
-                      </p:tgtEl>
-                    </p:cond>
-                  </p:endCondLst>
-                </p:cTn>
-                <p:tgtEl>
-                  <p:spTgt spid="16"/>
-                </p:tgtEl>
-              </p:cMediaNode>
-            </p:audio>
-            <p:audio>
-              <p:cMediaNode vol="80000">
-                <p:cTn id="12" fill="hold" display="0">
-                  <p:stCondLst>
-                    <p:cond delay="indefinite"/>
-                  </p:stCondLst>
-                  <p:endCondLst>
-                    <p:cond evt="onStopAudio" delay="0">
-                      <p:tgtEl>
-                        <p:sldTgt/>
-                      </p:tgtEl>
-                    </p:cond>
-                  </p:endCondLst>
-                </p:cTn>
-                <p:tgtEl>
-                  <p:spTgt spid="17"/>
-                </p:tgtEl>
-              </p:cMediaNode>
-            </p:audio>
-          </p:childTnLst>
-        </p:cTn>
-      </p:par>
-    </p:tnLst>
-  </p:timing>
 </p:sld>
 </file>
 
@@ -11453,30 +11075,6 @@
       </p:grpSpPr>
       <p:sp>
         <p:nvSpPr>
-          <p:cNvPr id="2" name="標題 1"/>
-          <p:cNvSpPr>
-            <a:spLocks noGrp="1"/>
-          </p:cNvSpPr>
-          <p:nvPr>
-            <p:ph type="title"/>
-          </p:nvPr>
-        </p:nvSpPr>
-        <p:spPr/>
-        <p:txBody>
-          <a:bodyPr>
-            <a:normAutofit/>
-          </a:bodyPr>
-          <a:lstStyle/>
-          <a:p>
-            <a:br>
-              <a:rPr lang="en-US" altLang="zh-TW" dirty="0"/>
-            </a:br>
-            <a:endParaRPr lang="zh-TW" altLang="en-US" dirty="0"/>
-          </a:p>
-        </p:txBody>
-      </p:sp>
-      <p:sp>
-        <p:nvSpPr>
           <p:cNvPr id="5" name="文字方塊 4">
             <a:extLst>
               <a:ext uri="{FF2B5EF4-FFF2-40B4-BE49-F238E27FC236}">
@@ -11527,147 +11125,12 @@
           </a:p>
         </p:txBody>
       </p:sp>
-      <p:sp>
-        <p:nvSpPr>
-          <p:cNvPr id="10" name="標題 1">
+      <p:pic>
+        <p:nvPicPr>
+          <p:cNvPr id="9" name="圖片 8">
             <a:extLst>
               <a:ext uri="{FF2B5EF4-FFF2-40B4-BE49-F238E27FC236}">
-                <a16:creationId xmlns:a16="http://schemas.microsoft.com/office/drawing/2014/main" id="{66F794C4-EB0C-4E8A-A5B9-6048138809A1}"/>
-              </a:ext>
-            </a:extLst>
-          </p:cNvPr>
-          <p:cNvSpPr txBox="1">
-            <a:spLocks/>
-          </p:cNvSpPr>
-          <p:nvPr/>
-        </p:nvSpPr>
-        <p:spPr>
-          <a:xfrm>
-            <a:off x="829734" y="762000"/>
-            <a:ext cx="8596668" cy="1320800"/>
-          </a:xfrm>
-          <a:prstGeom prst="rect">
-            <a:avLst/>
-          </a:prstGeom>
-        </p:spPr>
-        <p:txBody>
-          <a:bodyPr vert="horz" lIns="91440" tIns="45720" rIns="91440" bIns="45720" rtlCol="0" anchor="t">
-            <a:normAutofit/>
-          </a:bodyPr>
-          <a:lstStyle>
-            <a:lvl1pPr algn="l" defTabSz="457200" rtl="0" eaLnBrk="1" latinLnBrk="0" hangingPunct="1">
-              <a:spcBef>
-                <a:spcPct val="0"/>
-              </a:spcBef>
-              <a:buNone/>
-              <a:defRPr sz="3600" kern="1200">
-                <a:solidFill>
-                  <a:schemeClr val="accent1"/>
-                </a:solidFill>
-                <a:latin typeface="+mj-lt"/>
-                <a:ea typeface="+mj-ea"/>
-                <a:cs typeface="+mj-cs"/>
-              </a:defRPr>
-            </a:lvl1pPr>
-            <a:lvl2pPr eaLnBrk="1" hangingPunct="1">
-              <a:defRPr>
-                <a:solidFill>
-                  <a:schemeClr val="tx2"/>
-                </a:solidFill>
-              </a:defRPr>
-            </a:lvl2pPr>
-            <a:lvl3pPr eaLnBrk="1" hangingPunct="1">
-              <a:defRPr>
-                <a:solidFill>
-                  <a:schemeClr val="tx2"/>
-                </a:solidFill>
-              </a:defRPr>
-            </a:lvl3pPr>
-            <a:lvl4pPr eaLnBrk="1" hangingPunct="1">
-              <a:defRPr>
-                <a:solidFill>
-                  <a:schemeClr val="tx2"/>
-                </a:solidFill>
-              </a:defRPr>
-            </a:lvl4pPr>
-            <a:lvl5pPr eaLnBrk="1" hangingPunct="1">
-              <a:defRPr>
-                <a:solidFill>
-                  <a:schemeClr val="tx2"/>
-                </a:solidFill>
-              </a:defRPr>
-            </a:lvl5pPr>
-            <a:lvl6pPr eaLnBrk="1" hangingPunct="1">
-              <a:defRPr>
-                <a:solidFill>
-                  <a:schemeClr val="tx2"/>
-                </a:solidFill>
-              </a:defRPr>
-            </a:lvl6pPr>
-            <a:lvl7pPr eaLnBrk="1" hangingPunct="1">
-              <a:defRPr>
-                <a:solidFill>
-                  <a:schemeClr val="tx2"/>
-                </a:solidFill>
-              </a:defRPr>
-            </a:lvl7pPr>
-            <a:lvl8pPr eaLnBrk="1" hangingPunct="1">
-              <a:defRPr>
-                <a:solidFill>
-                  <a:schemeClr val="tx2"/>
-                </a:solidFill>
-              </a:defRPr>
-            </a:lvl8pPr>
-            <a:lvl9pPr eaLnBrk="1" hangingPunct="1">
-              <a:defRPr>
-                <a:solidFill>
-                  <a:schemeClr val="tx2"/>
-                </a:solidFill>
-              </a:defRPr>
-            </a:lvl9pPr>
-          </a:lstStyle>
-          <a:p>
-            <a:r>
-              <a:rPr lang="en-US" altLang="zh-TW" dirty="0"/>
-              <a:t>DR2-MBJV0</a:t>
-            </a:r>
-            <a:r>
-              <a:rPr lang="zh-TW" altLang="en-US" dirty="0"/>
-              <a:t>與</a:t>
-            </a:r>
-            <a:r>
-              <a:rPr lang="en-US" altLang="zh-TW" dirty="0"/>
-              <a:t>MARC0</a:t>
-            </a:r>
-            <a:r>
-              <a:rPr lang="zh-TW" altLang="en-US" dirty="0"/>
-              <a:t>比較</a:t>
-            </a:r>
-            <a:r>
-              <a:rPr lang="en-US" altLang="zh-TW" dirty="0"/>
-              <a:t>(</a:t>
-            </a:r>
-            <a:r>
-              <a:rPr lang="zh-TW" altLang="en-US" dirty="0"/>
-              <a:t>第二、三</a:t>
-            </a:r>
-            <a:r>
-              <a:rPr lang="en-US" altLang="zh-TW" dirty="0"/>
-              <a:t>)</a:t>
-            </a:r>
-            <a:br>
-              <a:rPr lang="en-US" altLang="zh-TW" dirty="0"/>
-            </a:br>
-            <a:endParaRPr lang="zh-TW" altLang="en-US" dirty="0"/>
-          </a:p>
-        </p:txBody>
-      </p:sp>
-      <p:pic>
-        <p:nvPicPr>
-          <p:cNvPr id="18" name="圖片 17">
-            <a:extLst>
-              <a:ext uri="{FF2B5EF4-FFF2-40B4-BE49-F238E27FC236}">
-                <a16:creationId xmlns:a16="http://schemas.microsoft.com/office/drawing/2014/main" id="{CFB2A673-791C-E41A-892C-7CBF9A5B6C76}"/>
+                <a16:creationId xmlns:a16="http://schemas.microsoft.com/office/drawing/2014/main" id="{6C3E6E4E-0FAB-4AC9-AEB1-F2089FB6B6FC}"/>
               </a:ext>
             </a:extLst>
           </p:cNvPr>
@@ -11677,27 +11140,70 @@
           <p:nvPr/>
         </p:nvPicPr>
         <p:blipFill>
-          <a:blip r:embed="rId10"/>
+          <a:blip r:embed="rId2"/>
           <a:stretch>
             <a:fillRect/>
           </a:stretch>
         </p:blipFill>
         <p:spPr>
           <a:xfrm>
-            <a:off x="677334" y="1521987"/>
-            <a:ext cx="3361281" cy="2520000"/>
+            <a:off x="1769635" y="723063"/>
+            <a:ext cx="9720000" cy="1709829"/>
           </a:xfrm>
           <a:prstGeom prst="rect">
             <a:avLst/>
           </a:prstGeom>
         </p:spPr>
       </p:pic>
+      <p:sp>
+        <p:nvSpPr>
+          <p:cNvPr id="11" name="矩形 10">
+            <a:extLst>
+              <a:ext uri="{FF2B5EF4-FFF2-40B4-BE49-F238E27FC236}">
+                <a16:creationId xmlns:a16="http://schemas.microsoft.com/office/drawing/2014/main" id="{B7A6CA01-C421-4CC7-B096-8538382D1196}"/>
+              </a:ext>
+            </a:extLst>
+          </p:cNvPr>
+          <p:cNvSpPr/>
+          <p:nvPr/>
+        </p:nvSpPr>
+        <p:spPr>
+          <a:xfrm>
+            <a:off x="414777" y="1848117"/>
+            <a:ext cx="1354858" cy="584775"/>
+          </a:xfrm>
+          <a:prstGeom prst="rect">
+            <a:avLst/>
+          </a:prstGeom>
+        </p:spPr>
+        <p:txBody>
+          <a:bodyPr wrap="none">
+            <a:spAutoFit/>
+          </a:bodyPr>
+          <a:lstStyle/>
+          <a:p>
+            <a:r>
+              <a:rPr lang="en-US" altLang="zh-TW" sz="3200" dirty="0">
+                <a:solidFill>
+                  <a:schemeClr val="accent1"/>
+                </a:solidFill>
+              </a:rPr>
+              <a:t>MBJK0</a:t>
+            </a:r>
+            <a:endParaRPr lang="zh-TW" altLang="en-US" sz="3200" dirty="0">
+              <a:solidFill>
+                <a:schemeClr val="accent1"/>
+              </a:solidFill>
+            </a:endParaRPr>
+          </a:p>
+        </p:txBody>
+      </p:sp>
       <p:pic>
         <p:nvPicPr>
-          <p:cNvPr id="20" name="圖片 19">
+          <p:cNvPr id="13" name="圖片 12">
             <a:extLst>
               <a:ext uri="{FF2B5EF4-FFF2-40B4-BE49-F238E27FC236}">
-                <a16:creationId xmlns:a16="http://schemas.microsoft.com/office/drawing/2014/main" id="{CDA7BFFB-7FEE-A330-F360-80C152BBD30D}"/>
+                <a16:creationId xmlns:a16="http://schemas.microsoft.com/office/drawing/2014/main" id="{6FFB5005-8D85-44CA-B6CA-B6A229DEF0E5}"/>
               </a:ext>
             </a:extLst>
           </p:cNvPr>
@@ -11707,15 +11213,15 @@
           <p:nvPr/>
         </p:nvPicPr>
         <p:blipFill>
-          <a:blip r:embed="rId11"/>
+          <a:blip r:embed="rId3"/>
           <a:stretch>
             <a:fillRect/>
           </a:stretch>
         </p:blipFill>
         <p:spPr>
           <a:xfrm>
-            <a:off x="677334" y="4041987"/>
-            <a:ext cx="3361281" cy="2520000"/>
+            <a:off x="7740588" y="2988809"/>
+            <a:ext cx="3749047" cy="3593599"/>
           </a:xfrm>
           <a:prstGeom prst="rect">
             <a:avLst/>
@@ -11724,86 +11230,10 @@
       </p:pic>
       <p:pic>
         <p:nvPicPr>
-          <p:cNvPr id="21" name="SA1_MBJV0_E_max_2">
-            <a:hlinkClick r:id="" action="ppaction://media"/>
+          <p:cNvPr id="15" name="圖片 14">
             <a:extLst>
               <a:ext uri="{FF2B5EF4-FFF2-40B4-BE49-F238E27FC236}">
-                <a16:creationId xmlns:a16="http://schemas.microsoft.com/office/drawing/2014/main" id="{757407DF-1578-5B3F-48D5-80B8870E5480}"/>
-              </a:ext>
-            </a:extLst>
-          </p:cNvPr>
-          <p:cNvPicPr>
-            <a:picLocks noChangeAspect="1"/>
-          </p:cNvPicPr>
-          <p:nvPr>
-            <a:audioFile r:link="rId2"/>
-            <p:extLst>
-              <p:ext uri="{DAA4B4D4-6D71-4841-9C94-3DE7FCFB9230}">
-                <p14:media xmlns:p14="http://schemas.microsoft.com/office/powerpoint/2010/main" r:embed="rId1"/>
-              </p:ext>
-            </p:extLst>
-          </p:nvPr>
-        </p:nvPicPr>
-        <p:blipFill>
-          <a:blip r:embed="rId12"/>
-          <a:stretch>
-            <a:fillRect/>
-          </a:stretch>
-        </p:blipFill>
-        <p:spPr>
-          <a:xfrm>
-            <a:off x="3908920" y="3432387"/>
-            <a:ext cx="609600" cy="609600"/>
-          </a:xfrm>
-          <a:prstGeom prst="rect">
-            <a:avLst/>
-          </a:prstGeom>
-        </p:spPr>
-      </p:pic>
-      <p:pic>
-        <p:nvPicPr>
-          <p:cNvPr id="22" name="SA1_MBJV0_E_max_3">
-            <a:hlinkClick r:id="" action="ppaction://media"/>
-            <a:extLst>
-              <a:ext uri="{FF2B5EF4-FFF2-40B4-BE49-F238E27FC236}">
-                <a16:creationId xmlns:a16="http://schemas.microsoft.com/office/drawing/2014/main" id="{9AC77B40-87B7-2E8E-E340-6C569B34CFFA}"/>
-              </a:ext>
-            </a:extLst>
-          </p:cNvPr>
-          <p:cNvPicPr>
-            <a:picLocks noChangeAspect="1"/>
-          </p:cNvPicPr>
-          <p:nvPr>
-            <a:audioFile r:link="rId4"/>
-            <p:extLst>
-              <p:ext uri="{DAA4B4D4-6D71-4841-9C94-3DE7FCFB9230}">
-                <p14:media xmlns:p14="http://schemas.microsoft.com/office/powerpoint/2010/main" r:embed="rId3"/>
-              </p:ext>
-            </p:extLst>
-          </p:nvPr>
-        </p:nvPicPr>
-        <p:blipFill>
-          <a:blip r:embed="rId12"/>
-          <a:stretch>
-            <a:fillRect/>
-          </a:stretch>
-        </p:blipFill>
-        <p:spPr>
-          <a:xfrm>
-            <a:off x="3908920" y="5952387"/>
-            <a:ext cx="609600" cy="609600"/>
-          </a:xfrm>
-          <a:prstGeom prst="rect">
-            <a:avLst/>
-          </a:prstGeom>
-        </p:spPr>
-      </p:pic>
-      <p:pic>
-        <p:nvPicPr>
-          <p:cNvPr id="24" name="圖片 23">
-            <a:extLst>
-              <a:ext uri="{FF2B5EF4-FFF2-40B4-BE49-F238E27FC236}">
-                <a16:creationId xmlns:a16="http://schemas.microsoft.com/office/drawing/2014/main" id="{12059460-22CF-FBD4-3E56-5BDE0A319026}"/>
+                <a16:creationId xmlns:a16="http://schemas.microsoft.com/office/drawing/2014/main" id="{1AB3AB2E-BC7F-4C9F-A27C-E59D40FDF835}"/>
               </a:ext>
             </a:extLst>
           </p:cNvPr>
@@ -11813,383 +11243,113 @@
           <p:nvPr/>
         </p:nvPicPr>
         <p:blipFill>
-          <a:blip r:embed="rId13"/>
+          <a:blip r:embed="rId4"/>
           <a:stretch>
             <a:fillRect/>
           </a:stretch>
         </p:blipFill>
         <p:spPr>
           <a:xfrm>
-            <a:off x="5328913" y="1521987"/>
-            <a:ext cx="3361281" cy="2520000"/>
+            <a:off x="1769635" y="2988809"/>
+            <a:ext cx="3749047" cy="3593599"/>
           </a:xfrm>
           <a:prstGeom prst="rect">
             <a:avLst/>
           </a:prstGeom>
         </p:spPr>
       </p:pic>
-      <p:pic>
-        <p:nvPicPr>
-          <p:cNvPr id="26" name="圖片 25">
+      <p:sp>
+        <p:nvSpPr>
+          <p:cNvPr id="16" name="矩形 15">
             <a:extLst>
               <a:ext uri="{FF2B5EF4-FFF2-40B4-BE49-F238E27FC236}">
-                <a16:creationId xmlns:a16="http://schemas.microsoft.com/office/drawing/2014/main" id="{BE8B2011-B138-4BEA-8854-E36D8EBE176C}"/>
+                <a16:creationId xmlns:a16="http://schemas.microsoft.com/office/drawing/2014/main" id="{79FF201E-6B96-4B50-B821-5A79FF3AE050}"/>
               </a:ext>
             </a:extLst>
           </p:cNvPr>
-          <p:cNvPicPr>
-            <a:picLocks noChangeAspect="1"/>
-          </p:cNvPicPr>
+          <p:cNvSpPr/>
           <p:nvPr/>
-        </p:nvPicPr>
-        <p:blipFill>
-          <a:blip r:embed="rId14"/>
-          <a:stretch>
-            <a:fillRect/>
-          </a:stretch>
-        </p:blipFill>
-        <p:spPr>
-          <a:xfrm>
-            <a:off x="5328913" y="4041987"/>
-            <a:ext cx="3361281" cy="2520000"/>
+        </p:nvSpPr>
+        <p:spPr>
+          <a:xfrm>
+            <a:off x="353863" y="4568756"/>
+            <a:ext cx="1415772" cy="584775"/>
           </a:xfrm>
           <a:prstGeom prst="rect">
             <a:avLst/>
           </a:prstGeom>
         </p:spPr>
-      </p:pic>
-      <p:pic>
-        <p:nvPicPr>
-          <p:cNvPr id="27" name="SA1_MARC0_E_max_2">
-            <a:hlinkClick r:id="" action="ppaction://media"/>
+        <p:txBody>
+          <a:bodyPr wrap="none">
+            <a:spAutoFit/>
+          </a:bodyPr>
+          <a:lstStyle/>
+          <a:p>
+            <a:r>
+              <a:rPr lang="zh-TW" altLang="en-US" sz="3200" dirty="0">
+                <a:solidFill>
+                  <a:schemeClr val="accent1"/>
+                </a:solidFill>
+                <a:latin typeface="+mj-lt"/>
+                <a:ea typeface="+mj-ea"/>
+                <a:cs typeface="+mj-cs"/>
+              </a:rPr>
+              <a:t>取中間</a:t>
+            </a:r>
+          </a:p>
+        </p:txBody>
+      </p:sp>
+      <p:sp>
+        <p:nvSpPr>
+          <p:cNvPr id="17" name="矩形 16">
             <a:extLst>
               <a:ext uri="{FF2B5EF4-FFF2-40B4-BE49-F238E27FC236}">
-                <a16:creationId xmlns:a16="http://schemas.microsoft.com/office/drawing/2014/main" id="{2E89CBCD-A5F9-04C5-47CD-BD2BAEEAFD1E}"/>
+                <a16:creationId xmlns:a16="http://schemas.microsoft.com/office/drawing/2014/main" id="{834C23CB-64D8-4A95-AB6C-F3DDC167EA60}"/>
               </a:ext>
             </a:extLst>
           </p:cNvPr>
-          <p:cNvPicPr>
-            <a:picLocks noChangeAspect="1"/>
-          </p:cNvPicPr>
-          <p:nvPr>
-            <a:audioFile r:link="rId6"/>
-            <p:extLst>
-              <p:ext uri="{DAA4B4D4-6D71-4841-9C94-3DE7FCFB9230}">
-                <p14:media xmlns:p14="http://schemas.microsoft.com/office/powerpoint/2010/main" r:embed="rId5"/>
-              </p:ext>
-            </p:extLst>
-          </p:nvPr>
-        </p:nvPicPr>
-        <p:blipFill>
-          <a:blip r:embed="rId12"/>
-          <a:stretch>
-            <a:fillRect/>
-          </a:stretch>
-        </p:blipFill>
-        <p:spPr>
-          <a:xfrm>
-            <a:off x="8564970" y="3432387"/>
-            <a:ext cx="609600" cy="609600"/>
+          <p:cNvSpPr/>
+          <p:nvPr/>
+        </p:nvSpPr>
+        <p:spPr>
+          <a:xfrm>
+            <a:off x="6324816" y="4568755"/>
+            <a:ext cx="1415772" cy="584775"/>
           </a:xfrm>
           <a:prstGeom prst="rect">
             <a:avLst/>
           </a:prstGeom>
         </p:spPr>
-      </p:pic>
-      <p:pic>
-        <p:nvPicPr>
-          <p:cNvPr id="28" name="SA1_MARC0_E_max_3">
-            <a:hlinkClick r:id="" action="ppaction://media"/>
-            <a:extLst>
-              <a:ext uri="{FF2B5EF4-FFF2-40B4-BE49-F238E27FC236}">
-                <a16:creationId xmlns:a16="http://schemas.microsoft.com/office/drawing/2014/main" id="{93B70588-0006-69BE-8255-D27BA61C8AD7}"/>
-              </a:ext>
-            </a:extLst>
-          </p:cNvPr>
-          <p:cNvPicPr>
-            <a:picLocks noChangeAspect="1"/>
-          </p:cNvPicPr>
-          <p:nvPr>
-            <a:audioFile r:link="rId8"/>
-            <p:extLst>
-              <p:ext uri="{DAA4B4D4-6D71-4841-9C94-3DE7FCFB9230}">
-                <p14:media xmlns:p14="http://schemas.microsoft.com/office/powerpoint/2010/main" r:embed="rId7"/>
-              </p:ext>
-            </p:extLst>
-          </p:nvPr>
-        </p:nvPicPr>
-        <p:blipFill>
-          <a:blip r:embed="rId12"/>
-          <a:stretch>
-            <a:fillRect/>
-          </a:stretch>
-        </p:blipFill>
-        <p:spPr>
-          <a:xfrm>
-            <a:off x="8564970" y="5952387"/>
-            <a:ext cx="609600" cy="609600"/>
-          </a:xfrm>
-          <a:prstGeom prst="rect">
-            <a:avLst/>
-          </a:prstGeom>
-        </p:spPr>
-      </p:pic>
+        <p:txBody>
+          <a:bodyPr wrap="none">
+            <a:spAutoFit/>
+          </a:bodyPr>
+          <a:lstStyle/>
+          <a:p>
+            <a:r>
+              <a:rPr lang="zh-TW" altLang="en-US" sz="3200" dirty="0">
+                <a:solidFill>
+                  <a:schemeClr val="accent1"/>
+                </a:solidFill>
+                <a:latin typeface="+mj-lt"/>
+                <a:ea typeface="+mj-ea"/>
+                <a:cs typeface="+mj-cs"/>
+              </a:rPr>
+              <a:t>平均取</a:t>
+            </a:r>
+          </a:p>
+        </p:txBody>
+      </p:sp>
     </p:spTree>
     <p:extLst>
       <p:ext uri="{BB962C8B-B14F-4D97-AF65-F5344CB8AC3E}">
-        <p14:creationId xmlns:p14="http://schemas.microsoft.com/office/powerpoint/2010/main" val="3803239562"/>
+        <p14:creationId xmlns:p14="http://schemas.microsoft.com/office/powerpoint/2010/main" val="1434220175"/>
       </p:ext>
     </p:extLst>
   </p:cSld>
   <p:clrMapOvr>
     <a:masterClrMapping/>
   </p:clrMapOvr>
-  <p:timing>
-    <p:tnLst>
-      <p:par>
-        <p:cTn id="1" dur="indefinite" restart="never" nodeType="tmRoot">
-          <p:childTnLst>
-            <p:seq concurrent="1" nextAc="seek">
-              <p:cTn id="2" dur="indefinite" nodeType="mainSeq">
-                <p:childTnLst>
-                  <p:par>
-                    <p:cTn id="3" fill="hold">
-                      <p:stCondLst>
-                        <p:cond delay="indefinite"/>
-                      </p:stCondLst>
-                      <p:childTnLst>
-                        <p:par>
-                          <p:cTn id="4" fill="hold">
-                            <p:stCondLst>
-                              <p:cond delay="0"/>
-                            </p:stCondLst>
-                            <p:childTnLst>
-                              <p:par>
-                                <p:cTn id="5" presetID="1" presetClass="mediacall" presetSubtype="0" fill="hold" nodeType="clickEffect">
-                                  <p:stCondLst>
-                                    <p:cond delay="0"/>
-                                  </p:stCondLst>
-                                  <p:childTnLst>
-                                    <p:cmd type="call" cmd="playFrom(0.0)">
-                                      <p:cBhvr>
-                                        <p:cTn id="6" dur="135" fill="hold"/>
-                                        <p:tgtEl>
-                                          <p:spTgt spid="21"/>
-                                        </p:tgtEl>
-                                      </p:cBhvr>
-                                    </p:cmd>
-                                  </p:childTnLst>
-                                </p:cTn>
-                              </p:par>
-                            </p:childTnLst>
-                          </p:cTn>
-                        </p:par>
-                      </p:childTnLst>
-                    </p:cTn>
-                  </p:par>
-                  <p:par>
-                    <p:cTn id="7" fill="hold">
-                      <p:stCondLst>
-                        <p:cond delay="indefinite"/>
-                      </p:stCondLst>
-                      <p:childTnLst>
-                        <p:par>
-                          <p:cTn id="8" fill="hold">
-                            <p:stCondLst>
-                              <p:cond delay="0"/>
-                            </p:stCondLst>
-                            <p:childTnLst>
-                              <p:par>
-                                <p:cTn id="9" presetID="1" presetClass="mediacall" presetSubtype="0" fill="hold" nodeType="clickEffect">
-                                  <p:stCondLst>
-                                    <p:cond delay="0"/>
-                                  </p:stCondLst>
-                                  <p:childTnLst>
-                                    <p:cmd type="call" cmd="playFrom(0.0)">
-                                      <p:cBhvr>
-                                        <p:cTn id="10" dur="135" fill="hold"/>
-                                        <p:tgtEl>
-                                          <p:spTgt spid="22"/>
-                                        </p:tgtEl>
-                                      </p:cBhvr>
-                                    </p:cmd>
-                                  </p:childTnLst>
-                                </p:cTn>
-                              </p:par>
-                            </p:childTnLst>
-                          </p:cTn>
-                        </p:par>
-                      </p:childTnLst>
-                    </p:cTn>
-                  </p:par>
-                  <p:par>
-                    <p:cTn id="11" fill="hold">
-                      <p:stCondLst>
-                        <p:cond delay="indefinite"/>
-                      </p:stCondLst>
-                      <p:childTnLst>
-                        <p:par>
-                          <p:cTn id="12" fill="hold">
-                            <p:stCondLst>
-                              <p:cond delay="0"/>
-                            </p:stCondLst>
-                            <p:childTnLst>
-                              <p:par>
-                                <p:cTn id="13" presetID="1" presetClass="mediacall" presetSubtype="0" fill="hold" nodeType="clickEffect">
-                                  <p:stCondLst>
-                                    <p:cond delay="0"/>
-                                  </p:stCondLst>
-                                  <p:childTnLst>
-                                    <p:cmd type="call" cmd="playFrom(0.0)">
-                                      <p:cBhvr>
-                                        <p:cTn id="14" dur="84" fill="hold"/>
-                                        <p:tgtEl>
-                                          <p:spTgt spid="27"/>
-                                        </p:tgtEl>
-                                      </p:cBhvr>
-                                    </p:cmd>
-                                  </p:childTnLst>
-                                </p:cTn>
-                              </p:par>
-                            </p:childTnLst>
-                          </p:cTn>
-                        </p:par>
-                      </p:childTnLst>
-                    </p:cTn>
-                  </p:par>
-                  <p:par>
-                    <p:cTn id="15" fill="hold">
-                      <p:stCondLst>
-                        <p:cond delay="indefinite"/>
-                      </p:stCondLst>
-                      <p:childTnLst>
-                        <p:par>
-                          <p:cTn id="16" fill="hold">
-                            <p:stCondLst>
-                              <p:cond delay="0"/>
-                            </p:stCondLst>
-                            <p:childTnLst>
-                              <p:par>
-                                <p:cTn id="17" presetID="1" presetClass="mediacall" presetSubtype="0" fill="hold" nodeType="clickEffect">
-                                  <p:stCondLst>
-                                    <p:cond delay="0"/>
-                                  </p:stCondLst>
-                                  <p:childTnLst>
-                                    <p:cmd type="call" cmd="playFrom(0.0)">
-                                      <p:cBhvr>
-                                        <p:cTn id="18" dur="151" fill="hold"/>
-                                        <p:tgtEl>
-                                          <p:spTgt spid="28"/>
-                                        </p:tgtEl>
-                                      </p:cBhvr>
-                                    </p:cmd>
-                                  </p:childTnLst>
-                                </p:cTn>
-                              </p:par>
-                            </p:childTnLst>
-                          </p:cTn>
-                        </p:par>
-                      </p:childTnLst>
-                    </p:cTn>
-                  </p:par>
-                </p:childTnLst>
-              </p:cTn>
-              <p:prevCondLst>
-                <p:cond evt="onPrev" delay="0">
-                  <p:tgtEl>
-                    <p:sldTgt/>
-                  </p:tgtEl>
-                </p:cond>
-              </p:prevCondLst>
-              <p:nextCondLst>
-                <p:cond evt="onNext" delay="0">
-                  <p:tgtEl>
-                    <p:sldTgt/>
-                  </p:tgtEl>
-                </p:cond>
-              </p:nextCondLst>
-            </p:seq>
-            <p:audio>
-              <p:cMediaNode vol="80000">
-                <p:cTn id="19" fill="hold" display="0">
-                  <p:stCondLst>
-                    <p:cond delay="indefinite"/>
-                  </p:stCondLst>
-                  <p:endCondLst>
-                    <p:cond evt="onStopAudio" delay="0">
-                      <p:tgtEl>
-                        <p:sldTgt/>
-                      </p:tgtEl>
-                    </p:cond>
-                  </p:endCondLst>
-                </p:cTn>
-                <p:tgtEl>
-                  <p:spTgt spid="21"/>
-                </p:tgtEl>
-              </p:cMediaNode>
-            </p:audio>
-            <p:audio>
-              <p:cMediaNode vol="80000">
-                <p:cTn id="20" fill="hold" display="0">
-                  <p:stCondLst>
-                    <p:cond delay="indefinite"/>
-                  </p:stCondLst>
-                  <p:endCondLst>
-                    <p:cond evt="onStopAudio" delay="0">
-                      <p:tgtEl>
-                        <p:sldTgt/>
-                      </p:tgtEl>
-                    </p:cond>
-                  </p:endCondLst>
-                </p:cTn>
-                <p:tgtEl>
-                  <p:spTgt spid="22"/>
-                </p:tgtEl>
-              </p:cMediaNode>
-            </p:audio>
-            <p:audio>
-              <p:cMediaNode vol="80000">
-                <p:cTn id="21" fill="hold" display="0">
-                  <p:stCondLst>
-                    <p:cond delay="indefinite"/>
-                  </p:stCondLst>
-                  <p:endCondLst>
-                    <p:cond evt="onStopAudio" delay="0">
-                      <p:tgtEl>
-                        <p:sldTgt/>
-                      </p:tgtEl>
-                    </p:cond>
-                  </p:endCondLst>
-                </p:cTn>
-                <p:tgtEl>
-                  <p:spTgt spid="27"/>
-                </p:tgtEl>
-              </p:cMediaNode>
-            </p:audio>
-            <p:audio>
-              <p:cMediaNode vol="80000">
-                <p:cTn id="22" fill="hold" display="0">
-                  <p:stCondLst>
-                    <p:cond delay="indefinite"/>
-                  </p:stCondLst>
-                  <p:endCondLst>
-                    <p:cond evt="onStopAudio" delay="0">
-                      <p:tgtEl>
-                        <p:sldTgt/>
-                      </p:tgtEl>
-                    </p:cond>
-                  </p:endCondLst>
-                </p:cTn>
-                <p:tgtEl>
-                  <p:spTgt spid="28"/>
-                </p:tgtEl>
-              </p:cMediaNode>
-            </p:audio>
-          </p:childTnLst>
-        </p:cTn>
-      </p:par>
-    </p:tnLst>
-  </p:timing>
 </p:sld>
 </file>
 
@@ -12210,12 +11370,221 @@
           <a:chExt cx="0" cy="0"/>
         </a:xfrm>
       </p:grpSpPr>
+      <p:sp>
+        <p:nvSpPr>
+          <p:cNvPr id="5" name="文字方塊 4">
+            <a:extLst>
+              <a:ext uri="{FF2B5EF4-FFF2-40B4-BE49-F238E27FC236}">
+                <a16:creationId xmlns:a16="http://schemas.microsoft.com/office/drawing/2014/main" id="{3A909603-2CCC-4775-AFF7-EEDAEF5D8F86}"/>
+              </a:ext>
+            </a:extLst>
+          </p:cNvPr>
+          <p:cNvSpPr txBox="1"/>
+          <p:nvPr/>
+        </p:nvSpPr>
+        <p:spPr>
+          <a:xfrm>
+            <a:off x="11489635" y="6488668"/>
+            <a:ext cx="702365" cy="338554"/>
+          </a:xfrm>
+          <a:prstGeom prst="rect">
+            <a:avLst/>
+          </a:prstGeom>
+          <a:noFill/>
+        </p:spPr>
+        <p:txBody>
+          <a:bodyPr wrap="square" rtlCol="0">
+            <a:spAutoFit/>
+          </a:bodyPr>
+          <a:lstStyle/>
+          <a:p>
+            <a:r>
+              <a:rPr lang="en-US" altLang="zh-TW" sz="1600" dirty="0">
+                <a:solidFill>
+                  <a:schemeClr val="bg1"/>
+                </a:solidFill>
+              </a:rPr>
+              <a:t>0</a:t>
+            </a:r>
+            <a:fld id="{14AC972E-A942-4833-AA5E-CD5138CD0656}" type="slidenum">
+              <a:rPr lang="en-US" altLang="zh-TW" sz="1600" smtClean="0">
+                <a:solidFill>
+                  <a:schemeClr val="bg1"/>
+                </a:solidFill>
+              </a:rPr>
+              <a:t>24</a:t>
+            </a:fld>
+            <a:endParaRPr lang="zh-TW" altLang="en-US" dirty="0">
+              <a:solidFill>
+                <a:schemeClr val="bg1"/>
+              </a:solidFill>
+            </a:endParaRPr>
+          </a:p>
+        </p:txBody>
+      </p:sp>
+      <p:sp>
+        <p:nvSpPr>
+          <p:cNvPr id="20" name="標題 1">
+            <a:extLst>
+              <a:ext uri="{FF2B5EF4-FFF2-40B4-BE49-F238E27FC236}">
+                <a16:creationId xmlns:a16="http://schemas.microsoft.com/office/drawing/2014/main" id="{66DD6C19-54E1-4F38-AF71-105329402458}"/>
+              </a:ext>
+            </a:extLst>
+          </p:cNvPr>
+          <p:cNvSpPr>
+            <a:spLocks noGrp="1"/>
+          </p:cNvSpPr>
+          <p:nvPr>
+            <p:ph type="title"/>
+          </p:nvPr>
+        </p:nvSpPr>
+        <p:spPr>
+          <a:xfrm>
+            <a:off x="677334" y="609600"/>
+            <a:ext cx="9156478" cy="1320800"/>
+          </a:xfrm>
+        </p:spPr>
+        <p:txBody>
+          <a:bodyPr>
+            <a:normAutofit/>
+          </a:bodyPr>
+          <a:lstStyle/>
+          <a:p>
+            <a:r>
+              <a:rPr lang="zh-TW" altLang="en-US" sz="2700" dirty="0"/>
+              <a:t>萃取</a:t>
+            </a:r>
+            <a:r>
+              <a:rPr lang="en-US" altLang="zh-TW" sz="2700" dirty="0"/>
+              <a:t>20</a:t>
+            </a:r>
+            <a:r>
+              <a:rPr lang="zh-TW" altLang="en-US" sz="2700" dirty="0"/>
+              <a:t>個與</a:t>
+            </a:r>
+            <a:r>
+              <a:rPr lang="en-US" altLang="zh-TW" sz="2700" dirty="0"/>
+              <a:t>50</a:t>
+            </a:r>
+            <a:r>
+              <a:rPr lang="zh-TW" altLang="en-US" sz="2700" dirty="0"/>
+              <a:t>個特徵比較，以</a:t>
+            </a:r>
+            <a:r>
+              <a:rPr lang="en-US" altLang="zh-TW" sz="2700" dirty="0"/>
+              <a:t>SA1</a:t>
+            </a:r>
+            <a:r>
+              <a:rPr lang="zh-TW" altLang="en-US" sz="2700" dirty="0"/>
+              <a:t>中</a:t>
+            </a:r>
+            <a:r>
+              <a:rPr lang="en-US" altLang="zh-TW" sz="2700" dirty="0"/>
+              <a:t>MABW0</a:t>
+            </a:r>
+            <a:r>
+              <a:rPr lang="zh-TW" altLang="en-US" sz="2700" dirty="0"/>
+              <a:t>為例</a:t>
+            </a:r>
+            <a:br>
+              <a:rPr lang="en-US" altLang="zh-TW" dirty="0"/>
+            </a:br>
+            <a:endParaRPr lang="zh-TW" altLang="en-US" dirty="0"/>
+          </a:p>
+        </p:txBody>
+      </p:sp>
+      <p:sp>
+        <p:nvSpPr>
+          <p:cNvPr id="21" name="矩形 20">
+            <a:extLst>
+              <a:ext uri="{FF2B5EF4-FFF2-40B4-BE49-F238E27FC236}">
+                <a16:creationId xmlns:a16="http://schemas.microsoft.com/office/drawing/2014/main" id="{43F05AA1-B89D-4136-A066-319C6325A55F}"/>
+              </a:ext>
+            </a:extLst>
+          </p:cNvPr>
+          <p:cNvSpPr/>
+          <p:nvPr/>
+        </p:nvSpPr>
+        <p:spPr>
+          <a:xfrm>
+            <a:off x="677334" y="2478686"/>
+            <a:ext cx="614271" cy="584775"/>
+          </a:xfrm>
+          <a:prstGeom prst="rect">
+            <a:avLst/>
+          </a:prstGeom>
+        </p:spPr>
+        <p:txBody>
+          <a:bodyPr wrap="none">
+            <a:spAutoFit/>
+          </a:bodyPr>
+          <a:lstStyle/>
+          <a:p>
+            <a:r>
+              <a:rPr lang="en-US" altLang="zh-TW" sz="3200" dirty="0">
+                <a:solidFill>
+                  <a:schemeClr val="accent1"/>
+                </a:solidFill>
+              </a:rPr>
+              <a:t>20</a:t>
+            </a:r>
+            <a:endParaRPr lang="zh-TW" altLang="en-US" sz="3200" dirty="0">
+              <a:solidFill>
+                <a:schemeClr val="accent1"/>
+              </a:solidFill>
+            </a:endParaRPr>
+          </a:p>
+        </p:txBody>
+      </p:sp>
+      <p:sp>
+        <p:nvSpPr>
+          <p:cNvPr id="22" name="矩形 21">
+            <a:extLst>
+              <a:ext uri="{FF2B5EF4-FFF2-40B4-BE49-F238E27FC236}">
+                <a16:creationId xmlns:a16="http://schemas.microsoft.com/office/drawing/2014/main" id="{5F1DF944-D735-4EA9-8C22-EC360C8033D1}"/>
+              </a:ext>
+            </a:extLst>
+          </p:cNvPr>
+          <p:cNvSpPr/>
+          <p:nvPr/>
+        </p:nvSpPr>
+        <p:spPr>
+          <a:xfrm>
+            <a:off x="677333" y="5903893"/>
+            <a:ext cx="614271" cy="584775"/>
+          </a:xfrm>
+          <a:prstGeom prst="rect">
+            <a:avLst/>
+          </a:prstGeom>
+        </p:spPr>
+        <p:txBody>
+          <a:bodyPr wrap="none">
+            <a:spAutoFit/>
+          </a:bodyPr>
+          <a:lstStyle/>
+          <a:p>
+            <a:r>
+              <a:rPr lang="en-US" altLang="zh-TW" sz="3200" dirty="0">
+                <a:solidFill>
+                  <a:schemeClr val="accent1"/>
+                </a:solidFill>
+              </a:rPr>
+              <a:t>50</a:t>
+            </a:r>
+            <a:endParaRPr lang="zh-TW" altLang="en-US" sz="3200" dirty="0">
+              <a:solidFill>
+                <a:schemeClr val="accent1"/>
+              </a:solidFill>
+            </a:endParaRPr>
+          </a:p>
+        </p:txBody>
+      </p:sp>
       <p:pic>
         <p:nvPicPr>
-          <p:cNvPr id="4" name="圖片 3">
+          <p:cNvPr id="23" name="圖片 22">
             <a:extLst>
               <a:ext uri="{FF2B5EF4-FFF2-40B4-BE49-F238E27FC236}">
-                <a16:creationId xmlns:a16="http://schemas.microsoft.com/office/drawing/2014/main" id="{CF43B156-43A1-7C0B-096D-997963EA7F0E}"/>
+                <a16:creationId xmlns:a16="http://schemas.microsoft.com/office/drawing/2014/main" id="{B005ED55-5357-4AC4-94D7-BE9A38D659E7}"/>
               </a:ext>
             </a:extLst>
           </p:cNvPr>
@@ -12225,238 +11594,27 @@
           <p:nvPr/>
         </p:nvPicPr>
         <p:blipFill>
-          <a:blip r:embed="rId6"/>
+          <a:blip r:embed="rId2"/>
           <a:stretch>
             <a:fillRect/>
           </a:stretch>
         </p:blipFill>
         <p:spPr>
           <a:xfrm>
-            <a:off x="6302422" y="1636012"/>
-            <a:ext cx="5333559" cy="3998645"/>
+            <a:off x="1295573" y="3224942"/>
+            <a:ext cx="7920000" cy="3433003"/>
           </a:xfrm>
           <a:prstGeom prst="rect">
             <a:avLst/>
           </a:prstGeom>
         </p:spPr>
       </p:pic>
-      <p:sp>
-        <p:nvSpPr>
-          <p:cNvPr id="2" name="標題 1"/>
-          <p:cNvSpPr>
-            <a:spLocks noGrp="1"/>
-          </p:cNvSpPr>
-          <p:nvPr>
-            <p:ph type="title"/>
-          </p:nvPr>
-        </p:nvSpPr>
-        <p:spPr/>
-        <p:txBody>
-          <a:bodyPr>
-            <a:normAutofit/>
-          </a:bodyPr>
-          <a:lstStyle/>
-          <a:p>
-            <a:br>
-              <a:rPr lang="en-US" altLang="zh-TW" dirty="0"/>
-            </a:br>
-            <a:endParaRPr lang="zh-TW" altLang="en-US" dirty="0"/>
-          </a:p>
-        </p:txBody>
-      </p:sp>
-      <p:sp>
-        <p:nvSpPr>
-          <p:cNvPr id="5" name="文字方塊 4">
+      <p:pic>
+        <p:nvPicPr>
+          <p:cNvPr id="24" name="圖片 23">
             <a:extLst>
               <a:ext uri="{FF2B5EF4-FFF2-40B4-BE49-F238E27FC236}">
-                <a16:creationId xmlns:a16="http://schemas.microsoft.com/office/drawing/2014/main" id="{3A909603-2CCC-4775-AFF7-EEDAEF5D8F86}"/>
-              </a:ext>
-            </a:extLst>
-          </p:cNvPr>
-          <p:cNvSpPr txBox="1"/>
-          <p:nvPr/>
-        </p:nvSpPr>
-        <p:spPr>
-          <a:xfrm>
-            <a:off x="11489635" y="6488668"/>
-            <a:ext cx="702365" cy="338554"/>
-          </a:xfrm>
-          <a:prstGeom prst="rect">
-            <a:avLst/>
-          </a:prstGeom>
-          <a:noFill/>
-        </p:spPr>
-        <p:txBody>
-          <a:bodyPr wrap="square" rtlCol="0">
-            <a:spAutoFit/>
-          </a:bodyPr>
-          <a:lstStyle/>
-          <a:p>
-            <a:r>
-              <a:rPr lang="en-US" altLang="zh-TW" sz="1600" dirty="0">
-                <a:solidFill>
-                  <a:schemeClr val="bg1"/>
-                </a:solidFill>
-              </a:rPr>
-              <a:t>0</a:t>
-            </a:r>
-            <a:fld id="{14AC972E-A942-4833-AA5E-CD5138CD0656}" type="slidenum">
-              <a:rPr lang="en-US" altLang="zh-TW" sz="1600" smtClean="0">
-                <a:solidFill>
-                  <a:schemeClr val="bg1"/>
-                </a:solidFill>
-              </a:rPr>
-              <a:t>24</a:t>
-            </a:fld>
-            <a:endParaRPr lang="zh-TW" altLang="en-US" dirty="0">
-              <a:solidFill>
-                <a:schemeClr val="bg1"/>
-              </a:solidFill>
-            </a:endParaRPr>
-          </a:p>
-        </p:txBody>
-      </p:sp>
-      <p:sp>
-        <p:nvSpPr>
-          <p:cNvPr id="10" name="標題 1">
-            <a:extLst>
-              <a:ext uri="{FF2B5EF4-FFF2-40B4-BE49-F238E27FC236}">
-                <a16:creationId xmlns:a16="http://schemas.microsoft.com/office/drawing/2014/main" id="{66F794C4-EB0C-4E8A-A5B9-6048138809A1}"/>
-              </a:ext>
-            </a:extLst>
-          </p:cNvPr>
-          <p:cNvSpPr txBox="1">
-            <a:spLocks/>
-          </p:cNvSpPr>
-          <p:nvPr/>
-        </p:nvSpPr>
-        <p:spPr>
-          <a:xfrm>
-            <a:off x="829734" y="762000"/>
-            <a:ext cx="8596668" cy="1320800"/>
-          </a:xfrm>
-          <a:prstGeom prst="rect">
-            <a:avLst/>
-          </a:prstGeom>
-        </p:spPr>
-        <p:txBody>
-          <a:bodyPr vert="horz" lIns="91440" tIns="45720" rIns="91440" bIns="45720" rtlCol="0" anchor="t">
-            <a:normAutofit/>
-          </a:bodyPr>
-          <a:lstStyle>
-            <a:lvl1pPr algn="l" defTabSz="457200" rtl="0" eaLnBrk="1" latinLnBrk="0" hangingPunct="1">
-              <a:spcBef>
-                <a:spcPct val="0"/>
-              </a:spcBef>
-              <a:buNone/>
-              <a:defRPr sz="3600" kern="1200">
-                <a:solidFill>
-                  <a:schemeClr val="accent1"/>
-                </a:solidFill>
-                <a:latin typeface="+mj-lt"/>
-                <a:ea typeface="+mj-ea"/>
-                <a:cs typeface="+mj-cs"/>
-              </a:defRPr>
-            </a:lvl1pPr>
-            <a:lvl2pPr eaLnBrk="1" hangingPunct="1">
-              <a:defRPr>
-                <a:solidFill>
-                  <a:schemeClr val="tx2"/>
-                </a:solidFill>
-              </a:defRPr>
-            </a:lvl2pPr>
-            <a:lvl3pPr eaLnBrk="1" hangingPunct="1">
-              <a:defRPr>
-                <a:solidFill>
-                  <a:schemeClr val="tx2"/>
-                </a:solidFill>
-              </a:defRPr>
-            </a:lvl3pPr>
-            <a:lvl4pPr eaLnBrk="1" hangingPunct="1">
-              <a:defRPr>
-                <a:solidFill>
-                  <a:schemeClr val="tx2"/>
-                </a:solidFill>
-              </a:defRPr>
-            </a:lvl4pPr>
-            <a:lvl5pPr eaLnBrk="1" hangingPunct="1">
-              <a:defRPr>
-                <a:solidFill>
-                  <a:schemeClr val="tx2"/>
-                </a:solidFill>
-              </a:defRPr>
-            </a:lvl5pPr>
-            <a:lvl6pPr eaLnBrk="1" hangingPunct="1">
-              <a:defRPr>
-                <a:solidFill>
-                  <a:schemeClr val="tx2"/>
-                </a:solidFill>
-              </a:defRPr>
-            </a:lvl6pPr>
-            <a:lvl7pPr eaLnBrk="1" hangingPunct="1">
-              <a:defRPr>
-                <a:solidFill>
-                  <a:schemeClr val="tx2"/>
-                </a:solidFill>
-              </a:defRPr>
-            </a:lvl7pPr>
-            <a:lvl8pPr eaLnBrk="1" hangingPunct="1">
-              <a:defRPr>
-                <a:solidFill>
-                  <a:schemeClr val="tx2"/>
-                </a:solidFill>
-              </a:defRPr>
-            </a:lvl8pPr>
-            <a:lvl9pPr eaLnBrk="1" hangingPunct="1">
-              <a:defRPr>
-                <a:solidFill>
-                  <a:schemeClr val="tx2"/>
-                </a:solidFill>
-              </a:defRPr>
-            </a:lvl9pPr>
-          </a:lstStyle>
-          <a:p>
-            <a:r>
-              <a:rPr lang="en-US" altLang="zh-TW" dirty="0"/>
-              <a:t>DR2-MBJV0</a:t>
-            </a:r>
-            <a:r>
-              <a:rPr lang="zh-TW" altLang="en-US" dirty="0"/>
-              <a:t>與</a:t>
-            </a:r>
-            <a:r>
-              <a:rPr lang="en-US" altLang="zh-TW" dirty="0"/>
-              <a:t>DR5-MBGT0</a:t>
-            </a:r>
-            <a:r>
-              <a:rPr lang="zh-TW" altLang="en-US" dirty="0"/>
-              <a:t>比較</a:t>
-            </a:r>
-            <a:r>
-              <a:rPr lang="en-US" altLang="zh-TW" dirty="0"/>
-              <a:t>(</a:t>
-            </a:r>
-            <a:r>
-              <a:rPr lang="zh-TW" altLang="en-US" dirty="0"/>
-              <a:t>第一</a:t>
-            </a:r>
-            <a:r>
-              <a:rPr lang="en-US" altLang="zh-TW" dirty="0"/>
-              <a:t>)</a:t>
-            </a:r>
-            <a:br>
-              <a:rPr lang="en-US" altLang="zh-TW" dirty="0"/>
-            </a:br>
-            <a:endParaRPr lang="zh-TW" altLang="en-US" dirty="0"/>
-          </a:p>
-        </p:txBody>
-      </p:sp>
-      <p:pic>
-        <p:nvPicPr>
-          <p:cNvPr id="15" name="圖片 14">
-            <a:extLst>
-              <a:ext uri="{FF2B5EF4-FFF2-40B4-BE49-F238E27FC236}">
-                <a16:creationId xmlns:a16="http://schemas.microsoft.com/office/drawing/2014/main" id="{DF85E795-8CFF-EBB1-74C3-4AB8C121A19E}"/>
+                <a16:creationId xmlns:a16="http://schemas.microsoft.com/office/drawing/2014/main" id="{3421F391-8D7F-4789-B166-2E748208BEFE}"/>
               </a:ext>
             </a:extLst>
           </p:cNvPr>
@@ -12466,91 +11624,15 @@
           <p:nvPr/>
         </p:nvPicPr>
         <p:blipFill>
-          <a:blip r:embed="rId7"/>
+          <a:blip r:embed="rId3"/>
           <a:stretch>
             <a:fillRect/>
           </a:stretch>
         </p:blipFill>
         <p:spPr>
           <a:xfrm>
-            <a:off x="677334" y="1636013"/>
-            <a:ext cx="5333559" cy="3998645"/>
-          </a:xfrm>
-          <a:prstGeom prst="rect">
-            <a:avLst/>
-          </a:prstGeom>
-        </p:spPr>
-      </p:pic>
-      <p:pic>
-        <p:nvPicPr>
-          <p:cNvPr id="16" name="SA1_MBJV0_E_max_1">
-            <a:hlinkClick r:id="" action="ppaction://media"/>
-            <a:extLst>
-              <a:ext uri="{FF2B5EF4-FFF2-40B4-BE49-F238E27FC236}">
-                <a16:creationId xmlns:a16="http://schemas.microsoft.com/office/drawing/2014/main" id="{4CF4DC92-3045-30D4-0D9C-55DA341CFCE5}"/>
-              </a:ext>
-            </a:extLst>
-          </p:cNvPr>
-          <p:cNvPicPr>
-            <a:picLocks noChangeAspect="1"/>
-          </p:cNvPicPr>
-          <p:nvPr>
-            <a:audioFile r:link="rId2"/>
-            <p:extLst>
-              <p:ext uri="{DAA4B4D4-6D71-4841-9C94-3DE7FCFB9230}">
-                <p14:media xmlns:p14="http://schemas.microsoft.com/office/powerpoint/2010/main" r:embed="rId1"/>
-              </p:ext>
-            </p:extLst>
-          </p:nvPr>
-        </p:nvPicPr>
-        <p:blipFill>
-          <a:blip r:embed="rId8"/>
-          <a:stretch>
-            <a:fillRect/>
-          </a:stretch>
-        </p:blipFill>
-        <p:spPr>
-          <a:xfrm>
-            <a:off x="3039313" y="5634658"/>
-            <a:ext cx="609600" cy="609600"/>
-          </a:xfrm>
-          <a:prstGeom prst="rect">
-            <a:avLst/>
-          </a:prstGeom>
-        </p:spPr>
-      </p:pic>
-      <p:pic>
-        <p:nvPicPr>
-          <p:cNvPr id="6" name="SA1_MBGT0_E_max_1">
-            <a:hlinkClick r:id="" action="ppaction://media"/>
-            <a:extLst>
-              <a:ext uri="{FF2B5EF4-FFF2-40B4-BE49-F238E27FC236}">
-                <a16:creationId xmlns:a16="http://schemas.microsoft.com/office/drawing/2014/main" id="{C63BC331-7372-64BF-2A1F-2FCB25D917DA}"/>
-              </a:ext>
-            </a:extLst>
-          </p:cNvPr>
-          <p:cNvPicPr>
-            <a:picLocks noChangeAspect="1"/>
-          </p:cNvPicPr>
-          <p:nvPr>
-            <a:audioFile r:link="rId4"/>
-            <p:extLst>
-              <p:ext uri="{DAA4B4D4-6D71-4841-9C94-3DE7FCFB9230}">
-                <p14:media xmlns:p14="http://schemas.microsoft.com/office/powerpoint/2010/main" r:embed="rId3"/>
-              </p:ext>
-            </p:extLst>
-          </p:nvPr>
-        </p:nvPicPr>
-        <p:blipFill>
-          <a:blip r:embed="rId8"/>
-          <a:stretch>
-            <a:fillRect/>
-          </a:stretch>
-        </p:blipFill>
-        <p:spPr>
-          <a:xfrm>
-            <a:off x="9121601" y="5634658"/>
-            <a:ext cx="609600" cy="609600"/>
+            <a:off x="1295573" y="1452359"/>
+            <a:ext cx="7920000" cy="1611102"/>
           </a:xfrm>
           <a:prstGeom prst="rect">
             <a:avLst/>
@@ -12560,910 +11642,13 @@
     </p:spTree>
     <p:extLst>
       <p:ext uri="{BB962C8B-B14F-4D97-AF65-F5344CB8AC3E}">
-        <p14:creationId xmlns:p14="http://schemas.microsoft.com/office/powerpoint/2010/main" val="3692843983"/>
+        <p14:creationId xmlns:p14="http://schemas.microsoft.com/office/powerpoint/2010/main" val="1605372515"/>
       </p:ext>
     </p:extLst>
   </p:cSld>
   <p:clrMapOvr>
     <a:masterClrMapping/>
   </p:clrMapOvr>
-  <p:timing>
-    <p:tnLst>
-      <p:par>
-        <p:cTn id="1" dur="indefinite" restart="never" nodeType="tmRoot">
-          <p:childTnLst>
-            <p:seq concurrent="1" nextAc="seek">
-              <p:cTn id="2" dur="indefinite" nodeType="mainSeq">
-                <p:childTnLst>
-                  <p:par>
-                    <p:cTn id="3" fill="hold">
-                      <p:stCondLst>
-                        <p:cond delay="indefinite"/>
-                      </p:stCondLst>
-                      <p:childTnLst>
-                        <p:par>
-                          <p:cTn id="4" fill="hold">
-                            <p:stCondLst>
-                              <p:cond delay="0"/>
-                            </p:stCondLst>
-                            <p:childTnLst>
-                              <p:par>
-                                <p:cTn id="5" presetID="1" presetClass="mediacall" presetSubtype="0" fill="hold" nodeType="clickEffect">
-                                  <p:stCondLst>
-                                    <p:cond delay="0"/>
-                                  </p:stCondLst>
-                                  <p:childTnLst>
-                                    <p:cmd type="call" cmd="playFrom(0.0)">
-                                      <p:cBhvr>
-                                        <p:cTn id="6" dur="195" fill="hold"/>
-                                        <p:tgtEl>
-                                          <p:spTgt spid="16"/>
-                                        </p:tgtEl>
-                                      </p:cBhvr>
-                                    </p:cmd>
-                                  </p:childTnLst>
-                                </p:cTn>
-                              </p:par>
-                            </p:childTnLst>
-                          </p:cTn>
-                        </p:par>
-                      </p:childTnLst>
-                    </p:cTn>
-                  </p:par>
-                  <p:par>
-                    <p:cTn id="7" fill="hold">
-                      <p:stCondLst>
-                        <p:cond delay="indefinite"/>
-                      </p:stCondLst>
-                      <p:childTnLst>
-                        <p:par>
-                          <p:cTn id="8" fill="hold">
-                            <p:stCondLst>
-                              <p:cond delay="0"/>
-                            </p:stCondLst>
-                            <p:childTnLst>
-                              <p:par>
-                                <p:cTn id="9" presetID="1" presetClass="mediacall" presetSubtype="0" fill="hold" nodeType="clickEffect">
-                                  <p:stCondLst>
-                                    <p:cond delay="0"/>
-                                  </p:stCondLst>
-                                  <p:childTnLst>
-                                    <p:cmd type="call" cmd="playFrom(0.0)">
-                                      <p:cBhvr>
-                                        <p:cTn id="10" dur="253" fill="hold"/>
-                                        <p:tgtEl>
-                                          <p:spTgt spid="6"/>
-                                        </p:tgtEl>
-                                      </p:cBhvr>
-                                    </p:cmd>
-                                  </p:childTnLst>
-                                </p:cTn>
-                              </p:par>
-                            </p:childTnLst>
-                          </p:cTn>
-                        </p:par>
-                      </p:childTnLst>
-                    </p:cTn>
-                  </p:par>
-                </p:childTnLst>
-              </p:cTn>
-              <p:prevCondLst>
-                <p:cond evt="onPrev" delay="0">
-                  <p:tgtEl>
-                    <p:sldTgt/>
-                  </p:tgtEl>
-                </p:cond>
-              </p:prevCondLst>
-              <p:nextCondLst>
-                <p:cond evt="onNext" delay="0">
-                  <p:tgtEl>
-                    <p:sldTgt/>
-                  </p:tgtEl>
-                </p:cond>
-              </p:nextCondLst>
-            </p:seq>
-            <p:audio>
-              <p:cMediaNode vol="80000">
-                <p:cTn id="11" fill="hold" display="0">
-                  <p:stCondLst>
-                    <p:cond delay="indefinite"/>
-                  </p:stCondLst>
-                  <p:endCondLst>
-                    <p:cond evt="onStopAudio" delay="0">
-                      <p:tgtEl>
-                        <p:sldTgt/>
-                      </p:tgtEl>
-                    </p:cond>
-                  </p:endCondLst>
-                </p:cTn>
-                <p:tgtEl>
-                  <p:spTgt spid="16"/>
-                </p:tgtEl>
-              </p:cMediaNode>
-            </p:audio>
-            <p:audio>
-              <p:cMediaNode vol="80000">
-                <p:cTn id="12" fill="hold" display="0">
-                  <p:stCondLst>
-                    <p:cond delay="indefinite"/>
-                  </p:stCondLst>
-                  <p:endCondLst>
-                    <p:cond evt="onStopAudio" delay="0">
-                      <p:tgtEl>
-                        <p:sldTgt/>
-                      </p:tgtEl>
-                    </p:cond>
-                  </p:endCondLst>
-                </p:cTn>
-                <p:tgtEl>
-                  <p:spTgt spid="6"/>
-                </p:tgtEl>
-              </p:cMediaNode>
-            </p:audio>
-          </p:childTnLst>
-        </p:cTn>
-      </p:par>
-    </p:tnLst>
-  </p:timing>
-</p:sld>
-</file>
-
-<file path=ppt/slides/slide25.xml><?xml version="1.0" encoding="utf-8"?>
-<p:sld xmlns:a="http://schemas.openxmlformats.org/drawingml/2006/main" xmlns:r="http://schemas.openxmlformats.org/officeDocument/2006/relationships" xmlns:p="http://schemas.openxmlformats.org/presentationml/2006/main">
-  <p:cSld>
-    <p:spTree>
-      <p:nvGrpSpPr>
-        <p:cNvPr id="1" name=""/>
-        <p:cNvGrpSpPr/>
-        <p:nvPr/>
-      </p:nvGrpSpPr>
-      <p:grpSpPr>
-        <a:xfrm>
-          <a:off x="0" y="0"/>
-          <a:ext cx="0" cy="0"/>
-          <a:chOff x="0" y="0"/>
-          <a:chExt cx="0" cy="0"/>
-        </a:xfrm>
-      </p:grpSpPr>
-      <p:sp>
-        <p:nvSpPr>
-          <p:cNvPr id="2" name="標題 1"/>
-          <p:cNvSpPr>
-            <a:spLocks noGrp="1"/>
-          </p:cNvSpPr>
-          <p:nvPr>
-            <p:ph type="title"/>
-          </p:nvPr>
-        </p:nvSpPr>
-        <p:spPr/>
-        <p:txBody>
-          <a:bodyPr>
-            <a:normAutofit/>
-          </a:bodyPr>
-          <a:lstStyle/>
-          <a:p>
-            <a:br>
-              <a:rPr lang="en-US" altLang="zh-TW" dirty="0"/>
-            </a:br>
-            <a:endParaRPr lang="zh-TW" altLang="en-US" dirty="0"/>
-          </a:p>
-        </p:txBody>
-      </p:sp>
-      <p:sp>
-        <p:nvSpPr>
-          <p:cNvPr id="5" name="文字方塊 4">
-            <a:extLst>
-              <a:ext uri="{FF2B5EF4-FFF2-40B4-BE49-F238E27FC236}">
-                <a16:creationId xmlns:a16="http://schemas.microsoft.com/office/drawing/2014/main" id="{3A909603-2CCC-4775-AFF7-EEDAEF5D8F86}"/>
-              </a:ext>
-            </a:extLst>
-          </p:cNvPr>
-          <p:cNvSpPr txBox="1"/>
-          <p:nvPr/>
-        </p:nvSpPr>
-        <p:spPr>
-          <a:xfrm>
-            <a:off x="11489635" y="6488668"/>
-            <a:ext cx="702365" cy="338554"/>
-          </a:xfrm>
-          <a:prstGeom prst="rect">
-            <a:avLst/>
-          </a:prstGeom>
-          <a:noFill/>
-        </p:spPr>
-        <p:txBody>
-          <a:bodyPr wrap="square" rtlCol="0">
-            <a:spAutoFit/>
-          </a:bodyPr>
-          <a:lstStyle/>
-          <a:p>
-            <a:r>
-              <a:rPr lang="en-US" altLang="zh-TW" sz="1600" dirty="0">
-                <a:solidFill>
-                  <a:schemeClr val="bg1"/>
-                </a:solidFill>
-              </a:rPr>
-              <a:t>0</a:t>
-            </a:r>
-            <a:fld id="{14AC972E-A942-4833-AA5E-CD5138CD0656}" type="slidenum">
-              <a:rPr lang="en-US" altLang="zh-TW" sz="1600" smtClean="0">
-                <a:solidFill>
-                  <a:schemeClr val="bg1"/>
-                </a:solidFill>
-              </a:rPr>
-              <a:t>25</a:t>
-            </a:fld>
-            <a:endParaRPr lang="zh-TW" altLang="en-US" dirty="0">
-              <a:solidFill>
-                <a:schemeClr val="bg1"/>
-              </a:solidFill>
-            </a:endParaRPr>
-          </a:p>
-        </p:txBody>
-      </p:sp>
-      <p:sp>
-        <p:nvSpPr>
-          <p:cNvPr id="10" name="標題 1">
-            <a:extLst>
-              <a:ext uri="{FF2B5EF4-FFF2-40B4-BE49-F238E27FC236}">
-                <a16:creationId xmlns:a16="http://schemas.microsoft.com/office/drawing/2014/main" id="{66F794C4-EB0C-4E8A-A5B9-6048138809A1}"/>
-              </a:ext>
-            </a:extLst>
-          </p:cNvPr>
-          <p:cNvSpPr txBox="1">
-            <a:spLocks/>
-          </p:cNvSpPr>
-          <p:nvPr/>
-        </p:nvSpPr>
-        <p:spPr>
-          <a:xfrm>
-            <a:off x="829734" y="762000"/>
-            <a:ext cx="8596668" cy="1320800"/>
-          </a:xfrm>
-          <a:prstGeom prst="rect">
-            <a:avLst/>
-          </a:prstGeom>
-        </p:spPr>
-        <p:txBody>
-          <a:bodyPr vert="horz" lIns="91440" tIns="45720" rIns="91440" bIns="45720" rtlCol="0" anchor="t">
-            <a:normAutofit/>
-          </a:bodyPr>
-          <a:lstStyle>
-            <a:lvl1pPr algn="l" defTabSz="457200" rtl="0" eaLnBrk="1" latinLnBrk="0" hangingPunct="1">
-              <a:spcBef>
-                <a:spcPct val="0"/>
-              </a:spcBef>
-              <a:buNone/>
-              <a:defRPr sz="3600" kern="1200">
-                <a:solidFill>
-                  <a:schemeClr val="accent1"/>
-                </a:solidFill>
-                <a:latin typeface="+mj-lt"/>
-                <a:ea typeface="+mj-ea"/>
-                <a:cs typeface="+mj-cs"/>
-              </a:defRPr>
-            </a:lvl1pPr>
-            <a:lvl2pPr eaLnBrk="1" hangingPunct="1">
-              <a:defRPr>
-                <a:solidFill>
-                  <a:schemeClr val="tx2"/>
-                </a:solidFill>
-              </a:defRPr>
-            </a:lvl2pPr>
-            <a:lvl3pPr eaLnBrk="1" hangingPunct="1">
-              <a:defRPr>
-                <a:solidFill>
-                  <a:schemeClr val="tx2"/>
-                </a:solidFill>
-              </a:defRPr>
-            </a:lvl3pPr>
-            <a:lvl4pPr eaLnBrk="1" hangingPunct="1">
-              <a:defRPr>
-                <a:solidFill>
-                  <a:schemeClr val="tx2"/>
-                </a:solidFill>
-              </a:defRPr>
-            </a:lvl4pPr>
-            <a:lvl5pPr eaLnBrk="1" hangingPunct="1">
-              <a:defRPr>
-                <a:solidFill>
-                  <a:schemeClr val="tx2"/>
-                </a:solidFill>
-              </a:defRPr>
-            </a:lvl5pPr>
-            <a:lvl6pPr eaLnBrk="1" hangingPunct="1">
-              <a:defRPr>
-                <a:solidFill>
-                  <a:schemeClr val="tx2"/>
-                </a:solidFill>
-              </a:defRPr>
-            </a:lvl6pPr>
-            <a:lvl7pPr eaLnBrk="1" hangingPunct="1">
-              <a:defRPr>
-                <a:solidFill>
-                  <a:schemeClr val="tx2"/>
-                </a:solidFill>
-              </a:defRPr>
-            </a:lvl7pPr>
-            <a:lvl8pPr eaLnBrk="1" hangingPunct="1">
-              <a:defRPr>
-                <a:solidFill>
-                  <a:schemeClr val="tx2"/>
-                </a:solidFill>
-              </a:defRPr>
-            </a:lvl8pPr>
-            <a:lvl9pPr eaLnBrk="1" hangingPunct="1">
-              <a:defRPr>
-                <a:solidFill>
-                  <a:schemeClr val="tx2"/>
-                </a:solidFill>
-              </a:defRPr>
-            </a:lvl9pPr>
-          </a:lstStyle>
-          <a:p>
-            <a:r>
-              <a:rPr lang="en-US" altLang="zh-TW" dirty="0"/>
-              <a:t>DR2-MBJV0</a:t>
-            </a:r>
-            <a:r>
-              <a:rPr lang="zh-TW" altLang="en-US" dirty="0"/>
-              <a:t>與</a:t>
-            </a:r>
-            <a:r>
-              <a:rPr lang="en-US" altLang="zh-TW" dirty="0"/>
-              <a:t>DR5-MBGT0</a:t>
-            </a:r>
-            <a:r>
-              <a:rPr lang="zh-TW" altLang="en-US" dirty="0"/>
-              <a:t>比較</a:t>
-            </a:r>
-            <a:r>
-              <a:rPr lang="en-US" altLang="zh-TW" dirty="0"/>
-              <a:t>(</a:t>
-            </a:r>
-            <a:r>
-              <a:rPr lang="zh-TW" altLang="en-US" dirty="0"/>
-              <a:t>第二、三</a:t>
-            </a:r>
-            <a:r>
-              <a:rPr lang="en-US" altLang="zh-TW" dirty="0"/>
-              <a:t>)</a:t>
-            </a:r>
-            <a:br>
-              <a:rPr lang="en-US" altLang="zh-TW" dirty="0"/>
-            </a:br>
-            <a:endParaRPr lang="zh-TW" altLang="en-US" dirty="0"/>
-          </a:p>
-        </p:txBody>
-      </p:sp>
-      <p:pic>
-        <p:nvPicPr>
-          <p:cNvPr id="18" name="圖片 17">
-            <a:extLst>
-              <a:ext uri="{FF2B5EF4-FFF2-40B4-BE49-F238E27FC236}">
-                <a16:creationId xmlns:a16="http://schemas.microsoft.com/office/drawing/2014/main" id="{CFB2A673-791C-E41A-892C-7CBF9A5B6C76}"/>
-              </a:ext>
-            </a:extLst>
-          </p:cNvPr>
-          <p:cNvPicPr>
-            <a:picLocks noChangeAspect="1"/>
-          </p:cNvPicPr>
-          <p:nvPr/>
-        </p:nvPicPr>
-        <p:blipFill>
-          <a:blip r:embed="rId10"/>
-          <a:stretch>
-            <a:fillRect/>
-          </a:stretch>
-        </p:blipFill>
-        <p:spPr>
-          <a:xfrm>
-            <a:off x="677334" y="1521987"/>
-            <a:ext cx="3361281" cy="2520000"/>
-          </a:xfrm>
-          <a:prstGeom prst="rect">
-            <a:avLst/>
-          </a:prstGeom>
-        </p:spPr>
-      </p:pic>
-      <p:pic>
-        <p:nvPicPr>
-          <p:cNvPr id="20" name="圖片 19">
-            <a:extLst>
-              <a:ext uri="{FF2B5EF4-FFF2-40B4-BE49-F238E27FC236}">
-                <a16:creationId xmlns:a16="http://schemas.microsoft.com/office/drawing/2014/main" id="{CDA7BFFB-7FEE-A330-F360-80C152BBD30D}"/>
-              </a:ext>
-            </a:extLst>
-          </p:cNvPr>
-          <p:cNvPicPr>
-            <a:picLocks noChangeAspect="1"/>
-          </p:cNvPicPr>
-          <p:nvPr/>
-        </p:nvPicPr>
-        <p:blipFill>
-          <a:blip r:embed="rId11"/>
-          <a:stretch>
-            <a:fillRect/>
-          </a:stretch>
-        </p:blipFill>
-        <p:spPr>
-          <a:xfrm>
-            <a:off x="677334" y="4041987"/>
-            <a:ext cx="3361281" cy="2520000"/>
-          </a:xfrm>
-          <a:prstGeom prst="rect">
-            <a:avLst/>
-          </a:prstGeom>
-        </p:spPr>
-      </p:pic>
-      <p:pic>
-        <p:nvPicPr>
-          <p:cNvPr id="21" name="SA1_MBJV0_E_max_2">
-            <a:hlinkClick r:id="" action="ppaction://media"/>
-            <a:extLst>
-              <a:ext uri="{FF2B5EF4-FFF2-40B4-BE49-F238E27FC236}">
-                <a16:creationId xmlns:a16="http://schemas.microsoft.com/office/drawing/2014/main" id="{757407DF-1578-5B3F-48D5-80B8870E5480}"/>
-              </a:ext>
-            </a:extLst>
-          </p:cNvPr>
-          <p:cNvPicPr>
-            <a:picLocks noChangeAspect="1"/>
-          </p:cNvPicPr>
-          <p:nvPr>
-            <a:audioFile r:link="rId2"/>
-            <p:extLst>
-              <p:ext uri="{DAA4B4D4-6D71-4841-9C94-3DE7FCFB9230}">
-                <p14:media xmlns:p14="http://schemas.microsoft.com/office/powerpoint/2010/main" r:embed="rId1"/>
-              </p:ext>
-            </p:extLst>
-          </p:nvPr>
-        </p:nvPicPr>
-        <p:blipFill>
-          <a:blip r:embed="rId12"/>
-          <a:stretch>
-            <a:fillRect/>
-          </a:stretch>
-        </p:blipFill>
-        <p:spPr>
-          <a:xfrm>
-            <a:off x="3908920" y="3432387"/>
-            <a:ext cx="609600" cy="609600"/>
-          </a:xfrm>
-          <a:prstGeom prst="rect">
-            <a:avLst/>
-          </a:prstGeom>
-        </p:spPr>
-      </p:pic>
-      <p:pic>
-        <p:nvPicPr>
-          <p:cNvPr id="22" name="SA1_MBJV0_E_max_3">
-            <a:hlinkClick r:id="" action="ppaction://media"/>
-            <a:extLst>
-              <a:ext uri="{FF2B5EF4-FFF2-40B4-BE49-F238E27FC236}">
-                <a16:creationId xmlns:a16="http://schemas.microsoft.com/office/drawing/2014/main" id="{9AC77B40-87B7-2E8E-E340-6C569B34CFFA}"/>
-              </a:ext>
-            </a:extLst>
-          </p:cNvPr>
-          <p:cNvPicPr>
-            <a:picLocks noChangeAspect="1"/>
-          </p:cNvPicPr>
-          <p:nvPr>
-            <a:audioFile r:link="rId4"/>
-            <p:extLst>
-              <p:ext uri="{DAA4B4D4-6D71-4841-9C94-3DE7FCFB9230}">
-                <p14:media xmlns:p14="http://schemas.microsoft.com/office/powerpoint/2010/main" r:embed="rId3"/>
-              </p:ext>
-            </p:extLst>
-          </p:nvPr>
-        </p:nvPicPr>
-        <p:blipFill>
-          <a:blip r:embed="rId12"/>
-          <a:stretch>
-            <a:fillRect/>
-          </a:stretch>
-        </p:blipFill>
-        <p:spPr>
-          <a:xfrm>
-            <a:off x="3908920" y="5952387"/>
-            <a:ext cx="609600" cy="609600"/>
-          </a:xfrm>
-          <a:prstGeom prst="rect">
-            <a:avLst/>
-          </a:prstGeom>
-        </p:spPr>
-      </p:pic>
-      <p:pic>
-        <p:nvPicPr>
-          <p:cNvPr id="9" name="圖片 8">
-            <a:extLst>
-              <a:ext uri="{FF2B5EF4-FFF2-40B4-BE49-F238E27FC236}">
-                <a16:creationId xmlns:a16="http://schemas.microsoft.com/office/drawing/2014/main" id="{3D705E01-3368-AA7F-B7C4-A2AABE271558}"/>
-              </a:ext>
-            </a:extLst>
-          </p:cNvPr>
-          <p:cNvPicPr>
-            <a:picLocks noChangeAspect="1"/>
-          </p:cNvPicPr>
-          <p:nvPr/>
-        </p:nvPicPr>
-        <p:blipFill>
-          <a:blip r:embed="rId13"/>
-          <a:stretch>
-            <a:fillRect/>
-          </a:stretch>
-        </p:blipFill>
-        <p:spPr>
-          <a:xfrm>
-            <a:off x="5328913" y="1521987"/>
-            <a:ext cx="3361281" cy="2520000"/>
-          </a:xfrm>
-          <a:prstGeom prst="rect">
-            <a:avLst/>
-          </a:prstGeom>
-        </p:spPr>
-      </p:pic>
-      <p:pic>
-        <p:nvPicPr>
-          <p:cNvPr id="12" name="圖片 11">
-            <a:extLst>
-              <a:ext uri="{FF2B5EF4-FFF2-40B4-BE49-F238E27FC236}">
-                <a16:creationId xmlns:a16="http://schemas.microsoft.com/office/drawing/2014/main" id="{60BF58B1-AE99-2563-F87B-266A386C233A}"/>
-              </a:ext>
-            </a:extLst>
-          </p:cNvPr>
-          <p:cNvPicPr>
-            <a:picLocks noChangeAspect="1"/>
-          </p:cNvPicPr>
-          <p:nvPr/>
-        </p:nvPicPr>
-        <p:blipFill>
-          <a:blip r:embed="rId14"/>
-          <a:stretch>
-            <a:fillRect/>
-          </a:stretch>
-        </p:blipFill>
-        <p:spPr>
-          <a:xfrm>
-            <a:off x="5328913" y="4041987"/>
-            <a:ext cx="3361281" cy="2520000"/>
-          </a:xfrm>
-          <a:prstGeom prst="rect">
-            <a:avLst/>
-          </a:prstGeom>
-        </p:spPr>
-      </p:pic>
-      <p:pic>
-        <p:nvPicPr>
-          <p:cNvPr id="13" name="SA1_MBGT0_E_max_2">
-            <a:hlinkClick r:id="" action="ppaction://media"/>
-            <a:extLst>
-              <a:ext uri="{FF2B5EF4-FFF2-40B4-BE49-F238E27FC236}">
-                <a16:creationId xmlns:a16="http://schemas.microsoft.com/office/drawing/2014/main" id="{7AC536A5-3EEC-AD51-9E7B-AC0686BC1EC7}"/>
-              </a:ext>
-            </a:extLst>
-          </p:cNvPr>
-          <p:cNvPicPr>
-            <a:picLocks noChangeAspect="1"/>
-          </p:cNvPicPr>
-          <p:nvPr>
-            <a:audioFile r:link="rId6"/>
-            <p:extLst>
-              <p:ext uri="{DAA4B4D4-6D71-4841-9C94-3DE7FCFB9230}">
-                <p14:media xmlns:p14="http://schemas.microsoft.com/office/powerpoint/2010/main" r:embed="rId5"/>
-              </p:ext>
-            </p:extLst>
-          </p:nvPr>
-        </p:nvPicPr>
-        <p:blipFill>
-          <a:blip r:embed="rId12"/>
-          <a:stretch>
-            <a:fillRect/>
-          </a:stretch>
-        </p:blipFill>
-        <p:spPr>
-          <a:xfrm>
-            <a:off x="8564679" y="3432387"/>
-            <a:ext cx="609600" cy="609600"/>
-          </a:xfrm>
-          <a:prstGeom prst="rect">
-            <a:avLst/>
-          </a:prstGeom>
-        </p:spPr>
-      </p:pic>
-      <p:pic>
-        <p:nvPicPr>
-          <p:cNvPr id="14" name="SA1_MBGT0_E_max_3">
-            <a:hlinkClick r:id="" action="ppaction://media"/>
-            <a:extLst>
-              <a:ext uri="{FF2B5EF4-FFF2-40B4-BE49-F238E27FC236}">
-                <a16:creationId xmlns:a16="http://schemas.microsoft.com/office/drawing/2014/main" id="{50853D74-96C2-C9AD-0178-8987C9BF32F6}"/>
-              </a:ext>
-            </a:extLst>
-          </p:cNvPr>
-          <p:cNvPicPr>
-            <a:picLocks noChangeAspect="1"/>
-          </p:cNvPicPr>
-          <p:nvPr>
-            <a:audioFile r:link="rId8"/>
-            <p:extLst>
-              <p:ext uri="{DAA4B4D4-6D71-4841-9C94-3DE7FCFB9230}">
-                <p14:media xmlns:p14="http://schemas.microsoft.com/office/powerpoint/2010/main" r:embed="rId7"/>
-              </p:ext>
-            </p:extLst>
-          </p:nvPr>
-        </p:nvPicPr>
-        <p:blipFill>
-          <a:blip r:embed="rId12"/>
-          <a:stretch>
-            <a:fillRect/>
-          </a:stretch>
-        </p:blipFill>
-        <p:spPr>
-          <a:xfrm>
-            <a:off x="8564679" y="5952387"/>
-            <a:ext cx="609600" cy="609600"/>
-          </a:xfrm>
-          <a:prstGeom prst="rect">
-            <a:avLst/>
-          </a:prstGeom>
-        </p:spPr>
-      </p:pic>
-    </p:spTree>
-    <p:extLst>
-      <p:ext uri="{BB962C8B-B14F-4D97-AF65-F5344CB8AC3E}">
-        <p14:creationId xmlns:p14="http://schemas.microsoft.com/office/powerpoint/2010/main" val="1172904555"/>
-      </p:ext>
-    </p:extLst>
-  </p:cSld>
-  <p:clrMapOvr>
-    <a:masterClrMapping/>
-  </p:clrMapOvr>
-  <p:timing>
-    <p:tnLst>
-      <p:par>
-        <p:cTn id="1" dur="indefinite" restart="never" nodeType="tmRoot">
-          <p:childTnLst>
-            <p:seq concurrent="1" nextAc="seek">
-              <p:cTn id="2" dur="indefinite" nodeType="mainSeq">
-                <p:childTnLst>
-                  <p:par>
-                    <p:cTn id="3" fill="hold">
-                      <p:stCondLst>
-                        <p:cond delay="indefinite"/>
-                      </p:stCondLst>
-                      <p:childTnLst>
-                        <p:par>
-                          <p:cTn id="4" fill="hold">
-                            <p:stCondLst>
-                              <p:cond delay="0"/>
-                            </p:stCondLst>
-                            <p:childTnLst>
-                              <p:par>
-                                <p:cTn id="5" presetID="1" presetClass="mediacall" presetSubtype="0" fill="hold" nodeType="clickEffect">
-                                  <p:stCondLst>
-                                    <p:cond delay="0"/>
-                                  </p:stCondLst>
-                                  <p:childTnLst>
-                                    <p:cmd type="call" cmd="playFrom(0.0)">
-                                      <p:cBhvr>
-                                        <p:cTn id="6" dur="135" fill="hold"/>
-                                        <p:tgtEl>
-                                          <p:spTgt spid="21"/>
-                                        </p:tgtEl>
-                                      </p:cBhvr>
-                                    </p:cmd>
-                                  </p:childTnLst>
-                                </p:cTn>
-                              </p:par>
-                            </p:childTnLst>
-                          </p:cTn>
-                        </p:par>
-                      </p:childTnLst>
-                    </p:cTn>
-                  </p:par>
-                  <p:par>
-                    <p:cTn id="7" fill="hold">
-                      <p:stCondLst>
-                        <p:cond delay="indefinite"/>
-                      </p:stCondLst>
-                      <p:childTnLst>
-                        <p:par>
-                          <p:cTn id="8" fill="hold">
-                            <p:stCondLst>
-                              <p:cond delay="0"/>
-                            </p:stCondLst>
-                            <p:childTnLst>
-                              <p:par>
-                                <p:cTn id="9" presetID="1" presetClass="mediacall" presetSubtype="0" fill="hold" nodeType="clickEffect">
-                                  <p:stCondLst>
-                                    <p:cond delay="0"/>
-                                  </p:stCondLst>
-                                  <p:childTnLst>
-                                    <p:cmd type="call" cmd="playFrom(0.0)">
-                                      <p:cBhvr>
-                                        <p:cTn id="10" dur="135" fill="hold"/>
-                                        <p:tgtEl>
-                                          <p:spTgt spid="22"/>
-                                        </p:tgtEl>
-                                      </p:cBhvr>
-                                    </p:cmd>
-                                  </p:childTnLst>
-                                </p:cTn>
-                              </p:par>
-                            </p:childTnLst>
-                          </p:cTn>
-                        </p:par>
-                      </p:childTnLst>
-                    </p:cTn>
-                  </p:par>
-                  <p:par>
-                    <p:cTn id="11" fill="hold">
-                      <p:stCondLst>
-                        <p:cond delay="indefinite"/>
-                      </p:stCondLst>
-                      <p:childTnLst>
-                        <p:par>
-                          <p:cTn id="12" fill="hold">
-                            <p:stCondLst>
-                              <p:cond delay="0"/>
-                            </p:stCondLst>
-                            <p:childTnLst>
-                              <p:par>
-                                <p:cTn id="13" presetID="1" presetClass="mediacall" presetSubtype="0" fill="hold" nodeType="clickEffect">
-                                  <p:stCondLst>
-                                    <p:cond delay="0"/>
-                                  </p:stCondLst>
-                                  <p:childTnLst>
-                                    <p:cmd type="call" cmd="playFrom(0.0)">
-                                      <p:cBhvr>
-                                        <p:cTn id="14" dur="190" fill="hold"/>
-                                        <p:tgtEl>
-                                          <p:spTgt spid="13"/>
-                                        </p:tgtEl>
-                                      </p:cBhvr>
-                                    </p:cmd>
-                                  </p:childTnLst>
-                                </p:cTn>
-                              </p:par>
-                            </p:childTnLst>
-                          </p:cTn>
-                        </p:par>
-                      </p:childTnLst>
-                    </p:cTn>
-                  </p:par>
-                  <p:par>
-                    <p:cTn id="15" fill="hold">
-                      <p:stCondLst>
-                        <p:cond delay="indefinite"/>
-                      </p:stCondLst>
-                      <p:childTnLst>
-                        <p:par>
-                          <p:cTn id="16" fill="hold">
-                            <p:stCondLst>
-                              <p:cond delay="0"/>
-                            </p:stCondLst>
-                            <p:childTnLst>
-                              <p:par>
-                                <p:cTn id="17" presetID="1" presetClass="mediacall" presetSubtype="0" fill="hold" nodeType="clickEffect">
-                                  <p:stCondLst>
-                                    <p:cond delay="0"/>
-                                  </p:stCondLst>
-                                  <p:childTnLst>
-                                    <p:cmd type="call" cmd="playFrom(0.0)">
-                                      <p:cBhvr>
-                                        <p:cTn id="18" dur="175" fill="hold"/>
-                                        <p:tgtEl>
-                                          <p:spTgt spid="14"/>
-                                        </p:tgtEl>
-                                      </p:cBhvr>
-                                    </p:cmd>
-                                  </p:childTnLst>
-                                </p:cTn>
-                              </p:par>
-                            </p:childTnLst>
-                          </p:cTn>
-                        </p:par>
-                      </p:childTnLst>
-                    </p:cTn>
-                  </p:par>
-                </p:childTnLst>
-              </p:cTn>
-              <p:prevCondLst>
-                <p:cond evt="onPrev" delay="0">
-                  <p:tgtEl>
-                    <p:sldTgt/>
-                  </p:tgtEl>
-                </p:cond>
-              </p:prevCondLst>
-              <p:nextCondLst>
-                <p:cond evt="onNext" delay="0">
-                  <p:tgtEl>
-                    <p:sldTgt/>
-                  </p:tgtEl>
-                </p:cond>
-              </p:nextCondLst>
-            </p:seq>
-            <p:audio>
-              <p:cMediaNode vol="80000">
-                <p:cTn id="19" fill="hold" display="0">
-                  <p:stCondLst>
-                    <p:cond delay="indefinite"/>
-                  </p:stCondLst>
-                  <p:endCondLst>
-                    <p:cond evt="onStopAudio" delay="0">
-                      <p:tgtEl>
-                        <p:sldTgt/>
-                      </p:tgtEl>
-                    </p:cond>
-                  </p:endCondLst>
-                </p:cTn>
-                <p:tgtEl>
-                  <p:spTgt spid="21"/>
-                </p:tgtEl>
-              </p:cMediaNode>
-            </p:audio>
-            <p:audio>
-              <p:cMediaNode vol="80000">
-                <p:cTn id="20" fill="hold" display="0">
-                  <p:stCondLst>
-                    <p:cond delay="indefinite"/>
-                  </p:stCondLst>
-                  <p:endCondLst>
-                    <p:cond evt="onStopAudio" delay="0">
-                      <p:tgtEl>
-                        <p:sldTgt/>
-                      </p:tgtEl>
-                    </p:cond>
-                  </p:endCondLst>
-                </p:cTn>
-                <p:tgtEl>
-                  <p:spTgt spid="22"/>
-                </p:tgtEl>
-              </p:cMediaNode>
-            </p:audio>
-            <p:audio>
-              <p:cMediaNode vol="80000">
-                <p:cTn id="21" fill="hold" display="0">
-                  <p:stCondLst>
-                    <p:cond delay="indefinite"/>
-                  </p:stCondLst>
-                  <p:endCondLst>
-                    <p:cond evt="onStopAudio" delay="0">
-                      <p:tgtEl>
-                        <p:sldTgt/>
-                      </p:tgtEl>
-                    </p:cond>
-                  </p:endCondLst>
-                </p:cTn>
-                <p:tgtEl>
-                  <p:spTgt spid="13"/>
-                </p:tgtEl>
-              </p:cMediaNode>
-            </p:audio>
-            <p:audio>
-              <p:cMediaNode vol="80000">
-                <p:cTn id="22" fill="hold" display="0">
-                  <p:stCondLst>
-                    <p:cond delay="indefinite"/>
-                  </p:stCondLst>
-                  <p:endCondLst>
-                    <p:cond evt="onStopAudio" delay="0">
-                      <p:tgtEl>
-                        <p:sldTgt/>
-                      </p:tgtEl>
-                    </p:cond>
-                  </p:endCondLst>
-                </p:cTn>
-                <p:tgtEl>
-                  <p:spTgt spid="14"/>
-                </p:tgtEl>
-              </p:cMediaNode>
-            </p:audio>
-          </p:childTnLst>
-        </p:cTn>
-      </p:par>
-    </p:tnLst>
-  </p:timing>
 </p:sld>
 </file>
 
@@ -18036,13 +16221,13 @@
           <a:p>
             <a:r>
               <a:rPr lang="en-US" altLang="zh-TW" dirty="0"/>
-              <a:t>acc= 0.78125</a:t>
+              <a:t>acc= 0.8125</a:t>
             </a:r>
           </a:p>
           <a:p>
             <a:r>
               <a:rPr lang="en-US" altLang="zh-TW" dirty="0"/>
-              <a:t>loss= 0.20762863755226135 </a:t>
+              <a:t>loss= 0.1625230759382248 </a:t>
             </a:r>
           </a:p>
         </p:txBody>
@@ -18069,8 +16254,8 @@
         </p:blipFill>
         <p:spPr>
           <a:xfrm>
-            <a:off x="829734" y="2572711"/>
-            <a:ext cx="5001778" cy="3977648"/>
+            <a:off x="829734" y="2594290"/>
+            <a:ext cx="5001778" cy="3934490"/>
           </a:xfrm>
           <a:prstGeom prst="rect">
             <a:avLst/>
@@ -18099,8 +16284,8 @@
         </p:blipFill>
         <p:spPr>
           <a:xfrm>
-            <a:off x="6360490" y="2572711"/>
-            <a:ext cx="5001778" cy="3977648"/>
+            <a:off x="6360490" y="2656304"/>
+            <a:ext cx="5001778" cy="3810461"/>
           </a:xfrm>
           <a:prstGeom prst="rect">
             <a:avLst/>
@@ -18109,10 +16294,10 @@
       </p:pic>
       <p:pic>
         <p:nvPicPr>
-          <p:cNvPr id="17" name="圖片 16">
+          <p:cNvPr id="3" name="圖片 2">
             <a:extLst>
               <a:ext uri="{FF2B5EF4-FFF2-40B4-BE49-F238E27FC236}">
-                <a16:creationId xmlns:a16="http://schemas.microsoft.com/office/drawing/2014/main" id="{E4479F8B-AC4C-32C7-87F9-21F54F84B363}"/>
+                <a16:creationId xmlns:a16="http://schemas.microsoft.com/office/drawing/2014/main" id="{8207E68E-A2D4-439C-983F-F8DBC1CEFD02}"/>
               </a:ext>
             </a:extLst>
           </p:cNvPr>
@@ -18129,8 +16314,8 @@
         </p:blipFill>
         <p:spPr>
           <a:xfrm>
-            <a:off x="7677631" y="522400"/>
-            <a:ext cx="2082352" cy="1800000"/>
+            <a:off x="7816217" y="522400"/>
+            <a:ext cx="2090324" cy="1800000"/>
           </a:xfrm>
           <a:prstGeom prst="rect">
             <a:avLst/>
